--- a/Analysis and Model to Predict Future Sales Prices.pptx
+++ b/Analysis and Model to Predict Future Sales Prices.pptx
@@ -122,6 +122,11 @@
       </a:defRPr>
     </a:lvl9pPr>
   </p:defaultTextStyle>
+  <p:extLst>
+    <p:ext uri="{EFAFB233-063F-42B5-8137-9DF3F51BA10A}">
+      <p15:sldGuideLst xmlns:p15="http://schemas.microsoft.com/office/powerpoint/2012/main"/>
+    </p:ext>
+  </p:extLst>
 </p:presentation>
 </file>
 
@@ -207,7 +212,7 @@
           <a:p>
             <a:fld id="{2E2F80E3-FCB5-4EE2-BED7-8B5DF008C6C4}" type="datetimeFigureOut">
               <a:rPr lang="en-CA" smtClean="0"/>
-              <a:t>2021-07-06</a:t>
+              <a:t>2021-07-07</a:t>
             </a:fld>
             <a:endParaRPr lang="en-CA"/>
           </a:p>
@@ -366,7 +371,7 @@
           <a:p>
             <a:fld id="{0F856AD5-C193-4ADC-8EA5-30622BF823D0}" type="slidenum">
               <a:rPr lang="en-CA" smtClean="0"/>
-              <a:t>‹nº›</a:t>
+              <a:t>‹#›</a:t>
             </a:fld>
             <a:endParaRPr lang="en-CA"/>
           </a:p>
@@ -878,7 +883,7 @@
           <a:p>
             <a:fld id="{1807E5D7-ED87-4C7F-86AE-BD6FDFD85228}" type="datetimeFigureOut">
               <a:rPr lang="en-CA" smtClean="0"/>
-              <a:t>2021-07-06</a:t>
+              <a:t>2021-07-07</a:t>
             </a:fld>
             <a:endParaRPr lang="en-CA"/>
           </a:p>
@@ -929,7 +934,7 @@
           <a:p>
             <a:fld id="{0F94BB94-8777-4958-85F8-31D057D77BD7}" type="slidenum">
               <a:rPr lang="en-CA" smtClean="0"/>
-              <a:t>‹nº›</a:t>
+              <a:t>‹#›</a:t>
             </a:fld>
             <a:endParaRPr lang="en-CA"/>
           </a:p>
@@ -1057,7 +1062,7 @@
           <a:p>
             <a:fld id="{1807E5D7-ED87-4C7F-86AE-BD6FDFD85228}" type="datetimeFigureOut">
               <a:rPr lang="en-CA" smtClean="0"/>
-              <a:t>2021-07-06</a:t>
+              <a:t>2021-07-07</a:t>
             </a:fld>
             <a:endParaRPr lang="en-CA"/>
           </a:p>
@@ -1099,7 +1104,7 @@
           <a:p>
             <a:fld id="{0F94BB94-8777-4958-85F8-31D057D77BD7}" type="slidenum">
               <a:rPr lang="en-CA" smtClean="0"/>
-              <a:t>‹nº›</a:t>
+              <a:t>‹#›</a:t>
             </a:fld>
             <a:endParaRPr lang="en-CA"/>
           </a:p>
@@ -1237,7 +1242,7 @@
           <a:p>
             <a:fld id="{1807E5D7-ED87-4C7F-86AE-BD6FDFD85228}" type="datetimeFigureOut">
               <a:rPr lang="en-CA" smtClean="0"/>
-              <a:t>2021-07-06</a:t>
+              <a:t>2021-07-07</a:t>
             </a:fld>
             <a:endParaRPr lang="en-CA"/>
           </a:p>
@@ -1279,7 +1284,7 @@
           <a:p>
             <a:fld id="{0F94BB94-8777-4958-85F8-31D057D77BD7}" type="slidenum">
               <a:rPr lang="en-CA" smtClean="0"/>
-              <a:t>‹nº›</a:t>
+              <a:t>‹#›</a:t>
             </a:fld>
             <a:endParaRPr lang="en-CA"/>
           </a:p>
@@ -1407,7 +1412,7 @@
           <a:p>
             <a:fld id="{1807E5D7-ED87-4C7F-86AE-BD6FDFD85228}" type="datetimeFigureOut">
               <a:rPr lang="en-CA" smtClean="0"/>
-              <a:t>2021-07-06</a:t>
+              <a:t>2021-07-07</a:t>
             </a:fld>
             <a:endParaRPr lang="en-CA"/>
           </a:p>
@@ -1449,7 +1454,7 @@
           <a:p>
             <a:fld id="{0F94BB94-8777-4958-85F8-31D057D77BD7}" type="slidenum">
               <a:rPr lang="en-CA" smtClean="0"/>
-              <a:t>‹nº›</a:t>
+              <a:t>‹#›</a:t>
             </a:fld>
             <a:endParaRPr lang="en-CA"/>
           </a:p>
@@ -1720,7 +1725,7 @@
           <a:p>
             <a:fld id="{1807E5D7-ED87-4C7F-86AE-BD6FDFD85228}" type="datetimeFigureOut">
               <a:rPr lang="en-CA" smtClean="0"/>
-              <a:t>2021-07-06</a:t>
+              <a:t>2021-07-07</a:t>
             </a:fld>
             <a:endParaRPr lang="en-CA"/>
           </a:p>
@@ -1860,7 +1865,7 @@
           <a:p>
             <a:fld id="{0F94BB94-8777-4958-85F8-31D057D77BD7}" type="slidenum">
               <a:rPr lang="en-CA" smtClean="0"/>
-              <a:t>‹nº›</a:t>
+              <a:t>‹#›</a:t>
             </a:fld>
             <a:endParaRPr lang="en-CA"/>
           </a:p>
@@ -2106,7 +2111,7 @@
           <a:p>
             <a:fld id="{1807E5D7-ED87-4C7F-86AE-BD6FDFD85228}" type="datetimeFigureOut">
               <a:rPr lang="en-CA" smtClean="0"/>
-              <a:t>2021-07-06</a:t>
+              <a:t>2021-07-07</a:t>
             </a:fld>
             <a:endParaRPr lang="en-CA"/>
           </a:p>
@@ -2148,7 +2153,7 @@
           <a:p>
             <a:fld id="{0F94BB94-8777-4958-85F8-31D057D77BD7}" type="slidenum">
               <a:rPr lang="en-CA" smtClean="0"/>
-              <a:t>‹nº›</a:t>
+              <a:t>‹#›</a:t>
             </a:fld>
             <a:endParaRPr lang="en-CA"/>
           </a:p>
@@ -2540,7 +2545,7 @@
           <a:p>
             <a:fld id="{1807E5D7-ED87-4C7F-86AE-BD6FDFD85228}" type="datetimeFigureOut">
               <a:rPr lang="en-CA" smtClean="0"/>
-              <a:t>2021-07-06</a:t>
+              <a:t>2021-07-07</a:t>
             </a:fld>
             <a:endParaRPr lang="en-CA"/>
           </a:p>
@@ -2582,7 +2587,7 @@
           <a:p>
             <a:fld id="{0F94BB94-8777-4958-85F8-31D057D77BD7}" type="slidenum">
               <a:rPr lang="en-CA" smtClean="0"/>
-              <a:t>‹nº›</a:t>
+              <a:t>‹#›</a:t>
             </a:fld>
             <a:endParaRPr lang="en-CA"/>
           </a:p>
@@ -2658,7 +2663,7 @@
           <a:p>
             <a:fld id="{1807E5D7-ED87-4C7F-86AE-BD6FDFD85228}" type="datetimeFigureOut">
               <a:rPr lang="en-CA" smtClean="0"/>
-              <a:t>2021-07-06</a:t>
+              <a:t>2021-07-07</a:t>
             </a:fld>
             <a:endParaRPr lang="en-CA"/>
           </a:p>
@@ -2700,7 +2705,7 @@
           <a:p>
             <a:fld id="{0F94BB94-8777-4958-85F8-31D057D77BD7}" type="slidenum">
               <a:rPr lang="en-CA" smtClean="0"/>
-              <a:t>‹nº›</a:t>
+              <a:t>‹#›</a:t>
             </a:fld>
             <a:endParaRPr lang="en-CA"/>
           </a:p>
@@ -2753,7 +2758,7 @@
           <a:p>
             <a:fld id="{1807E5D7-ED87-4C7F-86AE-BD6FDFD85228}" type="datetimeFigureOut">
               <a:rPr lang="en-CA" smtClean="0"/>
-              <a:t>2021-07-06</a:t>
+              <a:t>2021-07-07</a:t>
             </a:fld>
             <a:endParaRPr lang="en-CA"/>
           </a:p>
@@ -2795,7 +2800,7 @@
           <a:p>
             <a:fld id="{0F94BB94-8777-4958-85F8-31D057D77BD7}" type="slidenum">
               <a:rPr lang="en-CA" smtClean="0"/>
-              <a:t>‹nº›</a:t>
+              <a:t>‹#›</a:t>
             </a:fld>
             <a:endParaRPr lang="en-CA"/>
           </a:p>
@@ -3103,7 +3108,7 @@
           <a:p>
             <a:fld id="{1807E5D7-ED87-4C7F-86AE-BD6FDFD85228}" type="datetimeFigureOut">
               <a:rPr lang="en-CA" smtClean="0"/>
-              <a:t>2021-07-06</a:t>
+              <a:t>2021-07-07</a:t>
             </a:fld>
             <a:endParaRPr lang="en-CA"/>
           </a:p>
@@ -3234,7 +3239,7 @@
           <a:p>
             <a:fld id="{0F94BB94-8777-4958-85F8-31D057D77BD7}" type="slidenum">
               <a:rPr lang="en-CA" smtClean="0"/>
-              <a:t>‹nº›</a:t>
+              <a:t>‹#›</a:t>
             </a:fld>
             <a:endParaRPr lang="en-CA"/>
           </a:p>
@@ -3528,7 +3533,7 @@
           <a:p>
             <a:fld id="{1807E5D7-ED87-4C7F-86AE-BD6FDFD85228}" type="datetimeFigureOut">
               <a:rPr lang="en-CA" smtClean="0"/>
-              <a:t>2021-07-06</a:t>
+              <a:t>2021-07-07</a:t>
             </a:fld>
             <a:endParaRPr lang="en-CA"/>
           </a:p>
@@ -3640,7 +3645,7 @@
           <a:p>
             <a:fld id="{0F94BB94-8777-4958-85F8-31D057D77BD7}" type="slidenum">
               <a:rPr lang="en-CA" smtClean="0"/>
-              <a:t>‹nº›</a:t>
+              <a:t>‹#›</a:t>
             </a:fld>
             <a:endParaRPr lang="en-CA"/>
           </a:p>
@@ -3809,7 +3814,7 @@
           <a:p>
             <a:fld id="{1807E5D7-ED87-4C7F-86AE-BD6FDFD85228}" type="datetimeFigureOut">
               <a:rPr lang="en-CA" smtClean="0"/>
-              <a:t>2021-07-06</a:t>
+              <a:t>2021-07-07</a:t>
             </a:fld>
             <a:endParaRPr lang="en-CA"/>
           </a:p>
@@ -3973,7 +3978,7 @@
           <a:p>
             <a:fld id="{0F94BB94-8777-4958-85F8-31D057D77BD7}" type="slidenum">
               <a:rPr lang="en-CA" smtClean="0"/>
-              <a:t>‹nº›</a:t>
+              <a:t>‹#›</a:t>
             </a:fld>
             <a:endParaRPr lang="en-CA"/>
           </a:p>
@@ -4421,7 +4426,7 @@
                 <a:effectLst/>
                 <a:latin typeface="-apple-system"/>
               </a:rPr>
-              <a:t>Analysis and Model to Predict Future Sales Prices Of Toronto Neighborhoods</a:t>
+              <a:t>Analysis and Model to Predict Future Housing Price of Toronto Neighborhoods</a:t>
             </a:r>
             <a:br>
               <a:rPr lang="en-US" b="1" i="0" dirty="0">
@@ -4486,13 +4491,8 @@
             <a:pPr algn="l"/>
             <a:r>
               <a:rPr lang="en-US" dirty="0"/>
-              <a:t>	Grace </a:t>
-            </a:r>
-            <a:r>
-              <a:rPr lang="en-US" dirty="0" err="1"/>
-              <a:t>Zai</a:t>
-            </a:r>
-            <a:endParaRPr lang="en-US" dirty="0"/>
+              <a:t>	Yuanyuan Zai (Grace)</a:t>
+            </a:r>
           </a:p>
           <a:p>
             <a:pPr algn="l"/>
@@ -5359,7 +5359,17 @@
                 <a:effectLst/>
                 <a:latin typeface="Georgia" panose="02040502050405020303" pitchFamily="18" charset="0"/>
               </a:rPr>
-              <a:t>Housing market as one part of the economy will be influenced by macroeconomic factors. Key factors are gross domestic product (GDP), unemployment,  household income, interest rate and so on.</a:t>
+              <a:t>Housing market as one part of the economy will be influenced by macroeconomic factors. Key factors are </a:t>
+            </a:r>
+            <a:r>
+              <a:rPr lang="en-CA" sz="1800" b="0" i="0" dirty="0">
+                <a:solidFill>
+                  <a:srgbClr val="1D1C1D"/>
+                </a:solidFill>
+                <a:effectLst/>
+                <a:latin typeface="Georgia" panose="02040502050405020303" pitchFamily="18" charset="0"/>
+              </a:rPr>
+              <a:t>Consumer Price Index (CPI), Unemployment, Household income, Prime rate, etc.</a:t>
             </a:r>
             <a:endParaRPr lang="en-CA" sz="1800" dirty="0">
               <a:latin typeface="Georgia" panose="02040502050405020303" pitchFamily="18" charset="0"/>
@@ -5499,7 +5509,7 @@
           <a:p>
             <a:r>
               <a:rPr lang="en-US" sz="4000" dirty="0"/>
-              <a:t>Most expensive Neighborhoods Analyses</a:t>
+              <a:t>Most Expensive Neighborhoods Analysis</a:t>
             </a:r>
             <a:endParaRPr lang="en-CA" sz="4000" dirty="0"/>
           </a:p>
@@ -5989,7 +5999,7 @@
             </a:br>
             <a:r>
               <a:rPr lang="en-US" sz="1600" dirty="0"/>
-              <a:t>Considering Shelter costs (rented and owned) : Rent, mortgage , interest, insurances , condominium fees, </a:t>
+              <a:t>Considering Shelter costs (rented and owned), Rent, mortgage , interest, insurances , condominium fees, </a:t>
             </a:r>
             <a:r>
               <a:rPr lang="en-US" sz="1600" dirty="0" err="1"/>
@@ -6085,7 +6095,7 @@
           <a:p>
             <a:r>
               <a:rPr lang="en-US" dirty="0"/>
-              <a:t>Model to predict Future Prices of Toronto Neighborhood </a:t>
+              <a:t>Model to Predict Future Prices of Toronto Neighborhood </a:t>
             </a:r>
             <a:endParaRPr lang="en-CA" dirty="0"/>
           </a:p>

--- a/Analysis and Model to Predict Future Sales Prices.pptx
+++ b/Analysis and Model to Predict Future Sales Prices.pptx
@@ -5,25 +5,27 @@
     <p:sldMasterId id="2147483768" r:id="rId1"/>
   </p:sldMasterIdLst>
   <p:notesMasterIdLst>
-    <p:notesMasterId r:id="rId18"/>
+    <p:notesMasterId r:id="rId20"/>
   </p:notesMasterIdLst>
   <p:sldIdLst>
     <p:sldId id="256" r:id="rId2"/>
-    <p:sldId id="257" r:id="rId3"/>
-    <p:sldId id="259" r:id="rId4"/>
-    <p:sldId id="260" r:id="rId5"/>
-    <p:sldId id="261" r:id="rId6"/>
-    <p:sldId id="262" r:id="rId7"/>
-    <p:sldId id="264" r:id="rId8"/>
-    <p:sldId id="263" r:id="rId9"/>
-    <p:sldId id="265" r:id="rId10"/>
-    <p:sldId id="269" r:id="rId11"/>
-    <p:sldId id="268" r:id="rId12"/>
-    <p:sldId id="266" r:id="rId13"/>
-    <p:sldId id="267" r:id="rId14"/>
-    <p:sldId id="270" r:id="rId15"/>
-    <p:sldId id="272" r:id="rId16"/>
-    <p:sldId id="271" r:id="rId17"/>
+    <p:sldId id="273" r:id="rId3"/>
+    <p:sldId id="257" r:id="rId4"/>
+    <p:sldId id="274" r:id="rId5"/>
+    <p:sldId id="259" r:id="rId6"/>
+    <p:sldId id="260" r:id="rId7"/>
+    <p:sldId id="261" r:id="rId8"/>
+    <p:sldId id="262" r:id="rId9"/>
+    <p:sldId id="264" r:id="rId10"/>
+    <p:sldId id="263" r:id="rId11"/>
+    <p:sldId id="265" r:id="rId12"/>
+    <p:sldId id="269" r:id="rId13"/>
+    <p:sldId id="268" r:id="rId14"/>
+    <p:sldId id="266" r:id="rId15"/>
+    <p:sldId id="267" r:id="rId16"/>
+    <p:sldId id="270" r:id="rId17"/>
+    <p:sldId id="272" r:id="rId18"/>
+    <p:sldId id="271" r:id="rId19"/>
   </p:sldIdLst>
   <p:sldSz cx="12192000" cy="6858000"/>
   <p:notesSz cx="6858000" cy="9144000"/>
@@ -123,11 +125,2425 @@
     </a:lvl9pPr>
   </p:defaultTextStyle>
   <p:extLst>
+    <p:ext uri="{521415D9-36F7-43E2-AB2F-B90AF26B5E84}">
+      <p14:sectionLst xmlns:p14="http://schemas.microsoft.com/office/powerpoint/2010/main">
+        <p14:section name="Untitled Section" id="{7B30E5BD-0748-4A6C-93EC-754AA015760B}">
+          <p14:sldIdLst>
+            <p14:sldId id="256"/>
+            <p14:sldId id="273"/>
+            <p14:sldId id="257"/>
+            <p14:sldId id="274"/>
+            <p14:sldId id="259"/>
+            <p14:sldId id="260"/>
+            <p14:sldId id="261"/>
+            <p14:sldId id="262"/>
+            <p14:sldId id="264"/>
+            <p14:sldId id="263"/>
+            <p14:sldId id="265"/>
+            <p14:sldId id="269"/>
+            <p14:sldId id="268"/>
+            <p14:sldId id="266"/>
+            <p14:sldId id="267"/>
+            <p14:sldId id="270"/>
+            <p14:sldId id="272"/>
+            <p14:sldId id="271"/>
+          </p14:sldIdLst>
+        </p14:section>
+      </p14:sectionLst>
+    </p:ext>
     <p:ext uri="{EFAFB233-063F-42B5-8137-9DF3F51BA10A}">
       <p15:sldGuideLst xmlns:p15="http://schemas.microsoft.com/office/powerpoint/2012/main"/>
     </p:ext>
   </p:extLst>
 </p:presentation>
+</file>
+
+<file path=ppt/diagrams/colors1.xml><?xml version="1.0" encoding="utf-8"?>
+<dgm:colorsDef xmlns:dgm="http://schemas.openxmlformats.org/drawingml/2006/diagram" xmlns:a="http://schemas.openxmlformats.org/drawingml/2006/main" uniqueId="urn:microsoft.com/office/officeart/2005/8/colors/accent1_2">
+  <dgm:title val=""/>
+  <dgm:desc val=""/>
+  <dgm:catLst>
+    <dgm:cat type="accent1" pri="11200"/>
+  </dgm:catLst>
+  <dgm:styleLbl name="node0">
+    <dgm:fillClrLst meth="repeat">
+      <a:schemeClr val="accent1"/>
+    </dgm:fillClrLst>
+    <dgm:linClrLst meth="repeat">
+      <a:schemeClr val="lt1"/>
+    </dgm:linClrLst>
+    <dgm:effectClrLst/>
+    <dgm:txLinClrLst/>
+    <dgm:txFillClrLst/>
+    <dgm:txEffectClrLst/>
+  </dgm:styleLbl>
+  <dgm:styleLbl name="alignNode1">
+    <dgm:fillClrLst meth="repeat">
+      <a:schemeClr val="accent1"/>
+    </dgm:fillClrLst>
+    <dgm:linClrLst meth="repeat">
+      <a:schemeClr val="accent1"/>
+    </dgm:linClrLst>
+    <dgm:effectClrLst/>
+    <dgm:txLinClrLst/>
+    <dgm:txFillClrLst/>
+    <dgm:txEffectClrLst/>
+  </dgm:styleLbl>
+  <dgm:styleLbl name="node1">
+    <dgm:fillClrLst meth="repeat">
+      <a:schemeClr val="accent1"/>
+    </dgm:fillClrLst>
+    <dgm:linClrLst meth="repeat">
+      <a:schemeClr val="lt1"/>
+    </dgm:linClrLst>
+    <dgm:effectClrLst/>
+    <dgm:txLinClrLst/>
+    <dgm:txFillClrLst/>
+    <dgm:txEffectClrLst/>
+  </dgm:styleLbl>
+  <dgm:styleLbl name="lnNode1">
+    <dgm:fillClrLst meth="repeat">
+      <a:schemeClr val="accent1"/>
+    </dgm:fillClrLst>
+    <dgm:linClrLst meth="repeat">
+      <a:schemeClr val="lt1"/>
+    </dgm:linClrLst>
+    <dgm:effectClrLst/>
+    <dgm:txLinClrLst/>
+    <dgm:txFillClrLst/>
+    <dgm:txEffectClrLst/>
+  </dgm:styleLbl>
+  <dgm:styleLbl name="vennNode1">
+    <dgm:fillClrLst meth="repeat">
+      <a:schemeClr val="accent1">
+        <a:alpha val="50000"/>
+      </a:schemeClr>
+    </dgm:fillClrLst>
+    <dgm:linClrLst meth="repeat">
+      <a:schemeClr val="lt1"/>
+    </dgm:linClrLst>
+    <dgm:effectClrLst/>
+    <dgm:txLinClrLst/>
+    <dgm:txFillClrLst/>
+    <dgm:txEffectClrLst/>
+  </dgm:styleLbl>
+  <dgm:styleLbl name="node2">
+    <dgm:fillClrLst meth="repeat">
+      <a:schemeClr val="accent1"/>
+    </dgm:fillClrLst>
+    <dgm:linClrLst meth="repeat">
+      <a:schemeClr val="lt1"/>
+    </dgm:linClrLst>
+    <dgm:effectClrLst/>
+    <dgm:txLinClrLst/>
+    <dgm:txFillClrLst/>
+    <dgm:txEffectClrLst/>
+  </dgm:styleLbl>
+  <dgm:styleLbl name="node3">
+    <dgm:fillClrLst meth="repeat">
+      <a:schemeClr val="accent1"/>
+    </dgm:fillClrLst>
+    <dgm:linClrLst meth="repeat">
+      <a:schemeClr val="lt1"/>
+    </dgm:linClrLst>
+    <dgm:effectClrLst/>
+    <dgm:txLinClrLst/>
+    <dgm:txFillClrLst/>
+    <dgm:txEffectClrLst/>
+  </dgm:styleLbl>
+  <dgm:styleLbl name="node4">
+    <dgm:fillClrLst meth="repeat">
+      <a:schemeClr val="accent1"/>
+    </dgm:fillClrLst>
+    <dgm:linClrLst meth="repeat">
+      <a:schemeClr val="lt1"/>
+    </dgm:linClrLst>
+    <dgm:effectClrLst/>
+    <dgm:txLinClrLst/>
+    <dgm:txFillClrLst/>
+    <dgm:txEffectClrLst/>
+  </dgm:styleLbl>
+  <dgm:styleLbl name="fgImgPlace1">
+    <dgm:fillClrLst meth="repeat">
+      <a:schemeClr val="accent1">
+        <a:tint val="50000"/>
+      </a:schemeClr>
+    </dgm:fillClrLst>
+    <dgm:linClrLst meth="repeat">
+      <a:schemeClr val="lt1"/>
+    </dgm:linClrLst>
+    <dgm:effectClrLst/>
+    <dgm:txLinClrLst/>
+    <dgm:txFillClrLst meth="repeat">
+      <a:schemeClr val="lt1"/>
+    </dgm:txFillClrLst>
+    <dgm:txEffectClrLst/>
+  </dgm:styleLbl>
+  <dgm:styleLbl name="alignImgPlace1">
+    <dgm:fillClrLst meth="repeat">
+      <a:schemeClr val="accent1">
+        <a:tint val="50000"/>
+      </a:schemeClr>
+    </dgm:fillClrLst>
+    <dgm:linClrLst meth="repeat">
+      <a:schemeClr val="lt1"/>
+    </dgm:linClrLst>
+    <dgm:effectClrLst/>
+    <dgm:txLinClrLst/>
+    <dgm:txFillClrLst meth="repeat">
+      <a:schemeClr val="lt1"/>
+    </dgm:txFillClrLst>
+    <dgm:txEffectClrLst/>
+  </dgm:styleLbl>
+  <dgm:styleLbl name="bgImgPlace1">
+    <dgm:fillClrLst meth="repeat">
+      <a:schemeClr val="accent1">
+        <a:tint val="50000"/>
+      </a:schemeClr>
+    </dgm:fillClrLst>
+    <dgm:linClrLst meth="repeat">
+      <a:schemeClr val="lt1"/>
+    </dgm:linClrLst>
+    <dgm:effectClrLst/>
+    <dgm:txLinClrLst/>
+    <dgm:txFillClrLst meth="repeat">
+      <a:schemeClr val="lt1"/>
+    </dgm:txFillClrLst>
+    <dgm:txEffectClrLst/>
+  </dgm:styleLbl>
+  <dgm:styleLbl name="sibTrans2D1">
+    <dgm:fillClrLst meth="repeat">
+      <a:schemeClr val="accent1">
+        <a:tint val="60000"/>
+      </a:schemeClr>
+    </dgm:fillClrLst>
+    <dgm:linClrLst meth="repeat">
+      <a:schemeClr val="accent1">
+        <a:tint val="60000"/>
+      </a:schemeClr>
+    </dgm:linClrLst>
+    <dgm:effectClrLst/>
+    <dgm:txLinClrLst/>
+    <dgm:txFillClrLst/>
+    <dgm:txEffectClrLst/>
+  </dgm:styleLbl>
+  <dgm:styleLbl name="fgSibTrans2D1">
+    <dgm:fillClrLst meth="repeat">
+      <a:schemeClr val="accent1">
+        <a:tint val="60000"/>
+      </a:schemeClr>
+    </dgm:fillClrLst>
+    <dgm:linClrLst meth="repeat">
+      <a:schemeClr val="accent1">
+        <a:tint val="60000"/>
+      </a:schemeClr>
+    </dgm:linClrLst>
+    <dgm:effectClrLst/>
+    <dgm:txLinClrLst/>
+    <dgm:txFillClrLst/>
+    <dgm:txEffectClrLst/>
+  </dgm:styleLbl>
+  <dgm:styleLbl name="bgSibTrans2D1">
+    <dgm:fillClrLst meth="repeat">
+      <a:schemeClr val="accent1">
+        <a:tint val="60000"/>
+      </a:schemeClr>
+    </dgm:fillClrLst>
+    <dgm:linClrLst meth="repeat">
+      <a:schemeClr val="accent1">
+        <a:tint val="60000"/>
+      </a:schemeClr>
+    </dgm:linClrLst>
+    <dgm:effectClrLst/>
+    <dgm:txLinClrLst/>
+    <dgm:txFillClrLst/>
+    <dgm:txEffectClrLst/>
+  </dgm:styleLbl>
+  <dgm:styleLbl name="sibTrans1D1">
+    <dgm:fillClrLst meth="repeat">
+      <a:schemeClr val="accent1"/>
+    </dgm:fillClrLst>
+    <dgm:linClrLst meth="repeat">
+      <a:schemeClr val="accent1"/>
+    </dgm:linClrLst>
+    <dgm:effectClrLst/>
+    <dgm:txLinClrLst/>
+    <dgm:txFillClrLst meth="repeat">
+      <a:schemeClr val="tx1"/>
+    </dgm:txFillClrLst>
+    <dgm:txEffectClrLst/>
+  </dgm:styleLbl>
+  <dgm:styleLbl name="callout">
+    <dgm:fillClrLst meth="repeat">
+      <a:schemeClr val="accent1"/>
+    </dgm:fillClrLst>
+    <dgm:linClrLst meth="repeat">
+      <a:schemeClr val="accent1">
+        <a:tint val="50000"/>
+      </a:schemeClr>
+    </dgm:linClrLst>
+    <dgm:effectClrLst/>
+    <dgm:txLinClrLst/>
+    <dgm:txFillClrLst meth="repeat">
+      <a:schemeClr val="tx1"/>
+    </dgm:txFillClrLst>
+    <dgm:txEffectClrLst/>
+  </dgm:styleLbl>
+  <dgm:styleLbl name="asst0">
+    <dgm:fillClrLst meth="repeat">
+      <a:schemeClr val="accent1"/>
+    </dgm:fillClrLst>
+    <dgm:linClrLst meth="repeat">
+      <a:schemeClr val="lt1"/>
+    </dgm:linClrLst>
+    <dgm:effectClrLst/>
+    <dgm:txLinClrLst/>
+    <dgm:txFillClrLst/>
+    <dgm:txEffectClrLst/>
+  </dgm:styleLbl>
+  <dgm:styleLbl name="asst1">
+    <dgm:fillClrLst meth="repeat">
+      <a:schemeClr val="accent1"/>
+    </dgm:fillClrLst>
+    <dgm:linClrLst meth="repeat">
+      <a:schemeClr val="lt1"/>
+    </dgm:linClrLst>
+    <dgm:effectClrLst/>
+    <dgm:txLinClrLst/>
+    <dgm:txFillClrLst/>
+    <dgm:txEffectClrLst/>
+  </dgm:styleLbl>
+  <dgm:styleLbl name="asst2">
+    <dgm:fillClrLst meth="repeat">
+      <a:schemeClr val="accent1"/>
+    </dgm:fillClrLst>
+    <dgm:linClrLst meth="repeat">
+      <a:schemeClr val="lt1"/>
+    </dgm:linClrLst>
+    <dgm:effectClrLst/>
+    <dgm:txLinClrLst/>
+    <dgm:txFillClrLst/>
+    <dgm:txEffectClrLst/>
+  </dgm:styleLbl>
+  <dgm:styleLbl name="asst3">
+    <dgm:fillClrLst meth="repeat">
+      <a:schemeClr val="accent1"/>
+    </dgm:fillClrLst>
+    <dgm:linClrLst meth="repeat">
+      <a:schemeClr val="lt1"/>
+    </dgm:linClrLst>
+    <dgm:effectClrLst/>
+    <dgm:txLinClrLst/>
+    <dgm:txFillClrLst/>
+    <dgm:txEffectClrLst/>
+  </dgm:styleLbl>
+  <dgm:styleLbl name="asst4">
+    <dgm:fillClrLst meth="repeat">
+      <a:schemeClr val="accent1"/>
+    </dgm:fillClrLst>
+    <dgm:linClrLst meth="repeat">
+      <a:schemeClr val="lt1"/>
+    </dgm:linClrLst>
+    <dgm:effectClrLst/>
+    <dgm:txLinClrLst/>
+    <dgm:txFillClrLst/>
+    <dgm:txEffectClrLst/>
+  </dgm:styleLbl>
+  <dgm:styleLbl name="parChTrans2D1">
+    <dgm:fillClrLst meth="repeat">
+      <a:schemeClr val="accent1">
+        <a:tint val="60000"/>
+      </a:schemeClr>
+    </dgm:fillClrLst>
+    <dgm:linClrLst meth="repeat">
+      <a:schemeClr val="accent1">
+        <a:tint val="60000"/>
+      </a:schemeClr>
+    </dgm:linClrLst>
+    <dgm:effectClrLst/>
+    <dgm:txLinClrLst/>
+    <dgm:txFillClrLst meth="repeat">
+      <a:schemeClr val="lt1"/>
+    </dgm:txFillClrLst>
+    <dgm:txEffectClrLst/>
+  </dgm:styleLbl>
+  <dgm:styleLbl name="parChTrans2D2">
+    <dgm:fillClrLst meth="repeat">
+      <a:schemeClr val="accent1"/>
+    </dgm:fillClrLst>
+    <dgm:linClrLst meth="repeat">
+      <a:schemeClr val="accent1"/>
+    </dgm:linClrLst>
+    <dgm:effectClrLst/>
+    <dgm:txLinClrLst/>
+    <dgm:txFillClrLst meth="repeat">
+      <a:schemeClr val="lt1"/>
+    </dgm:txFillClrLst>
+    <dgm:txEffectClrLst/>
+  </dgm:styleLbl>
+  <dgm:styleLbl name="parChTrans2D3">
+    <dgm:fillClrLst meth="repeat">
+      <a:schemeClr val="accent1"/>
+    </dgm:fillClrLst>
+    <dgm:linClrLst meth="repeat">
+      <a:schemeClr val="accent1"/>
+    </dgm:linClrLst>
+    <dgm:effectClrLst/>
+    <dgm:txLinClrLst/>
+    <dgm:txFillClrLst meth="repeat">
+      <a:schemeClr val="lt1"/>
+    </dgm:txFillClrLst>
+    <dgm:txEffectClrLst/>
+  </dgm:styleLbl>
+  <dgm:styleLbl name="parChTrans2D4">
+    <dgm:fillClrLst meth="repeat">
+      <a:schemeClr val="accent1"/>
+    </dgm:fillClrLst>
+    <dgm:linClrLst meth="repeat">
+      <a:schemeClr val="accent1"/>
+    </dgm:linClrLst>
+    <dgm:effectClrLst/>
+    <dgm:txLinClrLst/>
+    <dgm:txFillClrLst meth="repeat">
+      <a:schemeClr val="lt1"/>
+    </dgm:txFillClrLst>
+    <dgm:txEffectClrLst/>
+  </dgm:styleLbl>
+  <dgm:styleLbl name="parChTrans1D1">
+    <dgm:fillClrLst meth="repeat">
+      <a:schemeClr val="accent1"/>
+    </dgm:fillClrLst>
+    <dgm:linClrLst meth="repeat">
+      <a:schemeClr val="accent1">
+        <a:shade val="60000"/>
+      </a:schemeClr>
+    </dgm:linClrLst>
+    <dgm:effectClrLst/>
+    <dgm:txLinClrLst/>
+    <dgm:txFillClrLst meth="repeat">
+      <a:schemeClr val="tx1"/>
+    </dgm:txFillClrLst>
+    <dgm:txEffectClrLst/>
+  </dgm:styleLbl>
+  <dgm:styleLbl name="parChTrans1D2">
+    <dgm:fillClrLst meth="repeat">
+      <a:schemeClr val="accent1"/>
+    </dgm:fillClrLst>
+    <dgm:linClrLst meth="repeat">
+      <a:schemeClr val="accent1">
+        <a:shade val="60000"/>
+      </a:schemeClr>
+    </dgm:linClrLst>
+    <dgm:effectClrLst/>
+    <dgm:txLinClrLst/>
+    <dgm:txFillClrLst meth="repeat">
+      <a:schemeClr val="tx1"/>
+    </dgm:txFillClrLst>
+    <dgm:txEffectClrLst/>
+  </dgm:styleLbl>
+  <dgm:styleLbl name="parChTrans1D3">
+    <dgm:fillClrLst meth="repeat">
+      <a:schemeClr val="accent1"/>
+    </dgm:fillClrLst>
+    <dgm:linClrLst meth="repeat">
+      <a:schemeClr val="accent1">
+        <a:shade val="80000"/>
+      </a:schemeClr>
+    </dgm:linClrLst>
+    <dgm:effectClrLst/>
+    <dgm:txLinClrLst/>
+    <dgm:txFillClrLst meth="repeat">
+      <a:schemeClr val="tx1"/>
+    </dgm:txFillClrLst>
+    <dgm:txEffectClrLst/>
+  </dgm:styleLbl>
+  <dgm:styleLbl name="parChTrans1D4">
+    <dgm:fillClrLst meth="repeat">
+      <a:schemeClr val="accent1"/>
+    </dgm:fillClrLst>
+    <dgm:linClrLst meth="repeat">
+      <a:schemeClr val="accent1">
+        <a:shade val="80000"/>
+      </a:schemeClr>
+    </dgm:linClrLst>
+    <dgm:effectClrLst/>
+    <dgm:txLinClrLst/>
+    <dgm:txFillClrLst meth="repeat">
+      <a:schemeClr val="tx1"/>
+    </dgm:txFillClrLst>
+    <dgm:txEffectClrLst/>
+  </dgm:styleLbl>
+  <dgm:styleLbl name="fgAcc1">
+    <dgm:fillClrLst meth="repeat">
+      <a:schemeClr val="lt1">
+        <a:alpha val="90000"/>
+      </a:schemeClr>
+    </dgm:fillClrLst>
+    <dgm:linClrLst meth="repeat">
+      <a:schemeClr val="accent1"/>
+    </dgm:linClrLst>
+    <dgm:effectClrLst/>
+    <dgm:txLinClrLst/>
+    <dgm:txFillClrLst meth="repeat">
+      <a:schemeClr val="dk1"/>
+    </dgm:txFillClrLst>
+    <dgm:txEffectClrLst/>
+  </dgm:styleLbl>
+  <dgm:styleLbl name="conFgAcc1">
+    <dgm:fillClrLst meth="repeat">
+      <a:schemeClr val="lt1">
+        <a:alpha val="90000"/>
+      </a:schemeClr>
+    </dgm:fillClrLst>
+    <dgm:linClrLst meth="repeat">
+      <a:schemeClr val="accent1"/>
+    </dgm:linClrLst>
+    <dgm:effectClrLst/>
+    <dgm:txLinClrLst/>
+    <dgm:txFillClrLst meth="repeat">
+      <a:schemeClr val="dk1"/>
+    </dgm:txFillClrLst>
+    <dgm:txEffectClrLst/>
+  </dgm:styleLbl>
+  <dgm:styleLbl name="alignAcc1">
+    <dgm:fillClrLst meth="repeat">
+      <a:schemeClr val="lt1">
+        <a:alpha val="90000"/>
+      </a:schemeClr>
+    </dgm:fillClrLst>
+    <dgm:linClrLst meth="repeat">
+      <a:schemeClr val="accent1"/>
+    </dgm:linClrLst>
+    <dgm:effectClrLst/>
+    <dgm:txLinClrLst/>
+    <dgm:txFillClrLst meth="repeat">
+      <a:schemeClr val="dk1"/>
+    </dgm:txFillClrLst>
+    <dgm:txEffectClrLst/>
+  </dgm:styleLbl>
+  <dgm:styleLbl name="trAlignAcc1">
+    <dgm:fillClrLst meth="repeat">
+      <a:schemeClr val="lt1">
+        <a:alpha val="40000"/>
+      </a:schemeClr>
+    </dgm:fillClrLst>
+    <dgm:linClrLst meth="repeat">
+      <a:schemeClr val="accent1"/>
+    </dgm:linClrLst>
+    <dgm:effectClrLst/>
+    <dgm:txLinClrLst/>
+    <dgm:txFillClrLst meth="repeat">
+      <a:schemeClr val="dk1"/>
+    </dgm:txFillClrLst>
+    <dgm:txEffectClrLst/>
+  </dgm:styleLbl>
+  <dgm:styleLbl name="bgAcc1">
+    <dgm:fillClrLst meth="repeat">
+      <a:schemeClr val="lt1">
+        <a:alpha val="90000"/>
+      </a:schemeClr>
+    </dgm:fillClrLst>
+    <dgm:linClrLst meth="repeat">
+      <a:schemeClr val="accent1"/>
+    </dgm:linClrLst>
+    <dgm:effectClrLst/>
+    <dgm:txLinClrLst/>
+    <dgm:txFillClrLst meth="repeat">
+      <a:schemeClr val="dk1"/>
+    </dgm:txFillClrLst>
+    <dgm:txEffectClrLst/>
+  </dgm:styleLbl>
+  <dgm:styleLbl name="solidFgAcc1">
+    <dgm:fillClrLst meth="repeat">
+      <a:schemeClr val="lt1"/>
+    </dgm:fillClrLst>
+    <dgm:linClrLst meth="repeat">
+      <a:schemeClr val="accent1"/>
+    </dgm:linClrLst>
+    <dgm:effectClrLst/>
+    <dgm:txLinClrLst/>
+    <dgm:txFillClrLst meth="repeat">
+      <a:schemeClr val="dk1"/>
+    </dgm:txFillClrLst>
+    <dgm:txEffectClrLst/>
+  </dgm:styleLbl>
+  <dgm:styleLbl name="solidAlignAcc1">
+    <dgm:fillClrLst meth="repeat">
+      <a:schemeClr val="lt1"/>
+    </dgm:fillClrLst>
+    <dgm:linClrLst meth="repeat">
+      <a:schemeClr val="accent1"/>
+    </dgm:linClrLst>
+    <dgm:effectClrLst/>
+    <dgm:txLinClrLst/>
+    <dgm:txFillClrLst meth="repeat">
+      <a:schemeClr val="dk1"/>
+    </dgm:txFillClrLst>
+    <dgm:txEffectClrLst/>
+  </dgm:styleLbl>
+  <dgm:styleLbl name="solidBgAcc1">
+    <dgm:fillClrLst meth="repeat">
+      <a:schemeClr val="lt1"/>
+    </dgm:fillClrLst>
+    <dgm:linClrLst meth="repeat">
+      <a:schemeClr val="accent1"/>
+    </dgm:linClrLst>
+    <dgm:effectClrLst/>
+    <dgm:txLinClrLst/>
+    <dgm:txFillClrLst meth="repeat">
+      <a:schemeClr val="dk1"/>
+    </dgm:txFillClrLst>
+    <dgm:txEffectClrLst/>
+  </dgm:styleLbl>
+  <dgm:styleLbl name="fgAccFollowNode1">
+    <dgm:fillClrLst meth="repeat">
+      <a:schemeClr val="accent1">
+        <a:alpha val="90000"/>
+        <a:tint val="40000"/>
+      </a:schemeClr>
+    </dgm:fillClrLst>
+    <dgm:linClrLst meth="repeat">
+      <a:schemeClr val="accent1">
+        <a:alpha val="90000"/>
+        <a:tint val="40000"/>
+      </a:schemeClr>
+    </dgm:linClrLst>
+    <dgm:effectClrLst/>
+    <dgm:txLinClrLst/>
+    <dgm:txFillClrLst meth="repeat">
+      <a:schemeClr val="dk1"/>
+    </dgm:txFillClrLst>
+    <dgm:txEffectClrLst/>
+  </dgm:styleLbl>
+  <dgm:styleLbl name="alignAccFollowNode1">
+    <dgm:fillClrLst meth="repeat">
+      <a:schemeClr val="accent1">
+        <a:alpha val="90000"/>
+        <a:tint val="40000"/>
+      </a:schemeClr>
+    </dgm:fillClrLst>
+    <dgm:linClrLst meth="repeat">
+      <a:schemeClr val="accent1">
+        <a:alpha val="90000"/>
+        <a:tint val="40000"/>
+      </a:schemeClr>
+    </dgm:linClrLst>
+    <dgm:effectClrLst/>
+    <dgm:txLinClrLst/>
+    <dgm:txFillClrLst meth="repeat">
+      <a:schemeClr val="dk1"/>
+    </dgm:txFillClrLst>
+    <dgm:txEffectClrLst/>
+  </dgm:styleLbl>
+  <dgm:styleLbl name="bgAccFollowNode1">
+    <dgm:fillClrLst meth="repeat">
+      <a:schemeClr val="accent1">
+        <a:alpha val="90000"/>
+        <a:tint val="40000"/>
+      </a:schemeClr>
+    </dgm:fillClrLst>
+    <dgm:linClrLst meth="repeat">
+      <a:schemeClr val="accent1">
+        <a:alpha val="90000"/>
+        <a:tint val="40000"/>
+      </a:schemeClr>
+    </dgm:linClrLst>
+    <dgm:effectClrLst/>
+    <dgm:txLinClrLst/>
+    <dgm:txFillClrLst meth="repeat">
+      <a:schemeClr val="dk1"/>
+    </dgm:txFillClrLst>
+    <dgm:txEffectClrLst/>
+  </dgm:styleLbl>
+  <dgm:styleLbl name="fgAcc0">
+    <dgm:fillClrLst meth="repeat">
+      <a:schemeClr val="lt1">
+        <a:alpha val="90000"/>
+      </a:schemeClr>
+    </dgm:fillClrLst>
+    <dgm:linClrLst meth="repeat">
+      <a:schemeClr val="accent1"/>
+    </dgm:linClrLst>
+    <dgm:effectClrLst/>
+    <dgm:txLinClrLst/>
+    <dgm:txFillClrLst meth="repeat">
+      <a:schemeClr val="dk1"/>
+    </dgm:txFillClrLst>
+    <dgm:txEffectClrLst/>
+  </dgm:styleLbl>
+  <dgm:styleLbl name="fgAcc2">
+    <dgm:fillClrLst meth="repeat">
+      <a:schemeClr val="lt1">
+        <a:alpha val="90000"/>
+      </a:schemeClr>
+    </dgm:fillClrLst>
+    <dgm:linClrLst meth="repeat">
+      <a:schemeClr val="accent1"/>
+    </dgm:linClrLst>
+    <dgm:effectClrLst/>
+    <dgm:txLinClrLst/>
+    <dgm:txFillClrLst meth="repeat">
+      <a:schemeClr val="dk1"/>
+    </dgm:txFillClrLst>
+    <dgm:txEffectClrLst/>
+  </dgm:styleLbl>
+  <dgm:styleLbl name="fgAcc3">
+    <dgm:fillClrLst meth="repeat">
+      <a:schemeClr val="lt1">
+        <a:alpha val="90000"/>
+      </a:schemeClr>
+    </dgm:fillClrLst>
+    <dgm:linClrLst meth="repeat">
+      <a:schemeClr val="accent1"/>
+    </dgm:linClrLst>
+    <dgm:effectClrLst/>
+    <dgm:txLinClrLst/>
+    <dgm:txFillClrLst meth="repeat">
+      <a:schemeClr val="dk1"/>
+    </dgm:txFillClrLst>
+    <dgm:txEffectClrLst/>
+  </dgm:styleLbl>
+  <dgm:styleLbl name="fgAcc4">
+    <dgm:fillClrLst meth="repeat">
+      <a:schemeClr val="lt1">
+        <a:alpha val="90000"/>
+      </a:schemeClr>
+    </dgm:fillClrLst>
+    <dgm:linClrLst meth="repeat">
+      <a:schemeClr val="accent1"/>
+    </dgm:linClrLst>
+    <dgm:effectClrLst/>
+    <dgm:txLinClrLst/>
+    <dgm:txFillClrLst meth="repeat">
+      <a:schemeClr val="dk1"/>
+    </dgm:txFillClrLst>
+    <dgm:txEffectClrLst/>
+  </dgm:styleLbl>
+  <dgm:styleLbl name="bgShp">
+    <dgm:fillClrLst meth="repeat">
+      <a:schemeClr val="accent1">
+        <a:tint val="40000"/>
+      </a:schemeClr>
+    </dgm:fillClrLst>
+    <dgm:linClrLst meth="repeat">
+      <a:schemeClr val="accent1"/>
+    </dgm:linClrLst>
+    <dgm:effectClrLst/>
+    <dgm:txLinClrLst/>
+    <dgm:txFillClrLst meth="repeat">
+      <a:schemeClr val="dk1"/>
+    </dgm:txFillClrLst>
+    <dgm:txEffectClrLst/>
+  </dgm:styleLbl>
+  <dgm:styleLbl name="dkBgShp">
+    <dgm:fillClrLst meth="repeat">
+      <a:schemeClr val="accent1">
+        <a:shade val="80000"/>
+      </a:schemeClr>
+    </dgm:fillClrLst>
+    <dgm:linClrLst meth="repeat">
+      <a:schemeClr val="accent1"/>
+    </dgm:linClrLst>
+    <dgm:effectClrLst/>
+    <dgm:txLinClrLst/>
+    <dgm:txFillClrLst meth="repeat">
+      <a:schemeClr val="lt1"/>
+    </dgm:txFillClrLst>
+    <dgm:txEffectClrLst/>
+  </dgm:styleLbl>
+  <dgm:styleLbl name="trBgShp">
+    <dgm:fillClrLst meth="repeat">
+      <a:schemeClr val="accent1">
+        <a:tint val="50000"/>
+        <a:alpha val="40000"/>
+      </a:schemeClr>
+    </dgm:fillClrLst>
+    <dgm:linClrLst meth="repeat">
+      <a:schemeClr val="accent1"/>
+    </dgm:linClrLst>
+    <dgm:effectClrLst/>
+    <dgm:txLinClrLst/>
+    <dgm:txFillClrLst meth="repeat">
+      <a:schemeClr val="lt1"/>
+    </dgm:txFillClrLst>
+    <dgm:txEffectClrLst/>
+  </dgm:styleLbl>
+  <dgm:styleLbl name="fgShp">
+    <dgm:fillClrLst meth="repeat">
+      <a:schemeClr val="accent1">
+        <a:tint val="60000"/>
+      </a:schemeClr>
+    </dgm:fillClrLst>
+    <dgm:linClrLst meth="repeat">
+      <a:schemeClr val="lt1"/>
+    </dgm:linClrLst>
+    <dgm:effectClrLst/>
+    <dgm:txLinClrLst/>
+    <dgm:txFillClrLst meth="repeat">
+      <a:schemeClr val="dk1"/>
+    </dgm:txFillClrLst>
+    <dgm:txEffectClrLst/>
+  </dgm:styleLbl>
+  <dgm:styleLbl name="revTx">
+    <dgm:fillClrLst meth="repeat">
+      <a:schemeClr val="lt1">
+        <a:alpha val="0"/>
+      </a:schemeClr>
+    </dgm:fillClrLst>
+    <dgm:linClrLst meth="repeat">
+      <a:schemeClr val="dk1">
+        <a:alpha val="0"/>
+      </a:schemeClr>
+    </dgm:linClrLst>
+    <dgm:effectClrLst/>
+    <dgm:txLinClrLst/>
+    <dgm:txFillClrLst meth="repeat">
+      <a:schemeClr val="tx1"/>
+    </dgm:txFillClrLst>
+    <dgm:txEffectClrLst/>
+  </dgm:styleLbl>
+</dgm:colorsDef>
+</file>
+
+<file path=ppt/diagrams/data1.xml><?xml version="1.0" encoding="utf-8"?>
+<dgm:dataModel xmlns:dgm="http://schemas.openxmlformats.org/drawingml/2006/diagram" xmlns:a="http://schemas.openxmlformats.org/drawingml/2006/main">
+  <dgm:ptLst>
+    <dgm:pt modelId="{AA622787-6741-46CB-BD88-CD2701325361}" type="doc">
+      <dgm:prSet loTypeId="urn:microsoft.com/office/officeart/2005/8/layout/vList2" loCatId="list" qsTypeId="urn:microsoft.com/office/officeart/2005/8/quickstyle/simple1" qsCatId="simple" csTypeId="urn:microsoft.com/office/officeart/2005/8/colors/accent1_2" csCatId="accent1" phldr="1"/>
+      <dgm:spPr/>
+      <dgm:t>
+        <a:bodyPr/>
+        <a:lstStyle/>
+        <a:p>
+          <a:endParaRPr lang="en-US"/>
+        </a:p>
+      </dgm:t>
+    </dgm:pt>
+    <dgm:pt modelId="{552A43F2-B05E-44C5-8F18-2BC1A82013B1}">
+      <dgm:prSet/>
+      <dgm:spPr/>
+      <dgm:t>
+        <a:bodyPr/>
+        <a:lstStyle/>
+        <a:p>
+          <a:r>
+            <a:rPr lang="en-CA"/>
+            <a:t>Unemployment rate has significant negative impact on the housing price. </a:t>
+          </a:r>
+          <a:endParaRPr lang="en-US"/>
+        </a:p>
+      </dgm:t>
+    </dgm:pt>
+    <dgm:pt modelId="{9439B566-674F-4333-A032-19E65462AAB3}" type="parTrans" cxnId="{AAC23720-45F3-4133-AC4E-6E04C886EAF2}">
+      <dgm:prSet/>
+      <dgm:spPr/>
+      <dgm:t>
+        <a:bodyPr/>
+        <a:lstStyle/>
+        <a:p>
+          <a:endParaRPr lang="en-US"/>
+        </a:p>
+      </dgm:t>
+    </dgm:pt>
+    <dgm:pt modelId="{EB236184-2110-4043-941A-B3559A9C0E7F}" type="sibTrans" cxnId="{AAC23720-45F3-4133-AC4E-6E04C886EAF2}">
+      <dgm:prSet/>
+      <dgm:spPr/>
+      <dgm:t>
+        <a:bodyPr/>
+        <a:lstStyle/>
+        <a:p>
+          <a:endParaRPr lang="en-US"/>
+        </a:p>
+      </dgm:t>
+    </dgm:pt>
+    <dgm:pt modelId="{07E3AC70-4221-4093-938D-9EEA1F0FB5F6}">
+      <dgm:prSet/>
+      <dgm:spPr/>
+      <dgm:t>
+        <a:bodyPr/>
+        <a:lstStyle/>
+        <a:p>
+          <a:r>
+            <a:rPr lang="en-CA" dirty="0"/>
+            <a:t>Household income has slightly negative impact on the housing price.</a:t>
+          </a:r>
+          <a:endParaRPr lang="en-US" dirty="0"/>
+        </a:p>
+      </dgm:t>
+    </dgm:pt>
+    <dgm:pt modelId="{5F7D3288-BE63-4587-A2BD-374901DDDF54}" type="parTrans" cxnId="{1C4D58C0-61EB-4C4E-8BC3-F8233048129D}">
+      <dgm:prSet/>
+      <dgm:spPr/>
+      <dgm:t>
+        <a:bodyPr/>
+        <a:lstStyle/>
+        <a:p>
+          <a:endParaRPr lang="en-US"/>
+        </a:p>
+      </dgm:t>
+    </dgm:pt>
+    <dgm:pt modelId="{1C5D6A89-EC8B-4B04-8AED-C5704A5EDFB9}" type="sibTrans" cxnId="{1C4D58C0-61EB-4C4E-8BC3-F8233048129D}">
+      <dgm:prSet/>
+      <dgm:spPr/>
+      <dgm:t>
+        <a:bodyPr/>
+        <a:lstStyle/>
+        <a:p>
+          <a:endParaRPr lang="en-US"/>
+        </a:p>
+      </dgm:t>
+    </dgm:pt>
+    <dgm:pt modelId="{8297AF58-985A-4F5A-86A5-DE85E8C39354}">
+      <dgm:prSet/>
+      <dgm:spPr/>
+      <dgm:t>
+        <a:bodyPr/>
+        <a:lstStyle/>
+        <a:p>
+          <a:r>
+            <a:rPr lang="en-CA" dirty="0"/>
+            <a:t>Interest finding:  Primary rate                 - Mainly negative impact                          - Exception:  Period between 2008 and 2010</a:t>
+          </a:r>
+          <a:endParaRPr lang="en-US" dirty="0"/>
+        </a:p>
+      </dgm:t>
+    </dgm:pt>
+    <dgm:pt modelId="{15998485-4D69-437B-8EFE-031584750FC4}" type="parTrans" cxnId="{B70238F6-05B1-48FD-9FBC-06C997F5B7B0}">
+      <dgm:prSet/>
+      <dgm:spPr/>
+      <dgm:t>
+        <a:bodyPr/>
+        <a:lstStyle/>
+        <a:p>
+          <a:endParaRPr lang="en-US"/>
+        </a:p>
+      </dgm:t>
+    </dgm:pt>
+    <dgm:pt modelId="{C754BFB8-9814-4A03-A3E9-FD9AB9555940}" type="sibTrans" cxnId="{B70238F6-05B1-48FD-9FBC-06C997F5B7B0}">
+      <dgm:prSet/>
+      <dgm:spPr/>
+      <dgm:t>
+        <a:bodyPr/>
+        <a:lstStyle/>
+        <a:p>
+          <a:endParaRPr lang="en-US"/>
+        </a:p>
+      </dgm:t>
+    </dgm:pt>
+    <dgm:pt modelId="{15AF1072-2F0C-41DD-A02D-554F3AE1DA26}" type="pres">
+      <dgm:prSet presAssocID="{AA622787-6741-46CB-BD88-CD2701325361}" presName="linear" presStyleCnt="0">
+        <dgm:presLayoutVars>
+          <dgm:animLvl val="lvl"/>
+          <dgm:resizeHandles val="exact"/>
+        </dgm:presLayoutVars>
+      </dgm:prSet>
+      <dgm:spPr/>
+    </dgm:pt>
+    <dgm:pt modelId="{34A77F4C-5367-4468-A031-19BC46198432}" type="pres">
+      <dgm:prSet presAssocID="{552A43F2-B05E-44C5-8F18-2BC1A82013B1}" presName="parentText" presStyleLbl="node1" presStyleIdx="0" presStyleCnt="3">
+        <dgm:presLayoutVars>
+          <dgm:chMax val="0"/>
+          <dgm:bulletEnabled val="1"/>
+        </dgm:presLayoutVars>
+      </dgm:prSet>
+      <dgm:spPr/>
+    </dgm:pt>
+    <dgm:pt modelId="{09CEAE81-A780-4E3E-A2C2-B9A5C1B9BD80}" type="pres">
+      <dgm:prSet presAssocID="{EB236184-2110-4043-941A-B3559A9C0E7F}" presName="spacer" presStyleCnt="0"/>
+      <dgm:spPr/>
+    </dgm:pt>
+    <dgm:pt modelId="{2E9BB2B6-7C6B-49F2-8213-92656E9AAFE4}" type="pres">
+      <dgm:prSet presAssocID="{07E3AC70-4221-4093-938D-9EEA1F0FB5F6}" presName="parentText" presStyleLbl="node1" presStyleIdx="1" presStyleCnt="3">
+        <dgm:presLayoutVars>
+          <dgm:chMax val="0"/>
+          <dgm:bulletEnabled val="1"/>
+        </dgm:presLayoutVars>
+      </dgm:prSet>
+      <dgm:spPr/>
+    </dgm:pt>
+    <dgm:pt modelId="{0C3CABDE-6D06-4390-BC08-236928801C02}" type="pres">
+      <dgm:prSet presAssocID="{1C5D6A89-EC8B-4B04-8AED-C5704A5EDFB9}" presName="spacer" presStyleCnt="0"/>
+      <dgm:spPr/>
+    </dgm:pt>
+    <dgm:pt modelId="{623D504E-9C47-4A81-9724-A672E6D164B8}" type="pres">
+      <dgm:prSet presAssocID="{8297AF58-985A-4F5A-86A5-DE85E8C39354}" presName="parentText" presStyleLbl="node1" presStyleIdx="2" presStyleCnt="3">
+        <dgm:presLayoutVars>
+          <dgm:chMax val="0"/>
+          <dgm:bulletEnabled val="1"/>
+        </dgm:presLayoutVars>
+      </dgm:prSet>
+      <dgm:spPr/>
+    </dgm:pt>
+  </dgm:ptLst>
+  <dgm:cxnLst>
+    <dgm:cxn modelId="{3216B406-75B2-4639-8070-745C0B712E23}" type="presOf" srcId="{07E3AC70-4221-4093-938D-9EEA1F0FB5F6}" destId="{2E9BB2B6-7C6B-49F2-8213-92656E9AAFE4}" srcOrd="0" destOrd="0" presId="urn:microsoft.com/office/officeart/2005/8/layout/vList2"/>
+    <dgm:cxn modelId="{AD84D009-0076-4B06-93C0-6DCE491152A2}" type="presOf" srcId="{AA622787-6741-46CB-BD88-CD2701325361}" destId="{15AF1072-2F0C-41DD-A02D-554F3AE1DA26}" srcOrd="0" destOrd="0" presId="urn:microsoft.com/office/officeart/2005/8/layout/vList2"/>
+    <dgm:cxn modelId="{AAC23720-45F3-4133-AC4E-6E04C886EAF2}" srcId="{AA622787-6741-46CB-BD88-CD2701325361}" destId="{552A43F2-B05E-44C5-8F18-2BC1A82013B1}" srcOrd="0" destOrd="0" parTransId="{9439B566-674F-4333-A032-19E65462AAB3}" sibTransId="{EB236184-2110-4043-941A-B3559A9C0E7F}"/>
+    <dgm:cxn modelId="{B9B9EC2F-A4F6-4EC3-848C-0FB0639FA51C}" type="presOf" srcId="{552A43F2-B05E-44C5-8F18-2BC1A82013B1}" destId="{34A77F4C-5367-4468-A031-19BC46198432}" srcOrd="0" destOrd="0" presId="urn:microsoft.com/office/officeart/2005/8/layout/vList2"/>
+    <dgm:cxn modelId="{1C4D58C0-61EB-4C4E-8BC3-F8233048129D}" srcId="{AA622787-6741-46CB-BD88-CD2701325361}" destId="{07E3AC70-4221-4093-938D-9EEA1F0FB5F6}" srcOrd="1" destOrd="0" parTransId="{5F7D3288-BE63-4587-A2BD-374901DDDF54}" sibTransId="{1C5D6A89-EC8B-4B04-8AED-C5704A5EDFB9}"/>
+    <dgm:cxn modelId="{387D62D9-CE86-4F14-9467-DC3A1E513FFB}" type="presOf" srcId="{8297AF58-985A-4F5A-86A5-DE85E8C39354}" destId="{623D504E-9C47-4A81-9724-A672E6D164B8}" srcOrd="0" destOrd="0" presId="urn:microsoft.com/office/officeart/2005/8/layout/vList2"/>
+    <dgm:cxn modelId="{B70238F6-05B1-48FD-9FBC-06C997F5B7B0}" srcId="{AA622787-6741-46CB-BD88-CD2701325361}" destId="{8297AF58-985A-4F5A-86A5-DE85E8C39354}" srcOrd="2" destOrd="0" parTransId="{15998485-4D69-437B-8EFE-031584750FC4}" sibTransId="{C754BFB8-9814-4A03-A3E9-FD9AB9555940}"/>
+    <dgm:cxn modelId="{BA75B7D8-5EAE-49B3-9A80-ED3E079C6A69}" type="presParOf" srcId="{15AF1072-2F0C-41DD-A02D-554F3AE1DA26}" destId="{34A77F4C-5367-4468-A031-19BC46198432}" srcOrd="0" destOrd="0" presId="urn:microsoft.com/office/officeart/2005/8/layout/vList2"/>
+    <dgm:cxn modelId="{A6394958-6A0E-4ACF-AEE8-DE8497695CBF}" type="presParOf" srcId="{15AF1072-2F0C-41DD-A02D-554F3AE1DA26}" destId="{09CEAE81-A780-4E3E-A2C2-B9A5C1B9BD80}" srcOrd="1" destOrd="0" presId="urn:microsoft.com/office/officeart/2005/8/layout/vList2"/>
+    <dgm:cxn modelId="{F99AE529-EB80-41CC-851F-6400BD9CFEA4}" type="presParOf" srcId="{15AF1072-2F0C-41DD-A02D-554F3AE1DA26}" destId="{2E9BB2B6-7C6B-49F2-8213-92656E9AAFE4}" srcOrd="2" destOrd="0" presId="urn:microsoft.com/office/officeart/2005/8/layout/vList2"/>
+    <dgm:cxn modelId="{1A3C3CED-406E-4653-AA59-4BD479CB49AB}" type="presParOf" srcId="{15AF1072-2F0C-41DD-A02D-554F3AE1DA26}" destId="{0C3CABDE-6D06-4390-BC08-236928801C02}" srcOrd="3" destOrd="0" presId="urn:microsoft.com/office/officeart/2005/8/layout/vList2"/>
+    <dgm:cxn modelId="{790A4AC1-628F-4643-8C24-8B0B7AAA394B}" type="presParOf" srcId="{15AF1072-2F0C-41DD-A02D-554F3AE1DA26}" destId="{623D504E-9C47-4A81-9724-A672E6D164B8}" srcOrd="4" destOrd="0" presId="urn:microsoft.com/office/officeart/2005/8/layout/vList2"/>
+  </dgm:cxnLst>
+  <dgm:bg/>
+  <dgm:whole/>
+  <dgm:extLst>
+    <a:ext uri="http://schemas.microsoft.com/office/drawing/2008/diagram">
+      <dsp:dataModelExt xmlns:dsp="http://schemas.microsoft.com/office/drawing/2008/diagram" relId="rId7" minVer="http://schemas.openxmlformats.org/drawingml/2006/diagram"/>
+    </a:ext>
+  </dgm:extLst>
+</dgm:dataModel>
+</file>
+
+<file path=ppt/diagrams/drawing1.xml><?xml version="1.0" encoding="utf-8"?>
+<dsp:drawing xmlns:dgm="http://schemas.openxmlformats.org/drawingml/2006/diagram" xmlns:dsp="http://schemas.microsoft.com/office/drawing/2008/diagram" xmlns:a="http://schemas.openxmlformats.org/drawingml/2006/main">
+  <dsp:spTree>
+    <dsp:nvGrpSpPr>
+      <dsp:cNvPr id="0" name=""/>
+      <dsp:cNvGrpSpPr/>
+    </dsp:nvGrpSpPr>
+    <dsp:grpSpPr/>
+    <dsp:sp modelId="{34A77F4C-5367-4468-A031-19BC46198432}">
+      <dsp:nvSpPr>
+        <dsp:cNvPr id="0" name=""/>
+        <dsp:cNvSpPr/>
+      </dsp:nvSpPr>
+      <dsp:spPr>
+        <a:xfrm>
+          <a:off x="0" y="45002"/>
+          <a:ext cx="4773168" cy="1283782"/>
+        </a:xfrm>
+        <a:prstGeom prst="roundRect">
+          <a:avLst/>
+        </a:prstGeom>
+        <a:solidFill>
+          <a:schemeClr val="accent1">
+            <a:hueOff val="0"/>
+            <a:satOff val="0"/>
+            <a:lumOff val="0"/>
+            <a:alphaOff val="0"/>
+          </a:schemeClr>
+        </a:solidFill>
+        <a:ln w="12700" cap="flat" cmpd="sng" algn="ctr">
+          <a:solidFill>
+            <a:schemeClr val="lt1">
+              <a:hueOff val="0"/>
+              <a:satOff val="0"/>
+              <a:lumOff val="0"/>
+              <a:alphaOff val="0"/>
+            </a:schemeClr>
+          </a:solidFill>
+          <a:prstDash val="solid"/>
+        </a:ln>
+        <a:effectLst/>
+      </dsp:spPr>
+      <dsp:style>
+        <a:lnRef idx="2">
+          <a:scrgbClr r="0" g="0" b="0"/>
+        </a:lnRef>
+        <a:fillRef idx="1">
+          <a:scrgbClr r="0" g="0" b="0"/>
+        </a:fillRef>
+        <a:effectRef idx="0">
+          <a:scrgbClr r="0" g="0" b="0"/>
+        </a:effectRef>
+        <a:fontRef idx="minor">
+          <a:schemeClr val="lt1"/>
+        </a:fontRef>
+      </dsp:style>
+      <dsp:txBody>
+        <a:bodyPr spcFirstLastPara="0" vert="horz" wrap="square" lIns="72390" tIns="72390" rIns="72390" bIns="72390" numCol="1" spcCol="1270" anchor="ctr" anchorCtr="0">
+          <a:noAutofit/>
+        </a:bodyPr>
+        <a:lstStyle/>
+        <a:p>
+          <a:pPr marL="0" lvl="0" indent="0" algn="l" defTabSz="844550">
+            <a:lnSpc>
+              <a:spcPct val="90000"/>
+            </a:lnSpc>
+            <a:spcBef>
+              <a:spcPct val="0"/>
+            </a:spcBef>
+            <a:spcAft>
+              <a:spcPct val="35000"/>
+            </a:spcAft>
+            <a:buNone/>
+          </a:pPr>
+          <a:r>
+            <a:rPr lang="en-CA" sz="1900" kern="1200"/>
+            <a:t>Unemployment rate has significant negative impact on the housing price. </a:t>
+          </a:r>
+          <a:endParaRPr lang="en-US" sz="1900" kern="1200"/>
+        </a:p>
+      </dsp:txBody>
+      <dsp:txXfrm>
+        <a:off x="62669" y="107671"/>
+        <a:ext cx="4647830" cy="1158444"/>
+      </dsp:txXfrm>
+    </dsp:sp>
+    <dsp:sp modelId="{2E9BB2B6-7C6B-49F2-8213-92656E9AAFE4}">
+      <dsp:nvSpPr>
+        <dsp:cNvPr id="0" name=""/>
+        <dsp:cNvSpPr/>
+      </dsp:nvSpPr>
+      <dsp:spPr>
+        <a:xfrm>
+          <a:off x="0" y="1383504"/>
+          <a:ext cx="4773168" cy="1283782"/>
+        </a:xfrm>
+        <a:prstGeom prst="roundRect">
+          <a:avLst/>
+        </a:prstGeom>
+        <a:solidFill>
+          <a:schemeClr val="accent1">
+            <a:hueOff val="0"/>
+            <a:satOff val="0"/>
+            <a:lumOff val="0"/>
+            <a:alphaOff val="0"/>
+          </a:schemeClr>
+        </a:solidFill>
+        <a:ln w="12700" cap="flat" cmpd="sng" algn="ctr">
+          <a:solidFill>
+            <a:schemeClr val="lt1">
+              <a:hueOff val="0"/>
+              <a:satOff val="0"/>
+              <a:lumOff val="0"/>
+              <a:alphaOff val="0"/>
+            </a:schemeClr>
+          </a:solidFill>
+          <a:prstDash val="solid"/>
+        </a:ln>
+        <a:effectLst/>
+      </dsp:spPr>
+      <dsp:style>
+        <a:lnRef idx="2">
+          <a:scrgbClr r="0" g="0" b="0"/>
+        </a:lnRef>
+        <a:fillRef idx="1">
+          <a:scrgbClr r="0" g="0" b="0"/>
+        </a:fillRef>
+        <a:effectRef idx="0">
+          <a:scrgbClr r="0" g="0" b="0"/>
+        </a:effectRef>
+        <a:fontRef idx="minor">
+          <a:schemeClr val="lt1"/>
+        </a:fontRef>
+      </dsp:style>
+      <dsp:txBody>
+        <a:bodyPr spcFirstLastPara="0" vert="horz" wrap="square" lIns="72390" tIns="72390" rIns="72390" bIns="72390" numCol="1" spcCol="1270" anchor="ctr" anchorCtr="0">
+          <a:noAutofit/>
+        </a:bodyPr>
+        <a:lstStyle/>
+        <a:p>
+          <a:pPr marL="0" lvl="0" indent="0" algn="l" defTabSz="844550">
+            <a:lnSpc>
+              <a:spcPct val="90000"/>
+            </a:lnSpc>
+            <a:spcBef>
+              <a:spcPct val="0"/>
+            </a:spcBef>
+            <a:spcAft>
+              <a:spcPct val="35000"/>
+            </a:spcAft>
+            <a:buNone/>
+          </a:pPr>
+          <a:r>
+            <a:rPr lang="en-CA" sz="1900" kern="1200" dirty="0"/>
+            <a:t>Household income has slightly negative impact on the housing price.</a:t>
+          </a:r>
+          <a:endParaRPr lang="en-US" sz="1900" kern="1200" dirty="0"/>
+        </a:p>
+      </dsp:txBody>
+      <dsp:txXfrm>
+        <a:off x="62669" y="1446173"/>
+        <a:ext cx="4647830" cy="1158444"/>
+      </dsp:txXfrm>
+    </dsp:sp>
+    <dsp:sp modelId="{623D504E-9C47-4A81-9724-A672E6D164B8}">
+      <dsp:nvSpPr>
+        <dsp:cNvPr id="0" name=""/>
+        <dsp:cNvSpPr/>
+      </dsp:nvSpPr>
+      <dsp:spPr>
+        <a:xfrm>
+          <a:off x="0" y="2722007"/>
+          <a:ext cx="4773168" cy="1283782"/>
+        </a:xfrm>
+        <a:prstGeom prst="roundRect">
+          <a:avLst/>
+        </a:prstGeom>
+        <a:solidFill>
+          <a:schemeClr val="accent1">
+            <a:hueOff val="0"/>
+            <a:satOff val="0"/>
+            <a:lumOff val="0"/>
+            <a:alphaOff val="0"/>
+          </a:schemeClr>
+        </a:solidFill>
+        <a:ln w="12700" cap="flat" cmpd="sng" algn="ctr">
+          <a:solidFill>
+            <a:schemeClr val="lt1">
+              <a:hueOff val="0"/>
+              <a:satOff val="0"/>
+              <a:lumOff val="0"/>
+              <a:alphaOff val="0"/>
+            </a:schemeClr>
+          </a:solidFill>
+          <a:prstDash val="solid"/>
+        </a:ln>
+        <a:effectLst/>
+      </dsp:spPr>
+      <dsp:style>
+        <a:lnRef idx="2">
+          <a:scrgbClr r="0" g="0" b="0"/>
+        </a:lnRef>
+        <a:fillRef idx="1">
+          <a:scrgbClr r="0" g="0" b="0"/>
+        </a:fillRef>
+        <a:effectRef idx="0">
+          <a:scrgbClr r="0" g="0" b="0"/>
+        </a:effectRef>
+        <a:fontRef idx="minor">
+          <a:schemeClr val="lt1"/>
+        </a:fontRef>
+      </dsp:style>
+      <dsp:txBody>
+        <a:bodyPr spcFirstLastPara="0" vert="horz" wrap="square" lIns="72390" tIns="72390" rIns="72390" bIns="72390" numCol="1" spcCol="1270" anchor="ctr" anchorCtr="0">
+          <a:noAutofit/>
+        </a:bodyPr>
+        <a:lstStyle/>
+        <a:p>
+          <a:pPr marL="0" lvl="0" indent="0" algn="l" defTabSz="844550">
+            <a:lnSpc>
+              <a:spcPct val="90000"/>
+            </a:lnSpc>
+            <a:spcBef>
+              <a:spcPct val="0"/>
+            </a:spcBef>
+            <a:spcAft>
+              <a:spcPct val="35000"/>
+            </a:spcAft>
+            <a:buNone/>
+          </a:pPr>
+          <a:r>
+            <a:rPr lang="en-CA" sz="1900" kern="1200" dirty="0"/>
+            <a:t>Interest finding:  Primary rate                 - Mainly negative impact                          - Exception:  Period between 2008 and 2010</a:t>
+          </a:r>
+          <a:endParaRPr lang="en-US" sz="1900" kern="1200" dirty="0"/>
+        </a:p>
+      </dsp:txBody>
+      <dsp:txXfrm>
+        <a:off x="62669" y="2784676"/>
+        <a:ext cx="4647830" cy="1158444"/>
+      </dsp:txXfrm>
+    </dsp:sp>
+  </dsp:spTree>
+</dsp:drawing>
+</file>
+
+<file path=ppt/diagrams/layout1.xml><?xml version="1.0" encoding="utf-8"?>
+<dgm:layoutDef xmlns:dgm="http://schemas.openxmlformats.org/drawingml/2006/diagram" xmlns:a="http://schemas.openxmlformats.org/drawingml/2006/main" uniqueId="urn:microsoft.com/office/officeart/2005/8/layout/vList2">
+  <dgm:title val=""/>
+  <dgm:desc val=""/>
+  <dgm:catLst>
+    <dgm:cat type="list" pri="3000"/>
+    <dgm:cat type="convert" pri="1000"/>
+  </dgm:catLst>
+  <dgm:sampData>
+    <dgm:dataModel>
+      <dgm:ptLst>
+        <dgm:pt modelId="0" type="doc"/>
+        <dgm:pt modelId="1">
+          <dgm:prSet phldr="1"/>
+        </dgm:pt>
+        <dgm:pt modelId="11">
+          <dgm:prSet phldr="1"/>
+        </dgm:pt>
+        <dgm:pt modelId="2">
+          <dgm:prSet phldr="1"/>
+        </dgm:pt>
+        <dgm:pt modelId="21">
+          <dgm:prSet phldr="1"/>
+        </dgm:pt>
+      </dgm:ptLst>
+      <dgm:cxnLst>
+        <dgm:cxn modelId="4" srcId="0" destId="1" srcOrd="0" destOrd="0"/>
+        <dgm:cxn modelId="5" srcId="0" destId="2" srcOrd="1" destOrd="0"/>
+        <dgm:cxn modelId="12" srcId="1" destId="11" srcOrd="0" destOrd="0"/>
+        <dgm:cxn modelId="23" srcId="2" destId="21" srcOrd="0" destOrd="0"/>
+      </dgm:cxnLst>
+      <dgm:bg/>
+      <dgm:whole/>
+    </dgm:dataModel>
+  </dgm:sampData>
+  <dgm:styleData>
+    <dgm:dataModel>
+      <dgm:ptLst>
+        <dgm:pt modelId="0" type="doc"/>
+        <dgm:pt modelId="1"/>
+        <dgm:pt modelId="2"/>
+      </dgm:ptLst>
+      <dgm:cxnLst>
+        <dgm:cxn modelId="3" srcId="0" destId="1" srcOrd="0" destOrd="0"/>
+        <dgm:cxn modelId="4" srcId="0" destId="2" srcOrd="1" destOrd="0"/>
+      </dgm:cxnLst>
+      <dgm:bg/>
+      <dgm:whole/>
+    </dgm:dataModel>
+  </dgm:styleData>
+  <dgm:clrData>
+    <dgm:dataModel>
+      <dgm:ptLst>
+        <dgm:pt modelId="0" type="doc"/>
+        <dgm:pt modelId="1"/>
+        <dgm:pt modelId="2"/>
+        <dgm:pt modelId="3"/>
+        <dgm:pt modelId="4"/>
+      </dgm:ptLst>
+      <dgm:cxnLst>
+        <dgm:cxn modelId="5" srcId="0" destId="1" srcOrd="0" destOrd="0"/>
+        <dgm:cxn modelId="6" srcId="0" destId="2" srcOrd="1" destOrd="0"/>
+        <dgm:cxn modelId="7" srcId="0" destId="3" srcOrd="2" destOrd="0"/>
+        <dgm:cxn modelId="8" srcId="0" destId="4" srcOrd="3" destOrd="0"/>
+      </dgm:cxnLst>
+      <dgm:bg/>
+      <dgm:whole/>
+    </dgm:dataModel>
+  </dgm:clrData>
+  <dgm:layoutNode name="linear">
+    <dgm:varLst>
+      <dgm:animLvl val="lvl"/>
+      <dgm:resizeHandles val="exact"/>
+    </dgm:varLst>
+    <dgm:alg type="lin">
+      <dgm:param type="linDir" val="fromT"/>
+      <dgm:param type="vertAlign" val="mid"/>
+    </dgm:alg>
+    <dgm:shape xmlns:r="http://schemas.openxmlformats.org/officeDocument/2006/relationships" r:blip="">
+      <dgm:adjLst/>
+    </dgm:shape>
+    <dgm:presOf/>
+    <dgm:constrLst>
+      <dgm:constr type="w" for="ch" forName="parentText" refType="w"/>
+      <dgm:constr type="h" for="ch" forName="parentText" refType="primFontSz" refFor="ch" refForName="parentText" fact="0.52"/>
+      <dgm:constr type="w" for="ch" forName="childText" refType="w"/>
+      <dgm:constr type="h" for="ch" forName="childText" refType="primFontSz" refFor="ch" refForName="parentText" fact="0.46"/>
+      <dgm:constr type="h" for="ch" forName="parentText" op="equ"/>
+      <dgm:constr type="primFontSz" for="ch" forName="parentText" op="equ" val="65"/>
+      <dgm:constr type="primFontSz" for="ch" forName="childText" refType="primFontSz" refFor="ch" refForName="parentText" op="equ"/>
+      <dgm:constr type="h" for="ch" forName="spacer" refType="primFontSz" refFor="ch" refForName="parentText" fact="0.08"/>
+    </dgm:constrLst>
+    <dgm:ruleLst>
+      <dgm:rule type="primFontSz" for="ch" forName="parentText" val="5" fact="NaN" max="NaN"/>
+    </dgm:ruleLst>
+    <dgm:forEach name="Name0" axis="ch" ptType="node">
+      <dgm:layoutNode name="parentText" styleLbl="node1">
+        <dgm:varLst>
+          <dgm:chMax val="0"/>
+          <dgm:bulletEnabled val="1"/>
+        </dgm:varLst>
+        <dgm:alg type="tx">
+          <dgm:param type="parTxLTRAlign" val="l"/>
+          <dgm:param type="parTxRTLAlign" val="r"/>
+        </dgm:alg>
+        <dgm:shape xmlns:r="http://schemas.openxmlformats.org/officeDocument/2006/relationships" type="roundRect" r:blip="">
+          <dgm:adjLst/>
+        </dgm:shape>
+        <dgm:presOf axis="self"/>
+        <dgm:constrLst>
+          <dgm:constr type="tMarg" refType="primFontSz" fact="0.3"/>
+          <dgm:constr type="bMarg" refType="primFontSz" fact="0.3"/>
+          <dgm:constr type="lMarg" refType="primFontSz" fact="0.3"/>
+          <dgm:constr type="rMarg" refType="primFontSz" fact="0.3"/>
+        </dgm:constrLst>
+        <dgm:ruleLst>
+          <dgm:rule type="h" val="INF" fact="NaN" max="NaN"/>
+        </dgm:ruleLst>
+      </dgm:layoutNode>
+      <dgm:choose name="Name1">
+        <dgm:if name="Name2" axis="ch" ptType="node" func="cnt" op="gte" val="1">
+          <dgm:layoutNode name="childText" styleLbl="revTx">
+            <dgm:varLst>
+              <dgm:bulletEnabled val="1"/>
+            </dgm:varLst>
+            <dgm:alg type="tx">
+              <dgm:param type="stBulletLvl" val="1"/>
+              <dgm:param type="lnSpAfChP" val="20"/>
+            </dgm:alg>
+            <dgm:shape xmlns:r="http://schemas.openxmlformats.org/officeDocument/2006/relationships" type="rect" r:blip="">
+              <dgm:adjLst/>
+            </dgm:shape>
+            <dgm:presOf axis="des" ptType="node"/>
+            <dgm:constrLst>
+              <dgm:constr type="tMarg" refType="primFontSz" fact="0.1"/>
+              <dgm:constr type="bMarg" refType="primFontSz" fact="0.1"/>
+              <dgm:constr type="lMarg" refType="w" fact="0.09"/>
+            </dgm:constrLst>
+            <dgm:ruleLst>
+              <dgm:rule type="h" val="INF" fact="NaN" max="NaN"/>
+            </dgm:ruleLst>
+          </dgm:layoutNode>
+        </dgm:if>
+        <dgm:else name="Name3">
+          <dgm:choose name="Name4">
+            <dgm:if name="Name5" axis="par ch" ptType="doc node" func="cnt" op="gte" val="2">
+              <dgm:forEach name="Name6" axis="followSib" ptType="sibTrans" cnt="1">
+                <dgm:layoutNode name="spacer">
+                  <dgm:alg type="sp"/>
+                  <dgm:shape xmlns:r="http://schemas.openxmlformats.org/officeDocument/2006/relationships" r:blip="">
+                    <dgm:adjLst/>
+                  </dgm:shape>
+                  <dgm:presOf/>
+                  <dgm:constrLst/>
+                  <dgm:ruleLst/>
+                </dgm:layoutNode>
+              </dgm:forEach>
+            </dgm:if>
+            <dgm:else name="Name7"/>
+          </dgm:choose>
+        </dgm:else>
+      </dgm:choose>
+    </dgm:forEach>
+  </dgm:layoutNode>
+</dgm:layoutDef>
+</file>
+
+<file path=ppt/diagrams/quickStyle1.xml><?xml version="1.0" encoding="utf-8"?>
+<dgm:styleDef xmlns:dgm="http://schemas.openxmlformats.org/drawingml/2006/diagram" xmlns:a="http://schemas.openxmlformats.org/drawingml/2006/main" uniqueId="urn:microsoft.com/office/officeart/2005/8/quickstyle/simple1">
+  <dgm:title val=""/>
+  <dgm:desc val=""/>
+  <dgm:catLst>
+    <dgm:cat type="simple" pri="10100"/>
+  </dgm:catLst>
+  <dgm:scene3d>
+    <a:camera prst="orthographicFront"/>
+    <a:lightRig rig="threePt" dir="t"/>
+  </dgm:scene3d>
+  <dgm:styleLbl name="node0">
+    <dgm:scene3d>
+      <a:camera prst="orthographicFront"/>
+      <a:lightRig rig="threePt" dir="t"/>
+    </dgm:scene3d>
+    <dgm:sp3d/>
+    <dgm:txPr/>
+    <dgm:style>
+      <a:lnRef idx="2">
+        <a:scrgbClr r="0" g="0" b="0"/>
+      </a:lnRef>
+      <a:fillRef idx="1">
+        <a:scrgbClr r="0" g="0" b="0"/>
+      </a:fillRef>
+      <a:effectRef idx="0">
+        <a:scrgbClr r="0" g="0" b="0"/>
+      </a:effectRef>
+      <a:fontRef idx="minor">
+        <a:schemeClr val="lt1"/>
+      </a:fontRef>
+    </dgm:style>
+  </dgm:styleLbl>
+  <dgm:styleLbl name="lnNode1">
+    <dgm:scene3d>
+      <a:camera prst="orthographicFront"/>
+      <a:lightRig rig="threePt" dir="t"/>
+    </dgm:scene3d>
+    <dgm:sp3d/>
+    <dgm:txPr/>
+    <dgm:style>
+      <a:lnRef idx="2">
+        <a:scrgbClr r="0" g="0" b="0"/>
+      </a:lnRef>
+      <a:fillRef idx="1">
+        <a:scrgbClr r="0" g="0" b="0"/>
+      </a:fillRef>
+      <a:effectRef idx="0">
+        <a:scrgbClr r="0" g="0" b="0"/>
+      </a:effectRef>
+      <a:fontRef idx="minor">
+        <a:schemeClr val="lt1"/>
+      </a:fontRef>
+    </dgm:style>
+  </dgm:styleLbl>
+  <dgm:styleLbl name="vennNode1">
+    <dgm:scene3d>
+      <a:camera prst="orthographicFront"/>
+      <a:lightRig rig="threePt" dir="t"/>
+    </dgm:scene3d>
+    <dgm:sp3d/>
+    <dgm:txPr/>
+    <dgm:style>
+      <a:lnRef idx="2">
+        <a:scrgbClr r="0" g="0" b="0"/>
+      </a:lnRef>
+      <a:fillRef idx="1">
+        <a:scrgbClr r="0" g="0" b="0"/>
+      </a:fillRef>
+      <a:effectRef idx="0">
+        <a:scrgbClr r="0" g="0" b="0"/>
+      </a:effectRef>
+      <a:fontRef idx="minor">
+        <a:schemeClr val="tx1"/>
+      </a:fontRef>
+    </dgm:style>
+  </dgm:styleLbl>
+  <dgm:styleLbl name="alignNode1">
+    <dgm:scene3d>
+      <a:camera prst="orthographicFront"/>
+      <a:lightRig rig="threePt" dir="t"/>
+    </dgm:scene3d>
+    <dgm:sp3d/>
+    <dgm:txPr/>
+    <dgm:style>
+      <a:lnRef idx="2">
+        <a:scrgbClr r="0" g="0" b="0"/>
+      </a:lnRef>
+      <a:fillRef idx="1">
+        <a:scrgbClr r="0" g="0" b="0"/>
+      </a:fillRef>
+      <a:effectRef idx="0">
+        <a:scrgbClr r="0" g="0" b="0"/>
+      </a:effectRef>
+      <a:fontRef idx="minor">
+        <a:schemeClr val="lt1"/>
+      </a:fontRef>
+    </dgm:style>
+  </dgm:styleLbl>
+  <dgm:styleLbl name="node1">
+    <dgm:scene3d>
+      <a:camera prst="orthographicFront"/>
+      <a:lightRig rig="threePt" dir="t"/>
+    </dgm:scene3d>
+    <dgm:sp3d/>
+    <dgm:txPr/>
+    <dgm:style>
+      <a:lnRef idx="2">
+        <a:scrgbClr r="0" g="0" b="0"/>
+      </a:lnRef>
+      <a:fillRef idx="1">
+        <a:scrgbClr r="0" g="0" b="0"/>
+      </a:fillRef>
+      <a:effectRef idx="0">
+        <a:scrgbClr r="0" g="0" b="0"/>
+      </a:effectRef>
+      <a:fontRef idx="minor">
+        <a:schemeClr val="lt1"/>
+      </a:fontRef>
+    </dgm:style>
+  </dgm:styleLbl>
+  <dgm:styleLbl name="node2">
+    <dgm:scene3d>
+      <a:camera prst="orthographicFront"/>
+      <a:lightRig rig="threePt" dir="t"/>
+    </dgm:scene3d>
+    <dgm:sp3d/>
+    <dgm:txPr/>
+    <dgm:style>
+      <a:lnRef idx="2">
+        <a:scrgbClr r="0" g="0" b="0"/>
+      </a:lnRef>
+      <a:fillRef idx="1">
+        <a:scrgbClr r="0" g="0" b="0"/>
+      </a:fillRef>
+      <a:effectRef idx="0">
+        <a:scrgbClr r="0" g="0" b="0"/>
+      </a:effectRef>
+      <a:fontRef idx="minor">
+        <a:schemeClr val="lt1"/>
+      </a:fontRef>
+    </dgm:style>
+  </dgm:styleLbl>
+  <dgm:styleLbl name="node3">
+    <dgm:scene3d>
+      <a:camera prst="orthographicFront"/>
+      <a:lightRig rig="threePt" dir="t"/>
+    </dgm:scene3d>
+    <dgm:sp3d/>
+    <dgm:txPr/>
+    <dgm:style>
+      <a:lnRef idx="2">
+        <a:scrgbClr r="0" g="0" b="0"/>
+      </a:lnRef>
+      <a:fillRef idx="1">
+        <a:scrgbClr r="0" g="0" b="0"/>
+      </a:fillRef>
+      <a:effectRef idx="0">
+        <a:scrgbClr r="0" g="0" b="0"/>
+      </a:effectRef>
+      <a:fontRef idx="minor">
+        <a:schemeClr val="lt1"/>
+      </a:fontRef>
+    </dgm:style>
+  </dgm:styleLbl>
+  <dgm:styleLbl name="node4">
+    <dgm:scene3d>
+      <a:camera prst="orthographicFront"/>
+      <a:lightRig rig="threePt" dir="t"/>
+    </dgm:scene3d>
+    <dgm:sp3d/>
+    <dgm:txPr/>
+    <dgm:style>
+      <a:lnRef idx="2">
+        <a:scrgbClr r="0" g="0" b="0"/>
+      </a:lnRef>
+      <a:fillRef idx="1">
+        <a:scrgbClr r="0" g="0" b="0"/>
+      </a:fillRef>
+      <a:effectRef idx="0">
+        <a:scrgbClr r="0" g="0" b="0"/>
+      </a:effectRef>
+      <a:fontRef idx="minor">
+        <a:schemeClr val="lt1"/>
+      </a:fontRef>
+    </dgm:style>
+  </dgm:styleLbl>
+  <dgm:styleLbl name="fgImgPlace1">
+    <dgm:scene3d>
+      <a:camera prst="orthographicFront"/>
+      <a:lightRig rig="threePt" dir="t"/>
+    </dgm:scene3d>
+    <dgm:sp3d/>
+    <dgm:txPr/>
+    <dgm:style>
+      <a:lnRef idx="2">
+        <a:scrgbClr r="0" g="0" b="0"/>
+      </a:lnRef>
+      <a:fillRef idx="1">
+        <a:scrgbClr r="0" g="0" b="0"/>
+      </a:fillRef>
+      <a:effectRef idx="0">
+        <a:scrgbClr r="0" g="0" b="0"/>
+      </a:effectRef>
+      <a:fontRef idx="minor"/>
+    </dgm:style>
+  </dgm:styleLbl>
+  <dgm:styleLbl name="alignImgPlace1">
+    <dgm:scene3d>
+      <a:camera prst="orthographicFront"/>
+      <a:lightRig rig="threePt" dir="t"/>
+    </dgm:scene3d>
+    <dgm:sp3d/>
+    <dgm:txPr/>
+    <dgm:style>
+      <a:lnRef idx="2">
+        <a:scrgbClr r="0" g="0" b="0"/>
+      </a:lnRef>
+      <a:fillRef idx="1">
+        <a:scrgbClr r="0" g="0" b="0"/>
+      </a:fillRef>
+      <a:effectRef idx="0">
+        <a:scrgbClr r="0" g="0" b="0"/>
+      </a:effectRef>
+      <a:fontRef idx="minor"/>
+    </dgm:style>
+  </dgm:styleLbl>
+  <dgm:styleLbl name="bgImgPlace1">
+    <dgm:scene3d>
+      <a:camera prst="orthographicFront"/>
+      <a:lightRig rig="threePt" dir="t"/>
+    </dgm:scene3d>
+    <dgm:sp3d/>
+    <dgm:txPr/>
+    <dgm:style>
+      <a:lnRef idx="2">
+        <a:scrgbClr r="0" g="0" b="0"/>
+      </a:lnRef>
+      <a:fillRef idx="1">
+        <a:scrgbClr r="0" g="0" b="0"/>
+      </a:fillRef>
+      <a:effectRef idx="0">
+        <a:scrgbClr r="0" g="0" b="0"/>
+      </a:effectRef>
+      <a:fontRef idx="minor"/>
+    </dgm:style>
+  </dgm:styleLbl>
+  <dgm:styleLbl name="sibTrans2D1">
+    <dgm:scene3d>
+      <a:camera prst="orthographicFront"/>
+      <a:lightRig rig="threePt" dir="t"/>
+    </dgm:scene3d>
+    <dgm:sp3d/>
+    <dgm:txPr/>
+    <dgm:style>
+      <a:lnRef idx="0">
+        <a:scrgbClr r="0" g="0" b="0"/>
+      </a:lnRef>
+      <a:fillRef idx="1">
+        <a:scrgbClr r="0" g="0" b="0"/>
+      </a:fillRef>
+      <a:effectRef idx="0">
+        <a:scrgbClr r="0" g="0" b="0"/>
+      </a:effectRef>
+      <a:fontRef idx="minor">
+        <a:schemeClr val="lt1"/>
+      </a:fontRef>
+    </dgm:style>
+  </dgm:styleLbl>
+  <dgm:styleLbl name="fgSibTrans2D1">
+    <dgm:scene3d>
+      <a:camera prst="orthographicFront"/>
+      <a:lightRig rig="threePt" dir="t"/>
+    </dgm:scene3d>
+    <dgm:sp3d/>
+    <dgm:txPr/>
+    <dgm:style>
+      <a:lnRef idx="0">
+        <a:scrgbClr r="0" g="0" b="0"/>
+      </a:lnRef>
+      <a:fillRef idx="1">
+        <a:scrgbClr r="0" g="0" b="0"/>
+      </a:fillRef>
+      <a:effectRef idx="0">
+        <a:scrgbClr r="0" g="0" b="0"/>
+      </a:effectRef>
+      <a:fontRef idx="minor">
+        <a:schemeClr val="lt1"/>
+      </a:fontRef>
+    </dgm:style>
+  </dgm:styleLbl>
+  <dgm:styleLbl name="bgSibTrans2D1">
+    <dgm:scene3d>
+      <a:camera prst="orthographicFront"/>
+      <a:lightRig rig="threePt" dir="t"/>
+    </dgm:scene3d>
+    <dgm:sp3d/>
+    <dgm:txPr/>
+    <dgm:style>
+      <a:lnRef idx="0">
+        <a:scrgbClr r="0" g="0" b="0"/>
+      </a:lnRef>
+      <a:fillRef idx="1">
+        <a:scrgbClr r="0" g="0" b="0"/>
+      </a:fillRef>
+      <a:effectRef idx="0">
+        <a:scrgbClr r="0" g="0" b="0"/>
+      </a:effectRef>
+      <a:fontRef idx="minor">
+        <a:schemeClr val="lt1"/>
+      </a:fontRef>
+    </dgm:style>
+  </dgm:styleLbl>
+  <dgm:styleLbl name="sibTrans1D1">
+    <dgm:scene3d>
+      <a:camera prst="orthographicFront"/>
+      <a:lightRig rig="threePt" dir="t"/>
+    </dgm:scene3d>
+    <dgm:sp3d/>
+    <dgm:txPr/>
+    <dgm:style>
+      <a:lnRef idx="1">
+        <a:scrgbClr r="0" g="0" b="0"/>
+      </a:lnRef>
+      <a:fillRef idx="0">
+        <a:scrgbClr r="0" g="0" b="0"/>
+      </a:fillRef>
+      <a:effectRef idx="0">
+        <a:scrgbClr r="0" g="0" b="0"/>
+      </a:effectRef>
+      <a:fontRef idx="minor"/>
+    </dgm:style>
+  </dgm:styleLbl>
+  <dgm:styleLbl name="callout">
+    <dgm:scene3d>
+      <a:camera prst="orthographicFront"/>
+      <a:lightRig rig="threePt" dir="t"/>
+    </dgm:scene3d>
+    <dgm:sp3d/>
+    <dgm:txPr/>
+    <dgm:style>
+      <a:lnRef idx="2">
+        <a:scrgbClr r="0" g="0" b="0"/>
+      </a:lnRef>
+      <a:fillRef idx="1">
+        <a:scrgbClr r="0" g="0" b="0"/>
+      </a:fillRef>
+      <a:effectRef idx="0">
+        <a:scrgbClr r="0" g="0" b="0"/>
+      </a:effectRef>
+      <a:fontRef idx="minor"/>
+    </dgm:style>
+  </dgm:styleLbl>
+  <dgm:styleLbl name="asst0">
+    <dgm:scene3d>
+      <a:camera prst="orthographicFront"/>
+      <a:lightRig rig="threePt" dir="t"/>
+    </dgm:scene3d>
+    <dgm:sp3d/>
+    <dgm:txPr/>
+    <dgm:style>
+      <a:lnRef idx="2">
+        <a:scrgbClr r="0" g="0" b="0"/>
+      </a:lnRef>
+      <a:fillRef idx="1">
+        <a:scrgbClr r="0" g="0" b="0"/>
+      </a:fillRef>
+      <a:effectRef idx="0">
+        <a:scrgbClr r="0" g="0" b="0"/>
+      </a:effectRef>
+      <a:fontRef idx="minor">
+        <a:schemeClr val="lt1"/>
+      </a:fontRef>
+    </dgm:style>
+  </dgm:styleLbl>
+  <dgm:styleLbl name="asst1">
+    <dgm:scene3d>
+      <a:camera prst="orthographicFront"/>
+      <a:lightRig rig="threePt" dir="t"/>
+    </dgm:scene3d>
+    <dgm:sp3d/>
+    <dgm:txPr/>
+    <dgm:style>
+      <a:lnRef idx="2">
+        <a:scrgbClr r="0" g="0" b="0"/>
+      </a:lnRef>
+      <a:fillRef idx="1">
+        <a:scrgbClr r="0" g="0" b="0"/>
+      </a:fillRef>
+      <a:effectRef idx="0">
+        <a:scrgbClr r="0" g="0" b="0"/>
+      </a:effectRef>
+      <a:fontRef idx="minor">
+        <a:schemeClr val="lt1"/>
+      </a:fontRef>
+    </dgm:style>
+  </dgm:styleLbl>
+  <dgm:styleLbl name="asst2">
+    <dgm:scene3d>
+      <a:camera prst="orthographicFront"/>
+      <a:lightRig rig="threePt" dir="t"/>
+    </dgm:scene3d>
+    <dgm:sp3d/>
+    <dgm:txPr/>
+    <dgm:style>
+      <a:lnRef idx="2">
+        <a:scrgbClr r="0" g="0" b="0"/>
+      </a:lnRef>
+      <a:fillRef idx="1">
+        <a:scrgbClr r="0" g="0" b="0"/>
+      </a:fillRef>
+      <a:effectRef idx="0">
+        <a:scrgbClr r="0" g="0" b="0"/>
+      </a:effectRef>
+      <a:fontRef idx="minor">
+        <a:schemeClr val="lt1"/>
+      </a:fontRef>
+    </dgm:style>
+  </dgm:styleLbl>
+  <dgm:styleLbl name="asst3">
+    <dgm:scene3d>
+      <a:camera prst="orthographicFront"/>
+      <a:lightRig rig="threePt" dir="t"/>
+    </dgm:scene3d>
+    <dgm:sp3d/>
+    <dgm:txPr/>
+    <dgm:style>
+      <a:lnRef idx="2">
+        <a:scrgbClr r="0" g="0" b="0"/>
+      </a:lnRef>
+      <a:fillRef idx="1">
+        <a:scrgbClr r="0" g="0" b="0"/>
+      </a:fillRef>
+      <a:effectRef idx="0">
+        <a:scrgbClr r="0" g="0" b="0"/>
+      </a:effectRef>
+      <a:fontRef idx="minor">
+        <a:schemeClr val="lt1"/>
+      </a:fontRef>
+    </dgm:style>
+  </dgm:styleLbl>
+  <dgm:styleLbl name="asst4">
+    <dgm:scene3d>
+      <a:camera prst="orthographicFront"/>
+      <a:lightRig rig="threePt" dir="t"/>
+    </dgm:scene3d>
+    <dgm:sp3d/>
+    <dgm:txPr/>
+    <dgm:style>
+      <a:lnRef idx="2">
+        <a:scrgbClr r="0" g="0" b="0"/>
+      </a:lnRef>
+      <a:fillRef idx="1">
+        <a:scrgbClr r="0" g="0" b="0"/>
+      </a:fillRef>
+      <a:effectRef idx="0">
+        <a:scrgbClr r="0" g="0" b="0"/>
+      </a:effectRef>
+      <a:fontRef idx="minor">
+        <a:schemeClr val="lt1"/>
+      </a:fontRef>
+    </dgm:style>
+  </dgm:styleLbl>
+  <dgm:styleLbl name="parChTrans2D1">
+    <dgm:scene3d>
+      <a:camera prst="orthographicFront"/>
+      <a:lightRig rig="threePt" dir="t"/>
+    </dgm:scene3d>
+    <dgm:sp3d/>
+    <dgm:txPr/>
+    <dgm:style>
+      <a:lnRef idx="2">
+        <a:scrgbClr r="0" g="0" b="0"/>
+      </a:lnRef>
+      <a:fillRef idx="1">
+        <a:scrgbClr r="0" g="0" b="0"/>
+      </a:fillRef>
+      <a:effectRef idx="0">
+        <a:scrgbClr r="0" g="0" b="0"/>
+      </a:effectRef>
+      <a:fontRef idx="minor">
+        <a:schemeClr val="lt1"/>
+      </a:fontRef>
+    </dgm:style>
+  </dgm:styleLbl>
+  <dgm:styleLbl name="parChTrans2D2">
+    <dgm:scene3d>
+      <a:camera prst="orthographicFront"/>
+      <a:lightRig rig="threePt" dir="t"/>
+    </dgm:scene3d>
+    <dgm:sp3d/>
+    <dgm:txPr/>
+    <dgm:style>
+      <a:lnRef idx="2">
+        <a:scrgbClr r="0" g="0" b="0"/>
+      </a:lnRef>
+      <a:fillRef idx="1">
+        <a:scrgbClr r="0" g="0" b="0"/>
+      </a:fillRef>
+      <a:effectRef idx="0">
+        <a:scrgbClr r="0" g="0" b="0"/>
+      </a:effectRef>
+      <a:fontRef idx="minor">
+        <a:schemeClr val="lt1"/>
+      </a:fontRef>
+    </dgm:style>
+  </dgm:styleLbl>
+  <dgm:styleLbl name="parChTrans2D3">
+    <dgm:scene3d>
+      <a:camera prst="orthographicFront"/>
+      <a:lightRig rig="threePt" dir="t"/>
+    </dgm:scene3d>
+    <dgm:sp3d/>
+    <dgm:txPr/>
+    <dgm:style>
+      <a:lnRef idx="2">
+        <a:scrgbClr r="0" g="0" b="0"/>
+      </a:lnRef>
+      <a:fillRef idx="1">
+        <a:scrgbClr r="0" g="0" b="0"/>
+      </a:fillRef>
+      <a:effectRef idx="0">
+        <a:scrgbClr r="0" g="0" b="0"/>
+      </a:effectRef>
+      <a:fontRef idx="minor">
+        <a:schemeClr val="lt1"/>
+      </a:fontRef>
+    </dgm:style>
+  </dgm:styleLbl>
+  <dgm:styleLbl name="parChTrans2D4">
+    <dgm:scene3d>
+      <a:camera prst="orthographicFront"/>
+      <a:lightRig rig="threePt" dir="t"/>
+    </dgm:scene3d>
+    <dgm:sp3d/>
+    <dgm:txPr/>
+    <dgm:style>
+      <a:lnRef idx="2">
+        <a:scrgbClr r="0" g="0" b="0"/>
+      </a:lnRef>
+      <a:fillRef idx="1">
+        <a:scrgbClr r="0" g="0" b="0"/>
+      </a:fillRef>
+      <a:effectRef idx="0">
+        <a:scrgbClr r="0" g="0" b="0"/>
+      </a:effectRef>
+      <a:fontRef idx="minor">
+        <a:schemeClr val="lt1"/>
+      </a:fontRef>
+    </dgm:style>
+  </dgm:styleLbl>
+  <dgm:styleLbl name="parChTrans1D1">
+    <dgm:scene3d>
+      <a:camera prst="orthographicFront"/>
+      <a:lightRig rig="threePt" dir="t"/>
+    </dgm:scene3d>
+    <dgm:sp3d/>
+    <dgm:txPr/>
+    <dgm:style>
+      <a:lnRef idx="2">
+        <a:scrgbClr r="0" g="0" b="0"/>
+      </a:lnRef>
+      <a:fillRef idx="0">
+        <a:scrgbClr r="0" g="0" b="0"/>
+      </a:fillRef>
+      <a:effectRef idx="0">
+        <a:scrgbClr r="0" g="0" b="0"/>
+      </a:effectRef>
+      <a:fontRef idx="minor"/>
+    </dgm:style>
+  </dgm:styleLbl>
+  <dgm:styleLbl name="parChTrans1D2">
+    <dgm:scene3d>
+      <a:camera prst="orthographicFront"/>
+      <a:lightRig rig="threePt" dir="t"/>
+    </dgm:scene3d>
+    <dgm:sp3d/>
+    <dgm:txPr/>
+    <dgm:style>
+      <a:lnRef idx="2">
+        <a:scrgbClr r="0" g="0" b="0"/>
+      </a:lnRef>
+      <a:fillRef idx="0">
+        <a:scrgbClr r="0" g="0" b="0"/>
+      </a:fillRef>
+      <a:effectRef idx="0">
+        <a:scrgbClr r="0" g="0" b="0"/>
+      </a:effectRef>
+      <a:fontRef idx="minor"/>
+    </dgm:style>
+  </dgm:styleLbl>
+  <dgm:styleLbl name="parChTrans1D3">
+    <dgm:scene3d>
+      <a:camera prst="orthographicFront"/>
+      <a:lightRig rig="threePt" dir="t"/>
+    </dgm:scene3d>
+    <dgm:sp3d/>
+    <dgm:txPr/>
+    <dgm:style>
+      <a:lnRef idx="2">
+        <a:scrgbClr r="0" g="0" b="0"/>
+      </a:lnRef>
+      <a:fillRef idx="0">
+        <a:scrgbClr r="0" g="0" b="0"/>
+      </a:fillRef>
+      <a:effectRef idx="0">
+        <a:scrgbClr r="0" g="0" b="0"/>
+      </a:effectRef>
+      <a:fontRef idx="minor"/>
+    </dgm:style>
+  </dgm:styleLbl>
+  <dgm:styleLbl name="parChTrans1D4">
+    <dgm:scene3d>
+      <a:camera prst="orthographicFront"/>
+      <a:lightRig rig="threePt" dir="t"/>
+    </dgm:scene3d>
+    <dgm:sp3d/>
+    <dgm:txPr/>
+    <dgm:style>
+      <a:lnRef idx="2">
+        <a:scrgbClr r="0" g="0" b="0"/>
+      </a:lnRef>
+      <a:fillRef idx="0">
+        <a:scrgbClr r="0" g="0" b="0"/>
+      </a:fillRef>
+      <a:effectRef idx="0">
+        <a:scrgbClr r="0" g="0" b="0"/>
+      </a:effectRef>
+      <a:fontRef idx="minor"/>
+    </dgm:style>
+  </dgm:styleLbl>
+  <dgm:styleLbl name="fgAcc1">
+    <dgm:scene3d>
+      <a:camera prst="orthographicFront"/>
+      <a:lightRig rig="threePt" dir="t"/>
+    </dgm:scene3d>
+    <dgm:sp3d/>
+    <dgm:txPr/>
+    <dgm:style>
+      <a:lnRef idx="2">
+        <a:scrgbClr r="0" g="0" b="0"/>
+      </a:lnRef>
+      <a:fillRef idx="1">
+        <a:scrgbClr r="0" g="0" b="0"/>
+      </a:fillRef>
+      <a:effectRef idx="0">
+        <a:scrgbClr r="0" g="0" b="0"/>
+      </a:effectRef>
+      <a:fontRef idx="minor"/>
+    </dgm:style>
+  </dgm:styleLbl>
+  <dgm:styleLbl name="conFgAcc1">
+    <dgm:scene3d>
+      <a:camera prst="orthographicFront"/>
+      <a:lightRig rig="threePt" dir="t"/>
+    </dgm:scene3d>
+    <dgm:sp3d/>
+    <dgm:txPr/>
+    <dgm:style>
+      <a:lnRef idx="2">
+        <a:scrgbClr r="0" g="0" b="0"/>
+      </a:lnRef>
+      <a:fillRef idx="1">
+        <a:scrgbClr r="0" g="0" b="0"/>
+      </a:fillRef>
+      <a:effectRef idx="0">
+        <a:scrgbClr r="0" g="0" b="0"/>
+      </a:effectRef>
+      <a:fontRef idx="minor"/>
+    </dgm:style>
+  </dgm:styleLbl>
+  <dgm:styleLbl name="alignAcc1">
+    <dgm:scene3d>
+      <a:camera prst="orthographicFront"/>
+      <a:lightRig rig="threePt" dir="t"/>
+    </dgm:scene3d>
+    <dgm:sp3d/>
+    <dgm:txPr/>
+    <dgm:style>
+      <a:lnRef idx="2">
+        <a:scrgbClr r="0" g="0" b="0"/>
+      </a:lnRef>
+      <a:fillRef idx="1">
+        <a:scrgbClr r="0" g="0" b="0"/>
+      </a:fillRef>
+      <a:effectRef idx="0">
+        <a:scrgbClr r="0" g="0" b="0"/>
+      </a:effectRef>
+      <a:fontRef idx="minor"/>
+    </dgm:style>
+  </dgm:styleLbl>
+  <dgm:styleLbl name="trAlignAcc1">
+    <dgm:scene3d>
+      <a:camera prst="orthographicFront"/>
+      <a:lightRig rig="threePt" dir="t"/>
+    </dgm:scene3d>
+    <dgm:sp3d/>
+    <dgm:txPr/>
+    <dgm:style>
+      <a:lnRef idx="1">
+        <a:scrgbClr r="0" g="0" b="0"/>
+      </a:lnRef>
+      <a:fillRef idx="1">
+        <a:scrgbClr r="0" g="0" b="0"/>
+      </a:fillRef>
+      <a:effectRef idx="0">
+        <a:scrgbClr r="0" g="0" b="0"/>
+      </a:effectRef>
+      <a:fontRef idx="minor"/>
+    </dgm:style>
+  </dgm:styleLbl>
+  <dgm:styleLbl name="bgAcc1">
+    <dgm:scene3d>
+      <a:camera prst="orthographicFront"/>
+      <a:lightRig rig="threePt" dir="t"/>
+    </dgm:scene3d>
+    <dgm:sp3d/>
+    <dgm:txPr/>
+    <dgm:style>
+      <a:lnRef idx="2">
+        <a:scrgbClr r="0" g="0" b="0"/>
+      </a:lnRef>
+      <a:fillRef idx="1">
+        <a:scrgbClr r="0" g="0" b="0"/>
+      </a:fillRef>
+      <a:effectRef idx="0">
+        <a:scrgbClr r="0" g="0" b="0"/>
+      </a:effectRef>
+      <a:fontRef idx="minor"/>
+    </dgm:style>
+  </dgm:styleLbl>
+  <dgm:styleLbl name="solidFgAcc1">
+    <dgm:scene3d>
+      <a:camera prst="orthographicFront"/>
+      <a:lightRig rig="threePt" dir="t"/>
+    </dgm:scene3d>
+    <dgm:sp3d/>
+    <dgm:txPr/>
+    <dgm:style>
+      <a:lnRef idx="2">
+        <a:scrgbClr r="0" g="0" b="0"/>
+      </a:lnRef>
+      <a:fillRef idx="1">
+        <a:scrgbClr r="0" g="0" b="0"/>
+      </a:fillRef>
+      <a:effectRef idx="0">
+        <a:scrgbClr r="0" g="0" b="0"/>
+      </a:effectRef>
+      <a:fontRef idx="minor"/>
+    </dgm:style>
+  </dgm:styleLbl>
+  <dgm:styleLbl name="solidAlignAcc1">
+    <dgm:scene3d>
+      <a:camera prst="orthographicFront"/>
+      <a:lightRig rig="threePt" dir="t"/>
+    </dgm:scene3d>
+    <dgm:sp3d/>
+    <dgm:txPr/>
+    <dgm:style>
+      <a:lnRef idx="2">
+        <a:scrgbClr r="0" g="0" b="0"/>
+      </a:lnRef>
+      <a:fillRef idx="1">
+        <a:scrgbClr r="0" g="0" b="0"/>
+      </a:fillRef>
+      <a:effectRef idx="0">
+        <a:scrgbClr r="0" g="0" b="0"/>
+      </a:effectRef>
+      <a:fontRef idx="minor"/>
+    </dgm:style>
+  </dgm:styleLbl>
+  <dgm:styleLbl name="solidBgAcc1">
+    <dgm:scene3d>
+      <a:camera prst="orthographicFront"/>
+      <a:lightRig rig="threePt" dir="t"/>
+    </dgm:scene3d>
+    <dgm:sp3d/>
+    <dgm:txPr/>
+    <dgm:style>
+      <a:lnRef idx="2">
+        <a:scrgbClr r="0" g="0" b="0"/>
+      </a:lnRef>
+      <a:fillRef idx="1">
+        <a:scrgbClr r="0" g="0" b="0"/>
+      </a:fillRef>
+      <a:effectRef idx="0">
+        <a:scrgbClr r="0" g="0" b="0"/>
+      </a:effectRef>
+      <a:fontRef idx="minor"/>
+    </dgm:style>
+  </dgm:styleLbl>
+  <dgm:styleLbl name="fgAccFollowNode1">
+    <dgm:scene3d>
+      <a:camera prst="orthographicFront"/>
+      <a:lightRig rig="threePt" dir="t"/>
+    </dgm:scene3d>
+    <dgm:sp3d/>
+    <dgm:txPr/>
+    <dgm:style>
+      <a:lnRef idx="2">
+        <a:scrgbClr r="0" g="0" b="0"/>
+      </a:lnRef>
+      <a:fillRef idx="1">
+        <a:scrgbClr r="0" g="0" b="0"/>
+      </a:fillRef>
+      <a:effectRef idx="0">
+        <a:scrgbClr r="0" g="0" b="0"/>
+      </a:effectRef>
+      <a:fontRef idx="minor"/>
+    </dgm:style>
+  </dgm:styleLbl>
+  <dgm:styleLbl name="alignAccFollowNode1">
+    <dgm:scene3d>
+      <a:camera prst="orthographicFront"/>
+      <a:lightRig rig="threePt" dir="t"/>
+    </dgm:scene3d>
+    <dgm:sp3d/>
+    <dgm:txPr/>
+    <dgm:style>
+      <a:lnRef idx="2">
+        <a:scrgbClr r="0" g="0" b="0"/>
+      </a:lnRef>
+      <a:fillRef idx="1">
+        <a:scrgbClr r="0" g="0" b="0"/>
+      </a:fillRef>
+      <a:effectRef idx="0">
+        <a:scrgbClr r="0" g="0" b="0"/>
+      </a:effectRef>
+      <a:fontRef idx="minor"/>
+    </dgm:style>
+  </dgm:styleLbl>
+  <dgm:styleLbl name="bgAccFollowNode1">
+    <dgm:scene3d>
+      <a:camera prst="orthographicFront"/>
+      <a:lightRig rig="threePt" dir="t"/>
+    </dgm:scene3d>
+    <dgm:sp3d/>
+    <dgm:txPr/>
+    <dgm:style>
+      <a:lnRef idx="2">
+        <a:scrgbClr r="0" g="0" b="0"/>
+      </a:lnRef>
+      <a:fillRef idx="1">
+        <a:scrgbClr r="0" g="0" b="0"/>
+      </a:fillRef>
+      <a:effectRef idx="0">
+        <a:scrgbClr r="0" g="0" b="0"/>
+      </a:effectRef>
+      <a:fontRef idx="minor"/>
+    </dgm:style>
+  </dgm:styleLbl>
+  <dgm:styleLbl name="fgAcc0">
+    <dgm:scene3d>
+      <a:camera prst="orthographicFront"/>
+      <a:lightRig rig="threePt" dir="t"/>
+    </dgm:scene3d>
+    <dgm:sp3d/>
+    <dgm:txPr/>
+    <dgm:style>
+      <a:lnRef idx="2">
+        <a:scrgbClr r="0" g="0" b="0"/>
+      </a:lnRef>
+      <a:fillRef idx="1">
+        <a:scrgbClr r="0" g="0" b="0"/>
+      </a:fillRef>
+      <a:effectRef idx="0">
+        <a:scrgbClr r="0" g="0" b="0"/>
+      </a:effectRef>
+      <a:fontRef idx="minor"/>
+    </dgm:style>
+  </dgm:styleLbl>
+  <dgm:styleLbl name="fgAcc2">
+    <dgm:scene3d>
+      <a:camera prst="orthographicFront"/>
+      <a:lightRig rig="threePt" dir="t"/>
+    </dgm:scene3d>
+    <dgm:sp3d/>
+    <dgm:txPr/>
+    <dgm:style>
+      <a:lnRef idx="2">
+        <a:scrgbClr r="0" g="0" b="0"/>
+      </a:lnRef>
+      <a:fillRef idx="1">
+        <a:scrgbClr r="0" g="0" b="0"/>
+      </a:fillRef>
+      <a:effectRef idx="0">
+        <a:scrgbClr r="0" g="0" b="0"/>
+      </a:effectRef>
+      <a:fontRef idx="minor"/>
+    </dgm:style>
+  </dgm:styleLbl>
+  <dgm:styleLbl name="fgAcc3">
+    <dgm:scene3d>
+      <a:camera prst="orthographicFront"/>
+      <a:lightRig rig="threePt" dir="t"/>
+    </dgm:scene3d>
+    <dgm:sp3d/>
+    <dgm:txPr/>
+    <dgm:style>
+      <a:lnRef idx="2">
+        <a:scrgbClr r="0" g="0" b="0"/>
+      </a:lnRef>
+      <a:fillRef idx="1">
+        <a:scrgbClr r="0" g="0" b="0"/>
+      </a:fillRef>
+      <a:effectRef idx="0">
+        <a:scrgbClr r="0" g="0" b="0"/>
+      </a:effectRef>
+      <a:fontRef idx="minor"/>
+    </dgm:style>
+  </dgm:styleLbl>
+  <dgm:styleLbl name="fgAcc4">
+    <dgm:scene3d>
+      <a:camera prst="orthographicFront"/>
+      <a:lightRig rig="threePt" dir="t"/>
+    </dgm:scene3d>
+    <dgm:sp3d/>
+    <dgm:txPr/>
+    <dgm:style>
+      <a:lnRef idx="2">
+        <a:scrgbClr r="0" g="0" b="0"/>
+      </a:lnRef>
+      <a:fillRef idx="1">
+        <a:scrgbClr r="0" g="0" b="0"/>
+      </a:fillRef>
+      <a:effectRef idx="0">
+        <a:scrgbClr r="0" g="0" b="0"/>
+      </a:effectRef>
+      <a:fontRef idx="minor"/>
+    </dgm:style>
+  </dgm:styleLbl>
+  <dgm:styleLbl name="bgShp">
+    <dgm:scene3d>
+      <a:camera prst="orthographicFront"/>
+      <a:lightRig rig="threePt" dir="t"/>
+    </dgm:scene3d>
+    <dgm:sp3d/>
+    <dgm:txPr/>
+    <dgm:style>
+      <a:lnRef idx="0">
+        <a:scrgbClr r="0" g="0" b="0"/>
+      </a:lnRef>
+      <a:fillRef idx="1">
+        <a:scrgbClr r="0" g="0" b="0"/>
+      </a:fillRef>
+      <a:effectRef idx="0">
+        <a:scrgbClr r="0" g="0" b="0"/>
+      </a:effectRef>
+      <a:fontRef idx="minor"/>
+    </dgm:style>
+  </dgm:styleLbl>
+  <dgm:styleLbl name="dkBgShp">
+    <dgm:scene3d>
+      <a:camera prst="orthographicFront"/>
+      <a:lightRig rig="threePt" dir="t"/>
+    </dgm:scene3d>
+    <dgm:sp3d/>
+    <dgm:txPr/>
+    <dgm:style>
+      <a:lnRef idx="0">
+        <a:scrgbClr r="0" g="0" b="0"/>
+      </a:lnRef>
+      <a:fillRef idx="1">
+        <a:scrgbClr r="0" g="0" b="0"/>
+      </a:fillRef>
+      <a:effectRef idx="0">
+        <a:scrgbClr r="0" g="0" b="0"/>
+      </a:effectRef>
+      <a:fontRef idx="minor"/>
+    </dgm:style>
+  </dgm:styleLbl>
+  <dgm:styleLbl name="trBgShp">
+    <dgm:scene3d>
+      <a:camera prst="orthographicFront"/>
+      <a:lightRig rig="threePt" dir="t"/>
+    </dgm:scene3d>
+    <dgm:sp3d/>
+    <dgm:txPr/>
+    <dgm:style>
+      <a:lnRef idx="0">
+        <a:scrgbClr r="0" g="0" b="0"/>
+      </a:lnRef>
+      <a:fillRef idx="1">
+        <a:scrgbClr r="0" g="0" b="0"/>
+      </a:fillRef>
+      <a:effectRef idx="0">
+        <a:scrgbClr r="0" g="0" b="0"/>
+      </a:effectRef>
+      <a:fontRef idx="minor"/>
+    </dgm:style>
+  </dgm:styleLbl>
+  <dgm:styleLbl name="fgShp">
+    <dgm:scene3d>
+      <a:camera prst="orthographicFront"/>
+      <a:lightRig rig="threePt" dir="t"/>
+    </dgm:scene3d>
+    <dgm:sp3d/>
+    <dgm:txPr/>
+    <dgm:style>
+      <a:lnRef idx="2">
+        <a:scrgbClr r="0" g="0" b="0"/>
+      </a:lnRef>
+      <a:fillRef idx="1">
+        <a:scrgbClr r="0" g="0" b="0"/>
+      </a:fillRef>
+      <a:effectRef idx="0">
+        <a:scrgbClr r="0" g="0" b="0"/>
+      </a:effectRef>
+      <a:fontRef idx="minor"/>
+    </dgm:style>
+  </dgm:styleLbl>
+  <dgm:styleLbl name="revTx">
+    <dgm:scene3d>
+      <a:camera prst="orthographicFront"/>
+      <a:lightRig rig="threePt" dir="t"/>
+    </dgm:scene3d>
+    <dgm:sp3d/>
+    <dgm:txPr/>
+    <dgm:style>
+      <a:lnRef idx="0">
+        <a:scrgbClr r="0" g="0" b="0"/>
+      </a:lnRef>
+      <a:fillRef idx="0">
+        <a:scrgbClr r="0" g="0" b="0"/>
+      </a:fillRef>
+      <a:effectRef idx="0">
+        <a:scrgbClr r="0" g="0" b="0"/>
+      </a:effectRef>
+      <a:fontRef idx="minor"/>
+    </dgm:style>
+  </dgm:styleLbl>
+</dgm:styleDef>
 </file>
 
 <file path=ppt/notesMasters/notesMaster1.xml><?xml version="1.0" encoding="utf-8"?>
@@ -212,7 +2628,7 @@
           <a:p>
             <a:fld id="{2E2F80E3-FCB5-4EE2-BED7-8B5DF008C6C4}" type="datetimeFigureOut">
               <a:rPr lang="en-CA" smtClean="0"/>
-              <a:t>2021-07-07</a:t>
+              <a:t>2021-07-08</a:t>
             </a:fld>
             <a:endParaRPr lang="en-CA"/>
           </a:p>
@@ -480,6 +2896,362 @@
 </p:notesMaster>
 </file>
 
+<file path=ppt/notesSlides/notesSlide1.xml><?xml version="1.0" encoding="utf-8"?>
+<p:notes xmlns:a="http://schemas.openxmlformats.org/drawingml/2006/main" xmlns:r="http://schemas.openxmlformats.org/officeDocument/2006/relationships" xmlns:p="http://schemas.openxmlformats.org/presentationml/2006/main">
+  <p:cSld>
+    <p:spTree>
+      <p:nvGrpSpPr>
+        <p:cNvPr id="1" name=""/>
+        <p:cNvGrpSpPr/>
+        <p:nvPr/>
+      </p:nvGrpSpPr>
+      <p:grpSpPr>
+        <a:xfrm>
+          <a:off x="0" y="0"/>
+          <a:ext cx="0" cy="0"/>
+          <a:chOff x="0" y="0"/>
+          <a:chExt cx="0" cy="0"/>
+        </a:xfrm>
+      </p:grpSpPr>
+      <p:sp>
+        <p:nvSpPr>
+          <p:cNvPr id="2" name="Slide Image Placeholder 1"/>
+          <p:cNvSpPr>
+            <a:spLocks noGrp="1" noRot="1" noChangeAspect="1"/>
+          </p:cNvSpPr>
+          <p:nvPr>
+            <p:ph type="sldImg"/>
+          </p:nvPr>
+        </p:nvSpPr>
+        <p:spPr/>
+      </p:sp>
+      <p:sp>
+        <p:nvSpPr>
+          <p:cNvPr id="3" name="Notes Placeholder 2"/>
+          <p:cNvSpPr>
+            <a:spLocks noGrp="1"/>
+          </p:cNvSpPr>
+          <p:nvPr>
+            <p:ph type="body" idx="1"/>
+          </p:nvPr>
+        </p:nvSpPr>
+        <p:spPr/>
+        <p:txBody>
+          <a:bodyPr/>
+          <a:lstStyle/>
+          <a:p>
+            <a:endParaRPr lang="en-CA" dirty="0"/>
+          </a:p>
+        </p:txBody>
+      </p:sp>
+      <p:sp>
+        <p:nvSpPr>
+          <p:cNvPr id="4" name="Slide Number Placeholder 3"/>
+          <p:cNvSpPr>
+            <a:spLocks noGrp="1"/>
+          </p:cNvSpPr>
+          <p:nvPr>
+            <p:ph type="sldNum" sz="quarter" idx="5"/>
+          </p:nvPr>
+        </p:nvSpPr>
+        <p:spPr/>
+        <p:txBody>
+          <a:bodyPr/>
+          <a:lstStyle/>
+          <a:p>
+            <a:fld id="{0F856AD5-C193-4ADC-8EA5-30622BF823D0}" type="slidenum">
+              <a:rPr lang="en-CA" smtClean="0"/>
+              <a:t>1</a:t>
+            </a:fld>
+            <a:endParaRPr lang="en-CA"/>
+          </a:p>
+        </p:txBody>
+      </p:sp>
+    </p:spTree>
+    <p:extLst>
+      <p:ext uri="{BB962C8B-B14F-4D97-AF65-F5344CB8AC3E}">
+        <p14:creationId xmlns:p14="http://schemas.microsoft.com/office/powerpoint/2010/main" val="46471768"/>
+      </p:ext>
+    </p:extLst>
+  </p:cSld>
+  <p:clrMapOvr>
+    <a:masterClrMapping/>
+  </p:clrMapOvr>
+</p:notes>
+</file>
+
+<file path=ppt/notesSlides/notesSlide2.xml><?xml version="1.0" encoding="utf-8"?>
+<p:notes xmlns:a="http://schemas.openxmlformats.org/drawingml/2006/main" xmlns:r="http://schemas.openxmlformats.org/officeDocument/2006/relationships" xmlns:p="http://schemas.openxmlformats.org/presentationml/2006/main">
+  <p:cSld>
+    <p:spTree>
+      <p:nvGrpSpPr>
+        <p:cNvPr id="1" name=""/>
+        <p:cNvGrpSpPr/>
+        <p:nvPr/>
+      </p:nvGrpSpPr>
+      <p:grpSpPr>
+        <a:xfrm>
+          <a:off x="0" y="0"/>
+          <a:ext cx="0" cy="0"/>
+          <a:chOff x="0" y="0"/>
+          <a:chExt cx="0" cy="0"/>
+        </a:xfrm>
+      </p:grpSpPr>
+      <p:sp>
+        <p:nvSpPr>
+          <p:cNvPr id="2" name="Slide Image Placeholder 1"/>
+          <p:cNvSpPr>
+            <a:spLocks noGrp="1" noRot="1" noChangeAspect="1"/>
+          </p:cNvSpPr>
+          <p:nvPr>
+            <p:ph type="sldImg"/>
+          </p:nvPr>
+        </p:nvSpPr>
+        <p:spPr/>
+      </p:sp>
+      <p:sp>
+        <p:nvSpPr>
+          <p:cNvPr id="3" name="Notes Placeholder 2"/>
+          <p:cNvSpPr>
+            <a:spLocks noGrp="1"/>
+          </p:cNvSpPr>
+          <p:nvPr>
+            <p:ph type="body" idx="1"/>
+          </p:nvPr>
+        </p:nvSpPr>
+        <p:spPr/>
+        <p:txBody>
+          <a:bodyPr/>
+          <a:lstStyle/>
+          <a:p>
+            <a:endParaRPr lang="en-CA" dirty="0"/>
+          </a:p>
+        </p:txBody>
+      </p:sp>
+      <p:sp>
+        <p:nvSpPr>
+          <p:cNvPr id="4" name="Slide Number Placeholder 3"/>
+          <p:cNvSpPr>
+            <a:spLocks noGrp="1"/>
+          </p:cNvSpPr>
+          <p:nvPr>
+            <p:ph type="sldNum" sz="quarter" idx="5"/>
+          </p:nvPr>
+        </p:nvSpPr>
+        <p:spPr/>
+        <p:txBody>
+          <a:bodyPr/>
+          <a:lstStyle/>
+          <a:p>
+            <a:fld id="{0F856AD5-C193-4ADC-8EA5-30622BF823D0}" type="slidenum">
+              <a:rPr lang="en-CA" smtClean="0"/>
+              <a:t>2</a:t>
+            </a:fld>
+            <a:endParaRPr lang="en-CA"/>
+          </a:p>
+        </p:txBody>
+      </p:sp>
+    </p:spTree>
+    <p:extLst>
+      <p:ext uri="{BB962C8B-B14F-4D97-AF65-F5344CB8AC3E}">
+        <p14:creationId xmlns:p14="http://schemas.microsoft.com/office/powerpoint/2010/main" val="2280930695"/>
+      </p:ext>
+    </p:extLst>
+  </p:cSld>
+  <p:clrMapOvr>
+    <a:masterClrMapping/>
+  </p:clrMapOvr>
+</p:notes>
+</file>
+
+<file path=ppt/notesSlides/notesSlide3.xml><?xml version="1.0" encoding="utf-8"?>
+<p:notes xmlns:a="http://schemas.openxmlformats.org/drawingml/2006/main" xmlns:r="http://schemas.openxmlformats.org/officeDocument/2006/relationships" xmlns:p="http://schemas.openxmlformats.org/presentationml/2006/main">
+  <p:cSld>
+    <p:spTree>
+      <p:nvGrpSpPr>
+        <p:cNvPr id="1" name=""/>
+        <p:cNvGrpSpPr/>
+        <p:nvPr/>
+      </p:nvGrpSpPr>
+      <p:grpSpPr>
+        <a:xfrm>
+          <a:off x="0" y="0"/>
+          <a:ext cx="0" cy="0"/>
+          <a:chOff x="0" y="0"/>
+          <a:chExt cx="0" cy="0"/>
+        </a:xfrm>
+      </p:grpSpPr>
+      <p:sp>
+        <p:nvSpPr>
+          <p:cNvPr id="2" name="Slide Image Placeholder 1"/>
+          <p:cNvSpPr>
+            <a:spLocks noGrp="1" noRot="1" noChangeAspect="1"/>
+          </p:cNvSpPr>
+          <p:nvPr>
+            <p:ph type="sldImg"/>
+          </p:nvPr>
+        </p:nvSpPr>
+        <p:spPr/>
+      </p:sp>
+      <p:sp>
+        <p:nvSpPr>
+          <p:cNvPr id="3" name="Notes Placeholder 2"/>
+          <p:cNvSpPr>
+            <a:spLocks noGrp="1"/>
+          </p:cNvSpPr>
+          <p:nvPr>
+            <p:ph type="body" idx="1"/>
+          </p:nvPr>
+        </p:nvSpPr>
+        <p:spPr/>
+        <p:txBody>
+          <a:bodyPr/>
+          <a:lstStyle/>
+          <a:p>
+            <a:endParaRPr lang="en-CA" dirty="0"/>
+          </a:p>
+        </p:txBody>
+      </p:sp>
+      <p:sp>
+        <p:nvSpPr>
+          <p:cNvPr id="4" name="Slide Number Placeholder 3"/>
+          <p:cNvSpPr>
+            <a:spLocks noGrp="1"/>
+          </p:cNvSpPr>
+          <p:nvPr>
+            <p:ph type="sldNum" sz="quarter" idx="5"/>
+          </p:nvPr>
+        </p:nvSpPr>
+        <p:spPr/>
+        <p:txBody>
+          <a:bodyPr/>
+          <a:lstStyle/>
+          <a:p>
+            <a:fld id="{0F856AD5-C193-4ADC-8EA5-30622BF823D0}" type="slidenum">
+              <a:rPr lang="en-CA" smtClean="0"/>
+              <a:t>3</a:t>
+            </a:fld>
+            <a:endParaRPr lang="en-CA"/>
+          </a:p>
+        </p:txBody>
+      </p:sp>
+    </p:spTree>
+    <p:extLst>
+      <p:ext uri="{BB962C8B-B14F-4D97-AF65-F5344CB8AC3E}">
+        <p14:creationId xmlns:p14="http://schemas.microsoft.com/office/powerpoint/2010/main" val="777925924"/>
+      </p:ext>
+    </p:extLst>
+  </p:cSld>
+  <p:clrMapOvr>
+    <a:masterClrMapping/>
+  </p:clrMapOvr>
+</p:notes>
+</file>
+
+<file path=ppt/notesSlides/notesSlide4.xml><?xml version="1.0" encoding="utf-8"?>
+<p:notes xmlns:a="http://schemas.openxmlformats.org/drawingml/2006/main" xmlns:r="http://schemas.openxmlformats.org/officeDocument/2006/relationships" xmlns:p="http://schemas.openxmlformats.org/presentationml/2006/main">
+  <p:cSld>
+    <p:spTree>
+      <p:nvGrpSpPr>
+        <p:cNvPr id="1" name=""/>
+        <p:cNvGrpSpPr/>
+        <p:nvPr/>
+      </p:nvGrpSpPr>
+      <p:grpSpPr>
+        <a:xfrm>
+          <a:off x="0" y="0"/>
+          <a:ext cx="0" cy="0"/>
+          <a:chOff x="0" y="0"/>
+          <a:chExt cx="0" cy="0"/>
+        </a:xfrm>
+      </p:grpSpPr>
+      <p:sp>
+        <p:nvSpPr>
+          <p:cNvPr id="2" name="Slide Image Placeholder 1"/>
+          <p:cNvSpPr>
+            <a:spLocks noGrp="1" noRot="1" noChangeAspect="1"/>
+          </p:cNvSpPr>
+          <p:nvPr>
+            <p:ph type="sldImg"/>
+          </p:nvPr>
+        </p:nvSpPr>
+        <p:spPr/>
+      </p:sp>
+      <p:sp>
+        <p:nvSpPr>
+          <p:cNvPr id="3" name="Notes Placeholder 2"/>
+          <p:cNvSpPr>
+            <a:spLocks noGrp="1"/>
+          </p:cNvSpPr>
+          <p:nvPr>
+            <p:ph type="body" idx="1"/>
+          </p:nvPr>
+        </p:nvSpPr>
+        <p:spPr/>
+        <p:txBody>
+          <a:bodyPr/>
+          <a:lstStyle/>
+          <a:p>
+            <a:pPr marL="228600" marR="0" lvl="0" indent="-228600" algn="l" defTabSz="914400" rtl="0" eaLnBrk="1" fontAlgn="auto" latinLnBrk="0" hangingPunct="1">
+              <a:lnSpc>
+                <a:spcPct val="100000"/>
+              </a:lnSpc>
+              <a:spcBef>
+                <a:spcPts val="0"/>
+              </a:spcBef>
+              <a:spcAft>
+                <a:spcPts val="0"/>
+              </a:spcAft>
+              <a:buClrTx/>
+              <a:buSzTx/>
+              <a:buFontTx/>
+              <a:buAutoNum type="arabicPeriod"/>
+              <a:tabLst/>
+              <a:defRPr/>
+            </a:pPr>
+            <a:endParaRPr lang="en-CA" dirty="0"/>
+          </a:p>
+          <a:p>
+            <a:endParaRPr lang="en-CA" dirty="0"/>
+          </a:p>
+        </p:txBody>
+      </p:sp>
+      <p:sp>
+        <p:nvSpPr>
+          <p:cNvPr id="4" name="Slide Number Placeholder 3"/>
+          <p:cNvSpPr>
+            <a:spLocks noGrp="1"/>
+          </p:cNvSpPr>
+          <p:nvPr>
+            <p:ph type="sldNum" sz="quarter" idx="5"/>
+          </p:nvPr>
+        </p:nvSpPr>
+        <p:spPr/>
+        <p:txBody>
+          <a:bodyPr/>
+          <a:lstStyle/>
+          <a:p>
+            <a:fld id="{0F856AD5-C193-4ADC-8EA5-30622BF823D0}" type="slidenum">
+              <a:rPr lang="en-CA" smtClean="0"/>
+              <a:t>4</a:t>
+            </a:fld>
+            <a:endParaRPr lang="en-CA"/>
+          </a:p>
+        </p:txBody>
+      </p:sp>
+    </p:spTree>
+    <p:extLst>
+      <p:ext uri="{BB962C8B-B14F-4D97-AF65-F5344CB8AC3E}">
+        <p14:creationId xmlns:p14="http://schemas.microsoft.com/office/powerpoint/2010/main" val="2277052996"/>
+      </p:ext>
+    </p:extLst>
+  </p:cSld>
+  <p:clrMapOvr>
+    <a:masterClrMapping/>
+  </p:clrMapOvr>
+</p:notes>
+</file>
+
 <file path=ppt/slideLayouts/slideLayout1.xml><?xml version="1.0" encoding="utf-8"?>
 <p:sldLayout xmlns:a="http://schemas.openxmlformats.org/drawingml/2006/main" xmlns:r="http://schemas.openxmlformats.org/officeDocument/2006/relationships" xmlns:p="http://schemas.openxmlformats.org/presentationml/2006/main" showMasterSp="0" type="title" preserve="1">
   <p:cSld name="Slide de Título">
@@ -883,7 +3655,7 @@
           <a:p>
             <a:fld id="{1807E5D7-ED87-4C7F-86AE-BD6FDFD85228}" type="datetimeFigureOut">
               <a:rPr lang="en-CA" smtClean="0"/>
-              <a:t>2021-07-07</a:t>
+              <a:t>2021-07-08</a:t>
             </a:fld>
             <a:endParaRPr lang="en-CA"/>
           </a:p>
@@ -1062,7 +3834,7 @@
           <a:p>
             <a:fld id="{1807E5D7-ED87-4C7F-86AE-BD6FDFD85228}" type="datetimeFigureOut">
               <a:rPr lang="en-CA" smtClean="0"/>
-              <a:t>2021-07-07</a:t>
+              <a:t>2021-07-08</a:t>
             </a:fld>
             <a:endParaRPr lang="en-CA"/>
           </a:p>
@@ -1242,7 +4014,7 @@
           <a:p>
             <a:fld id="{1807E5D7-ED87-4C7F-86AE-BD6FDFD85228}" type="datetimeFigureOut">
               <a:rPr lang="en-CA" smtClean="0"/>
-              <a:t>2021-07-07</a:t>
+              <a:t>2021-07-08</a:t>
             </a:fld>
             <a:endParaRPr lang="en-CA"/>
           </a:p>
@@ -1412,7 +4184,7 @@
           <a:p>
             <a:fld id="{1807E5D7-ED87-4C7F-86AE-BD6FDFD85228}" type="datetimeFigureOut">
               <a:rPr lang="en-CA" smtClean="0"/>
-              <a:t>2021-07-07</a:t>
+              <a:t>2021-07-08</a:t>
             </a:fld>
             <a:endParaRPr lang="en-CA"/>
           </a:p>
@@ -1725,7 +4497,7 @@
           <a:p>
             <a:fld id="{1807E5D7-ED87-4C7F-86AE-BD6FDFD85228}" type="datetimeFigureOut">
               <a:rPr lang="en-CA" smtClean="0"/>
-              <a:t>2021-07-07</a:t>
+              <a:t>2021-07-08</a:t>
             </a:fld>
             <a:endParaRPr lang="en-CA"/>
           </a:p>
@@ -2111,7 +4883,7 @@
           <a:p>
             <a:fld id="{1807E5D7-ED87-4C7F-86AE-BD6FDFD85228}" type="datetimeFigureOut">
               <a:rPr lang="en-CA" smtClean="0"/>
-              <a:t>2021-07-07</a:t>
+              <a:t>2021-07-08</a:t>
             </a:fld>
             <a:endParaRPr lang="en-CA"/>
           </a:p>
@@ -2545,7 +5317,7 @@
           <a:p>
             <a:fld id="{1807E5D7-ED87-4C7F-86AE-BD6FDFD85228}" type="datetimeFigureOut">
               <a:rPr lang="en-CA" smtClean="0"/>
-              <a:t>2021-07-07</a:t>
+              <a:t>2021-07-08</a:t>
             </a:fld>
             <a:endParaRPr lang="en-CA"/>
           </a:p>
@@ -2663,7 +5435,7 @@
           <a:p>
             <a:fld id="{1807E5D7-ED87-4C7F-86AE-BD6FDFD85228}" type="datetimeFigureOut">
               <a:rPr lang="en-CA" smtClean="0"/>
-              <a:t>2021-07-07</a:t>
+              <a:t>2021-07-08</a:t>
             </a:fld>
             <a:endParaRPr lang="en-CA"/>
           </a:p>
@@ -2758,7 +5530,7 @@
           <a:p>
             <a:fld id="{1807E5D7-ED87-4C7F-86AE-BD6FDFD85228}" type="datetimeFigureOut">
               <a:rPr lang="en-CA" smtClean="0"/>
-              <a:t>2021-07-07</a:t>
+              <a:t>2021-07-08</a:t>
             </a:fld>
             <a:endParaRPr lang="en-CA"/>
           </a:p>
@@ -3108,7 +5880,7 @@
           <a:p>
             <a:fld id="{1807E5D7-ED87-4C7F-86AE-BD6FDFD85228}" type="datetimeFigureOut">
               <a:rPr lang="en-CA" smtClean="0"/>
-              <a:t>2021-07-07</a:t>
+              <a:t>2021-07-08</a:t>
             </a:fld>
             <a:endParaRPr lang="en-CA"/>
           </a:p>
@@ -3533,7 +6305,7 @@
           <a:p>
             <a:fld id="{1807E5D7-ED87-4C7F-86AE-BD6FDFD85228}" type="datetimeFigureOut">
               <a:rPr lang="en-CA" smtClean="0"/>
-              <a:t>2021-07-07</a:t>
+              <a:t>2021-07-08</a:t>
             </a:fld>
             <a:endParaRPr lang="en-CA"/>
           </a:p>
@@ -3814,7 +6586,7 @@
           <a:p>
             <a:fld id="{1807E5D7-ED87-4C7F-86AE-BD6FDFD85228}" type="datetimeFigureOut">
               <a:rPr lang="en-CA" smtClean="0"/>
-              <a:t>2021-07-07</a:t>
+              <a:t>2021-07-08</a:t>
             </a:fld>
             <a:endParaRPr lang="en-CA"/>
           </a:p>
@@ -4551,6 +7323,369 @@
           <a:chExt cx="0" cy="0"/>
         </a:xfrm>
       </p:grpSpPr>
+      <p:sp>
+        <p:nvSpPr>
+          <p:cNvPr id="2" name="Título 1">
+            <a:extLst>
+              <a:ext uri="{FF2B5EF4-FFF2-40B4-BE49-F238E27FC236}">
+                <a16:creationId xmlns:a16="http://schemas.microsoft.com/office/drawing/2014/main" id="{DE01DFEE-8061-4D58-8603-0935332CEA96}"/>
+              </a:ext>
+            </a:extLst>
+          </p:cNvPr>
+          <p:cNvSpPr>
+            <a:spLocks noGrp="1"/>
+          </p:cNvSpPr>
+          <p:nvPr>
+            <p:ph type="title"/>
+          </p:nvPr>
+        </p:nvSpPr>
+        <p:spPr/>
+        <p:txBody>
+          <a:bodyPr>
+            <a:normAutofit fontScale="90000"/>
+          </a:bodyPr>
+          <a:lstStyle/>
+          <a:p>
+            <a:r>
+              <a:rPr lang="en-US" dirty="0"/>
+              <a:t>Cheapest Neighborhoods</a:t>
+            </a:r>
+            <a:br>
+              <a:rPr lang="en-US" dirty="0"/>
+            </a:br>
+            <a:br>
+              <a:rPr lang="en-US" dirty="0"/>
+            </a:br>
+            <a:r>
+              <a:rPr lang="en-US" sz="1600" dirty="0"/>
+              <a:t>Considering Shelter costs (rented and owned), Rent, mortgage , interest, insurances , condominium fees, </a:t>
+            </a:r>
+            <a:r>
+              <a:rPr lang="en-US" sz="1600" dirty="0" err="1"/>
+              <a:t>etc</a:t>
+            </a:r>
+            <a:r>
+              <a:rPr lang="en-US" sz="1600" dirty="0"/>
+              <a:t> …..</a:t>
+            </a:r>
+            <a:endParaRPr lang="en-CA" sz="1600" dirty="0"/>
+          </a:p>
+        </p:txBody>
+      </p:sp>
+      <p:pic>
+        <p:nvPicPr>
+          <p:cNvPr id="5" name="Espaço Reservado para Conteúdo 4">
+            <a:extLst>
+              <a:ext uri="{FF2B5EF4-FFF2-40B4-BE49-F238E27FC236}">
+                <a16:creationId xmlns:a16="http://schemas.microsoft.com/office/drawing/2014/main" id="{A37A918F-76B3-4F34-8C16-90EF183AC984}"/>
+              </a:ext>
+            </a:extLst>
+          </p:cNvPr>
+          <p:cNvPicPr>
+            <a:picLocks noGrp="1" noChangeAspect="1"/>
+          </p:cNvPicPr>
+          <p:nvPr>
+            <p:ph idx="1"/>
+          </p:nvPr>
+        </p:nvPicPr>
+        <p:blipFill>
+          <a:blip r:embed="rId2"/>
+          <a:stretch>
+            <a:fillRect/>
+          </a:stretch>
+        </p:blipFill>
+        <p:spPr>
+          <a:xfrm>
+            <a:off x="1711355" y="2330914"/>
+            <a:ext cx="8168596" cy="4235569"/>
+          </a:xfrm>
+        </p:spPr>
+      </p:pic>
+    </p:spTree>
+    <p:extLst>
+      <p:ext uri="{BB962C8B-B14F-4D97-AF65-F5344CB8AC3E}">
+        <p14:creationId xmlns:p14="http://schemas.microsoft.com/office/powerpoint/2010/main" val="1495295548"/>
+      </p:ext>
+    </p:extLst>
+  </p:cSld>
+  <p:clrMapOvr>
+    <a:masterClrMapping/>
+  </p:clrMapOvr>
+</p:sld>
+</file>
+
+<file path=ppt/slides/slide11.xml><?xml version="1.0" encoding="utf-8"?>
+<p:sld xmlns:a="http://schemas.openxmlformats.org/drawingml/2006/main" xmlns:r="http://schemas.openxmlformats.org/officeDocument/2006/relationships" xmlns:p="http://schemas.openxmlformats.org/presentationml/2006/main">
+  <p:cSld>
+    <p:spTree>
+      <p:nvGrpSpPr>
+        <p:cNvPr id="1" name=""/>
+        <p:cNvGrpSpPr/>
+        <p:nvPr/>
+      </p:nvGrpSpPr>
+      <p:grpSpPr>
+        <a:xfrm>
+          <a:off x="0" y="0"/>
+          <a:ext cx="0" cy="0"/>
+          <a:chOff x="0" y="0"/>
+          <a:chExt cx="0" cy="0"/>
+        </a:xfrm>
+      </p:grpSpPr>
+      <p:sp>
+        <p:nvSpPr>
+          <p:cNvPr id="2" name="Título 1">
+            <a:extLst>
+              <a:ext uri="{FF2B5EF4-FFF2-40B4-BE49-F238E27FC236}">
+                <a16:creationId xmlns:a16="http://schemas.microsoft.com/office/drawing/2014/main" id="{51175F62-C185-4FB9-82B5-1D9AA6086162}"/>
+              </a:ext>
+            </a:extLst>
+          </p:cNvPr>
+          <p:cNvSpPr>
+            <a:spLocks noGrp="1"/>
+          </p:cNvSpPr>
+          <p:nvPr>
+            <p:ph type="title"/>
+          </p:nvPr>
+        </p:nvSpPr>
+        <p:spPr/>
+        <p:txBody>
+          <a:bodyPr/>
+          <a:lstStyle/>
+          <a:p>
+            <a:r>
+              <a:rPr lang="en-US" dirty="0"/>
+              <a:t>Model to Predict Future Prices of Toronto Neighborhood </a:t>
+            </a:r>
+            <a:endParaRPr lang="en-CA" dirty="0"/>
+          </a:p>
+        </p:txBody>
+      </p:sp>
+      <p:sp>
+        <p:nvSpPr>
+          <p:cNvPr id="3" name="Espaço Reservado para Conteúdo 2">
+            <a:extLst>
+              <a:ext uri="{FF2B5EF4-FFF2-40B4-BE49-F238E27FC236}">
+                <a16:creationId xmlns:a16="http://schemas.microsoft.com/office/drawing/2014/main" id="{2EF656B4-B16B-4C47-B3E6-5F4A9A8260A6}"/>
+              </a:ext>
+            </a:extLst>
+          </p:cNvPr>
+          <p:cNvSpPr>
+            <a:spLocks noGrp="1"/>
+          </p:cNvSpPr>
+          <p:nvPr>
+            <p:ph idx="1"/>
+          </p:nvPr>
+        </p:nvSpPr>
+        <p:spPr>
+          <a:xfrm>
+            <a:off x="1069848" y="3221372"/>
+            <a:ext cx="10058400" cy="2950828"/>
+          </a:xfrm>
+        </p:spPr>
+        <p:txBody>
+          <a:bodyPr/>
+          <a:lstStyle/>
+          <a:p>
+            <a:pPr>
+              <a:lnSpc>
+                <a:spcPct val="107000"/>
+              </a:lnSpc>
+              <a:spcAft>
+                <a:spcPts val="800"/>
+              </a:spcAft>
+            </a:pPr>
+            <a:r>
+              <a:rPr lang="en-US" sz="1800" dirty="0">
+                <a:effectLst/>
+                <a:latin typeface="Georgia" panose="02040502050405020303" pitchFamily="18" charset="0"/>
+                <a:ea typeface="Calibri" panose="020F0502020204030204" pitchFamily="34" charset="0"/>
+                <a:cs typeface="Times New Roman" panose="02020603050405020304" pitchFamily="18" charset="0"/>
+              </a:rPr>
+              <a:t>Cluster based analysis – </a:t>
+            </a:r>
+            <a:r>
+              <a:rPr lang="en-CA" sz="1800" b="1" dirty="0">
+                <a:solidFill>
+                  <a:srgbClr val="202124"/>
+                </a:solidFill>
+                <a:effectLst/>
+                <a:latin typeface="Georgia" panose="02040502050405020303" pitchFamily="18" charset="0"/>
+                <a:ea typeface="Calibri" panose="020F0502020204030204" pitchFamily="34" charset="0"/>
+                <a:cs typeface="Times New Roman" panose="02020603050405020304" pitchFamily="18" charset="0"/>
+              </a:rPr>
+              <a:t>K</a:t>
+            </a:r>
+            <a:r>
+              <a:rPr lang="en-CA" sz="1800" dirty="0">
+                <a:solidFill>
+                  <a:srgbClr val="202124"/>
+                </a:solidFill>
+                <a:effectLst/>
+                <a:latin typeface="Georgia" panose="02040502050405020303" pitchFamily="18" charset="0"/>
+                <a:ea typeface="Calibri" panose="020F0502020204030204" pitchFamily="34" charset="0"/>
+                <a:cs typeface="Times New Roman" panose="02020603050405020304" pitchFamily="18" charset="0"/>
+              </a:rPr>
+              <a:t>-</a:t>
+            </a:r>
+            <a:r>
+              <a:rPr lang="en-CA" sz="1800" b="1" dirty="0">
+                <a:solidFill>
+                  <a:srgbClr val="202124"/>
+                </a:solidFill>
+                <a:effectLst/>
+                <a:latin typeface="Georgia" panose="02040502050405020303" pitchFamily="18" charset="0"/>
+                <a:ea typeface="Calibri" panose="020F0502020204030204" pitchFamily="34" charset="0"/>
+                <a:cs typeface="Times New Roman" panose="02020603050405020304" pitchFamily="18" charset="0"/>
+              </a:rPr>
+              <a:t>means clustering</a:t>
+            </a:r>
+            <a:r>
+              <a:rPr lang="en-CA" sz="1800" dirty="0">
+                <a:solidFill>
+                  <a:srgbClr val="202124"/>
+                </a:solidFill>
+                <a:effectLst/>
+                <a:latin typeface="Georgia" panose="02040502050405020303" pitchFamily="18" charset="0"/>
+                <a:ea typeface="Calibri" panose="020F0502020204030204" pitchFamily="34" charset="0"/>
+                <a:cs typeface="Times New Roman" panose="02020603050405020304" pitchFamily="18" charset="0"/>
+              </a:rPr>
+              <a:t> is one of the simplest and popular unsupervised machine learning algorithms. In other words, the </a:t>
+            </a:r>
+            <a:r>
+              <a:rPr lang="en-CA" sz="1800" b="1" dirty="0">
+                <a:solidFill>
+                  <a:srgbClr val="202124"/>
+                </a:solidFill>
+                <a:effectLst/>
+                <a:latin typeface="Georgia" panose="02040502050405020303" pitchFamily="18" charset="0"/>
+                <a:ea typeface="Calibri" panose="020F0502020204030204" pitchFamily="34" charset="0"/>
+                <a:cs typeface="Times New Roman" panose="02020603050405020304" pitchFamily="18" charset="0"/>
+              </a:rPr>
+              <a:t>K</a:t>
+            </a:r>
+            <a:r>
+              <a:rPr lang="en-CA" sz="1800" dirty="0">
+                <a:solidFill>
+                  <a:srgbClr val="202124"/>
+                </a:solidFill>
+                <a:effectLst/>
+                <a:latin typeface="Georgia" panose="02040502050405020303" pitchFamily="18" charset="0"/>
+                <a:ea typeface="Calibri" panose="020F0502020204030204" pitchFamily="34" charset="0"/>
+                <a:cs typeface="Times New Roman" panose="02020603050405020304" pitchFamily="18" charset="0"/>
+              </a:rPr>
+              <a:t>-</a:t>
+            </a:r>
+            <a:r>
+              <a:rPr lang="en-CA" sz="1800" b="1" dirty="0">
+                <a:solidFill>
+                  <a:srgbClr val="202124"/>
+                </a:solidFill>
+                <a:effectLst/>
+                <a:latin typeface="Georgia" panose="02040502050405020303" pitchFamily="18" charset="0"/>
+                <a:ea typeface="Calibri" panose="020F0502020204030204" pitchFamily="34" charset="0"/>
+                <a:cs typeface="Times New Roman" panose="02020603050405020304" pitchFamily="18" charset="0"/>
+              </a:rPr>
+              <a:t>means</a:t>
+            </a:r>
+            <a:r>
+              <a:rPr lang="en-CA" sz="1800" dirty="0">
+                <a:solidFill>
+                  <a:srgbClr val="202124"/>
+                </a:solidFill>
+                <a:effectLst/>
+                <a:latin typeface="Georgia" panose="02040502050405020303" pitchFamily="18" charset="0"/>
+                <a:ea typeface="Calibri" panose="020F0502020204030204" pitchFamily="34" charset="0"/>
+                <a:cs typeface="Times New Roman" panose="02020603050405020304" pitchFamily="18" charset="0"/>
+              </a:rPr>
+              <a:t> algorithm identifies </a:t>
+            </a:r>
+            <a:r>
+              <a:rPr lang="en-CA" sz="1800" b="1" dirty="0">
+                <a:solidFill>
+                  <a:srgbClr val="202124"/>
+                </a:solidFill>
+                <a:effectLst/>
+                <a:latin typeface="Georgia" panose="02040502050405020303" pitchFamily="18" charset="0"/>
+                <a:ea typeface="Calibri" panose="020F0502020204030204" pitchFamily="34" charset="0"/>
+                <a:cs typeface="Times New Roman" panose="02020603050405020304" pitchFamily="18" charset="0"/>
+              </a:rPr>
+              <a:t>k</a:t>
+            </a:r>
+            <a:r>
+              <a:rPr lang="en-CA" sz="1800" dirty="0">
+                <a:solidFill>
+                  <a:srgbClr val="202124"/>
+                </a:solidFill>
+                <a:effectLst/>
+                <a:latin typeface="Georgia" panose="02040502050405020303" pitchFamily="18" charset="0"/>
+                <a:ea typeface="Calibri" panose="020F0502020204030204" pitchFamily="34" charset="0"/>
+                <a:cs typeface="Times New Roman" panose="02020603050405020304" pitchFamily="18" charset="0"/>
+              </a:rPr>
+              <a:t> number of centroids, and then allocates every data point to the nearest </a:t>
+            </a:r>
+            <a:r>
+              <a:rPr lang="en-CA" sz="1800" b="1" dirty="0">
+                <a:solidFill>
+                  <a:srgbClr val="202124"/>
+                </a:solidFill>
+                <a:effectLst/>
+                <a:latin typeface="Georgia" panose="02040502050405020303" pitchFamily="18" charset="0"/>
+                <a:ea typeface="Calibri" panose="020F0502020204030204" pitchFamily="34" charset="0"/>
+                <a:cs typeface="Times New Roman" panose="02020603050405020304" pitchFamily="18" charset="0"/>
+              </a:rPr>
+              <a:t>cluster</a:t>
+            </a:r>
+            <a:r>
+              <a:rPr lang="en-CA" sz="1800" dirty="0">
+                <a:solidFill>
+                  <a:srgbClr val="202124"/>
+                </a:solidFill>
+                <a:effectLst/>
+                <a:latin typeface="Georgia" panose="02040502050405020303" pitchFamily="18" charset="0"/>
+                <a:ea typeface="Calibri" panose="020F0502020204030204" pitchFamily="34" charset="0"/>
+                <a:cs typeface="Times New Roman" panose="02020603050405020304" pitchFamily="18" charset="0"/>
+              </a:rPr>
+              <a:t>, while keeping the centroids as small as possible</a:t>
+            </a:r>
+            <a:endParaRPr lang="en-CA" sz="1800" dirty="0">
+              <a:effectLst/>
+              <a:latin typeface="Georgia" panose="02040502050405020303" pitchFamily="18" charset="0"/>
+              <a:ea typeface="Calibri" panose="020F0502020204030204" pitchFamily="34" charset="0"/>
+              <a:cs typeface="Times New Roman" panose="02020603050405020304" pitchFamily="18" charset="0"/>
+            </a:endParaRPr>
+          </a:p>
+        </p:txBody>
+      </p:sp>
+    </p:spTree>
+    <p:extLst>
+      <p:ext uri="{BB962C8B-B14F-4D97-AF65-F5344CB8AC3E}">
+        <p14:creationId xmlns:p14="http://schemas.microsoft.com/office/powerpoint/2010/main" val="1563138537"/>
+      </p:ext>
+    </p:extLst>
+  </p:cSld>
+  <p:clrMapOvr>
+    <a:masterClrMapping/>
+  </p:clrMapOvr>
+</p:sld>
+</file>
+
+<file path=ppt/slides/slide12.xml><?xml version="1.0" encoding="utf-8"?>
+<p:sld xmlns:a="http://schemas.openxmlformats.org/drawingml/2006/main" xmlns:r="http://schemas.openxmlformats.org/officeDocument/2006/relationships" xmlns:p="http://schemas.openxmlformats.org/presentationml/2006/main">
+  <p:cSld>
+    <p:spTree>
+      <p:nvGrpSpPr>
+        <p:cNvPr id="1" name=""/>
+        <p:cNvGrpSpPr/>
+        <p:nvPr/>
+      </p:nvGrpSpPr>
+      <p:grpSpPr>
+        <a:xfrm>
+          <a:off x="0" y="0"/>
+          <a:ext cx="0" cy="0"/>
+          <a:chOff x="0" y="0"/>
+          <a:chExt cx="0" cy="0"/>
+        </a:xfrm>
+      </p:grpSpPr>
       <p:pic>
         <p:nvPicPr>
           <p:cNvPr id="4" name="Picture 1">
@@ -4592,7 +7727,7 @@
 </p:sld>
 </file>
 
-<file path=ppt/slides/slide11.xml><?xml version="1.0" encoding="utf-8"?>
+<file path=ppt/slides/slide13.xml><?xml version="1.0" encoding="utf-8"?>
 <p:sld xmlns:a="http://schemas.openxmlformats.org/drawingml/2006/main" xmlns:r="http://schemas.openxmlformats.org/officeDocument/2006/relationships" xmlns:p="http://schemas.openxmlformats.org/presentationml/2006/main">
   <p:cSld>
     <p:spTree>
@@ -4689,7 +7824,7 @@
 </p:sld>
 </file>
 
-<file path=ppt/slides/slide12.xml><?xml version="1.0" encoding="utf-8"?>
+<file path=ppt/slides/slide14.xml><?xml version="1.0" encoding="utf-8"?>
 <p:sld xmlns:a="http://schemas.openxmlformats.org/drawingml/2006/main" xmlns:r="http://schemas.openxmlformats.org/officeDocument/2006/relationships" xmlns:p="http://schemas.openxmlformats.org/presentationml/2006/main">
   <p:cSld>
     <p:spTree>
@@ -4795,7 +7930,7 @@
 </p:sld>
 </file>
 
-<file path=ppt/slides/slide13.xml><?xml version="1.0" encoding="utf-8"?>
+<file path=ppt/slides/slide15.xml><?xml version="1.0" encoding="utf-8"?>
 <p:sld xmlns:a="http://schemas.openxmlformats.org/drawingml/2006/main" xmlns:r="http://schemas.openxmlformats.org/officeDocument/2006/relationships" xmlns:p="http://schemas.openxmlformats.org/presentationml/2006/main">
   <p:cSld>
     <p:spTree>
@@ -4900,7 +8035,7 @@
 </p:sld>
 </file>
 
-<file path=ppt/slides/slide14.xml><?xml version="1.0" encoding="utf-8"?>
+<file path=ppt/slides/slide16.xml><?xml version="1.0" encoding="utf-8"?>
 <p:sld xmlns:a="http://schemas.openxmlformats.org/drawingml/2006/main" xmlns:r="http://schemas.openxmlformats.org/officeDocument/2006/relationships" xmlns:p="http://schemas.openxmlformats.org/presentationml/2006/main">
   <p:cSld>
     <p:spTree>
@@ -5005,7 +8140,7 @@
 </p:sld>
 </file>
 
-<file path=ppt/slides/slide15.xml><?xml version="1.0" encoding="utf-8"?>
+<file path=ppt/slides/slide17.xml><?xml version="1.0" encoding="utf-8"?>
 <p:sld xmlns:a="http://schemas.openxmlformats.org/drawingml/2006/main" xmlns:r="http://schemas.openxmlformats.org/officeDocument/2006/relationships" xmlns:p="http://schemas.openxmlformats.org/presentationml/2006/main">
   <p:cSld>
     <p:spTree>
@@ -5113,7 +8248,7 @@
 </p:sld>
 </file>
 
-<file path=ppt/slides/slide16.xml><?xml version="1.0" encoding="utf-8"?>
+<file path=ppt/slides/slide18.xml><?xml version="1.0" encoding="utf-8"?>
 <p:sld xmlns:a="http://schemas.openxmlformats.org/drawingml/2006/main" xmlns:r="http://schemas.openxmlformats.org/officeDocument/2006/relationships" xmlns:p="http://schemas.openxmlformats.org/presentationml/2006/main">
   <p:cSld>
     <p:spTree>
@@ -5295,6 +8430,14 @@
 <file path=ppt/slides/slide2.xml><?xml version="1.0" encoding="utf-8"?>
 <p:sld xmlns:a="http://schemas.openxmlformats.org/drawingml/2006/main" xmlns:r="http://schemas.openxmlformats.org/officeDocument/2006/relationships" xmlns:p="http://schemas.openxmlformats.org/presentationml/2006/main">
   <p:cSld>
+    <p:bg>
+      <p:bgPr>
+        <a:solidFill>
+          <a:schemeClr val="bg1"/>
+        </a:solidFill>
+        <a:effectLst/>
+      </p:bgPr>
+    </p:bg>
     <p:spTree>
       <p:nvGrpSpPr>
         <p:cNvPr id="1" name=""/>
@@ -5311,6 +8454,596 @@
       </p:grpSpPr>
       <p:sp>
         <p:nvSpPr>
+          <p:cNvPr id="18" name="Rectangle 9">
+            <a:extLst>
+              <a:ext uri="{FF2B5EF4-FFF2-40B4-BE49-F238E27FC236}">
+                <a16:creationId xmlns:a16="http://schemas.microsoft.com/office/drawing/2014/main" id="{F706015D-F1C5-4142-AEDF-AF5F19144F01}"/>
+              </a:ext>
+              <a:ext uri="{C183D7F6-B498-43B3-948B-1728B52AA6E4}">
+                <adec:decorative xmlns:adec="http://schemas.microsoft.com/office/drawing/2017/decorative" val="1"/>
+              </a:ext>
+            </a:extLst>
+          </p:cNvPr>
+          <p:cNvSpPr>
+            <a:spLocks noGrp="1" noRot="1" noChangeAspect="1" noMove="1" noResize="1" noEditPoints="1" noAdjustHandles="1" noChangeArrowheads="1" noChangeShapeType="1" noTextEdit="1"/>
+          </p:cNvSpPr>
+          <p:nvPr>
+            <p:extLst>
+              <p:ext uri="{386F3935-93C4-4BCD-93E2-E3B085C9AB24}">
+                <p16:designElem xmlns:p16="http://schemas.microsoft.com/office/powerpoint/2015/main" val="1"/>
+              </p:ext>
+            </p:extLst>
+          </p:nvPr>
+        </p:nvSpPr>
+        <p:spPr bwMode="white">
+          <a:xfrm>
+            <a:off x="-7620" y="-1"/>
+            <a:ext cx="12207240" cy="6858001"/>
+          </a:xfrm>
+          <a:prstGeom prst="rect">
+            <a:avLst/>
+          </a:prstGeom>
+          <a:solidFill>
+            <a:schemeClr val="bg1"/>
+          </a:solidFill>
+          <a:ln>
+            <a:noFill/>
+          </a:ln>
+        </p:spPr>
+        <p:style>
+          <a:lnRef idx="2">
+            <a:schemeClr val="accent1">
+              <a:shade val="50000"/>
+            </a:schemeClr>
+          </a:lnRef>
+          <a:fillRef idx="1">
+            <a:schemeClr val="accent1"/>
+          </a:fillRef>
+          <a:effectRef idx="0">
+            <a:schemeClr val="accent1"/>
+          </a:effectRef>
+          <a:fontRef idx="minor">
+            <a:schemeClr val="lt1"/>
+          </a:fontRef>
+        </p:style>
+        <p:txBody>
+          <a:bodyPr rot="0" spcFirstLastPara="0" vert="horz" wrap="square" lIns="91440" tIns="45720" rIns="91440" bIns="45720" numCol="1" spcCol="0" rtlCol="0" fromWordArt="0" anchor="ctr" anchorCtr="0" forceAA="0" compatLnSpc="1">
+            <a:prstTxWarp prst="textNoShape">
+              <a:avLst/>
+            </a:prstTxWarp>
+            <a:noAutofit/>
+          </a:bodyPr>
+          <a:lstStyle>
+            <a:defPPr>
+              <a:defRPr lang="en-US"/>
+            </a:defPPr>
+            <a:lvl1pPr marL="0" algn="l" defTabSz="914400" rtl="0" eaLnBrk="1" latinLnBrk="0" hangingPunct="1">
+              <a:defRPr sz="1800" kern="1200">
+                <a:solidFill>
+                  <a:schemeClr val="lt1"/>
+                </a:solidFill>
+                <a:latin typeface="+mn-lt"/>
+                <a:ea typeface="+mn-ea"/>
+                <a:cs typeface="+mn-cs"/>
+              </a:defRPr>
+            </a:lvl1pPr>
+            <a:lvl2pPr marL="457200" algn="l" defTabSz="914400" rtl="0" eaLnBrk="1" latinLnBrk="0" hangingPunct="1">
+              <a:defRPr sz="1800" kern="1200">
+                <a:solidFill>
+                  <a:schemeClr val="lt1"/>
+                </a:solidFill>
+                <a:latin typeface="+mn-lt"/>
+                <a:ea typeface="+mn-ea"/>
+                <a:cs typeface="+mn-cs"/>
+              </a:defRPr>
+            </a:lvl2pPr>
+            <a:lvl3pPr marL="914400" algn="l" defTabSz="914400" rtl="0" eaLnBrk="1" latinLnBrk="0" hangingPunct="1">
+              <a:defRPr sz="1800" kern="1200">
+                <a:solidFill>
+                  <a:schemeClr val="lt1"/>
+                </a:solidFill>
+                <a:latin typeface="+mn-lt"/>
+                <a:ea typeface="+mn-ea"/>
+                <a:cs typeface="+mn-cs"/>
+              </a:defRPr>
+            </a:lvl3pPr>
+            <a:lvl4pPr marL="1371600" algn="l" defTabSz="914400" rtl="0" eaLnBrk="1" latinLnBrk="0" hangingPunct="1">
+              <a:defRPr sz="1800" kern="1200">
+                <a:solidFill>
+                  <a:schemeClr val="lt1"/>
+                </a:solidFill>
+                <a:latin typeface="+mn-lt"/>
+                <a:ea typeface="+mn-ea"/>
+                <a:cs typeface="+mn-cs"/>
+              </a:defRPr>
+            </a:lvl4pPr>
+            <a:lvl5pPr marL="1828800" algn="l" defTabSz="914400" rtl="0" eaLnBrk="1" latinLnBrk="0" hangingPunct="1">
+              <a:defRPr sz="1800" kern="1200">
+                <a:solidFill>
+                  <a:schemeClr val="lt1"/>
+                </a:solidFill>
+                <a:latin typeface="+mn-lt"/>
+                <a:ea typeface="+mn-ea"/>
+                <a:cs typeface="+mn-cs"/>
+              </a:defRPr>
+            </a:lvl5pPr>
+            <a:lvl6pPr marL="2286000" algn="l" defTabSz="914400" rtl="0" eaLnBrk="1" latinLnBrk="0" hangingPunct="1">
+              <a:defRPr sz="1800" kern="1200">
+                <a:solidFill>
+                  <a:schemeClr val="lt1"/>
+                </a:solidFill>
+                <a:latin typeface="+mn-lt"/>
+                <a:ea typeface="+mn-ea"/>
+                <a:cs typeface="+mn-cs"/>
+              </a:defRPr>
+            </a:lvl6pPr>
+            <a:lvl7pPr marL="2743200" algn="l" defTabSz="914400" rtl="0" eaLnBrk="1" latinLnBrk="0" hangingPunct="1">
+              <a:defRPr sz="1800" kern="1200">
+                <a:solidFill>
+                  <a:schemeClr val="lt1"/>
+                </a:solidFill>
+                <a:latin typeface="+mn-lt"/>
+                <a:ea typeface="+mn-ea"/>
+                <a:cs typeface="+mn-cs"/>
+              </a:defRPr>
+            </a:lvl7pPr>
+            <a:lvl8pPr marL="3200400" algn="l" defTabSz="914400" rtl="0" eaLnBrk="1" latinLnBrk="0" hangingPunct="1">
+              <a:defRPr sz="1800" kern="1200">
+                <a:solidFill>
+                  <a:schemeClr val="lt1"/>
+                </a:solidFill>
+                <a:latin typeface="+mn-lt"/>
+                <a:ea typeface="+mn-ea"/>
+                <a:cs typeface="+mn-cs"/>
+              </a:defRPr>
+            </a:lvl8pPr>
+            <a:lvl9pPr marL="3657600" algn="l" defTabSz="914400" rtl="0" eaLnBrk="1" latinLnBrk="0" hangingPunct="1">
+              <a:defRPr sz="1800" kern="1200">
+                <a:solidFill>
+                  <a:schemeClr val="lt1"/>
+                </a:solidFill>
+                <a:latin typeface="+mn-lt"/>
+                <a:ea typeface="+mn-ea"/>
+                <a:cs typeface="+mn-cs"/>
+              </a:defRPr>
+            </a:lvl9pPr>
+          </a:lstStyle>
+          <a:p>
+            <a:pPr algn="ctr"/>
+            <a:endParaRPr lang="en-US"/>
+          </a:p>
+        </p:txBody>
+      </p:sp>
+      <p:pic>
+        <p:nvPicPr>
+          <p:cNvPr id="5" name="Picture 4" descr="Graphical user interface, diagram&#10;&#10;Description automatically generated">
+            <a:extLst>
+              <a:ext uri="{FF2B5EF4-FFF2-40B4-BE49-F238E27FC236}">
+                <a16:creationId xmlns:a16="http://schemas.microsoft.com/office/drawing/2014/main" id="{0F2626C0-9C2E-492D-B2D8-7484A12F24C7}"/>
+              </a:ext>
+            </a:extLst>
+          </p:cNvPr>
+          <p:cNvPicPr>
+            <a:picLocks noChangeAspect="1"/>
+          </p:cNvPicPr>
+          <p:nvPr/>
+        </p:nvPicPr>
+        <p:blipFill rotWithShape="1">
+          <a:blip r:embed="rId3">
+            <a:duotone>
+              <a:schemeClr val="bg2">
+                <a:shade val="45000"/>
+                <a:satMod val="135000"/>
+              </a:schemeClr>
+              <a:prstClr val="white"/>
+            </a:duotone>
+            <a:extLst>
+              <a:ext uri="{28A0092B-C50C-407E-A947-70E740481C1C}">
+                <a14:useLocalDpi xmlns:a14="http://schemas.microsoft.com/office/drawing/2010/main" val="0"/>
+              </a:ext>
+            </a:extLst>
+          </a:blip>
+          <a:srcRect b="443"/>
+          <a:stretch/>
+        </p:blipFill>
+        <p:spPr>
+          <a:xfrm>
+            <a:off x="20" y="10"/>
+            <a:ext cx="12191980" cy="6857989"/>
+          </a:xfrm>
+          <a:prstGeom prst="rect">
+            <a:avLst/>
+          </a:prstGeom>
+        </p:spPr>
+      </p:pic>
+      <p:sp>
+        <p:nvSpPr>
+          <p:cNvPr id="19" name="Rectangle 11">
+            <a:extLst>
+              <a:ext uri="{FF2B5EF4-FFF2-40B4-BE49-F238E27FC236}">
+                <a16:creationId xmlns:a16="http://schemas.microsoft.com/office/drawing/2014/main" id="{5BB61B94-FD60-4539-BDC5-1766DE99C87D}"/>
+              </a:ext>
+              <a:ext uri="{C183D7F6-B498-43B3-948B-1728B52AA6E4}">
+                <adec:decorative xmlns:adec="http://schemas.microsoft.com/office/drawing/2017/decorative" val="1"/>
+              </a:ext>
+            </a:extLst>
+          </p:cNvPr>
+          <p:cNvSpPr>
+            <a:spLocks noGrp="1" noRot="1" noChangeAspect="1" noMove="1" noResize="1" noEditPoints="1" noAdjustHandles="1" noChangeArrowheads="1" noChangeShapeType="1" noTextEdit="1"/>
+          </p:cNvSpPr>
+          <p:nvPr>
+            <p:extLst>
+              <p:ext uri="{386F3935-93C4-4BCD-93E2-E3B085C9AB24}">
+                <p16:designElem xmlns:p16="http://schemas.microsoft.com/office/powerpoint/2015/main" val="1"/>
+              </p:ext>
+            </p:extLst>
+          </p:nvPr>
+        </p:nvSpPr>
+        <p:spPr>
+          <a:xfrm>
+            <a:off x="0" y="0"/>
+            <a:ext cx="12188952" cy="6858000"/>
+          </a:xfrm>
+          <a:prstGeom prst="rect">
+            <a:avLst/>
+          </a:prstGeom>
+          <a:blipFill dpi="0" rotWithShape="1">
+            <a:blip r:embed="rId4">
+              <a:alphaModFix amt="45000"/>
+              <a:lum bright="70000" contrast="-70000"/>
+            </a:blip>
+            <a:srcRect/>
+            <a:tile tx="0" ty="-762000" sx="92000" sy="89000" flip="xy" algn="ctr"/>
+          </a:blipFill>
+          <a:ln>
+            <a:noFill/>
+          </a:ln>
+        </p:spPr>
+        <p:style>
+          <a:lnRef idx="2">
+            <a:schemeClr val="accent1">
+              <a:shade val="50000"/>
+            </a:schemeClr>
+          </a:lnRef>
+          <a:fillRef idx="1">
+            <a:schemeClr val="accent1"/>
+          </a:fillRef>
+          <a:effectRef idx="0">
+            <a:schemeClr val="accent1"/>
+          </a:effectRef>
+          <a:fontRef idx="minor">
+            <a:schemeClr val="lt1"/>
+          </a:fontRef>
+        </p:style>
+        <p:txBody>
+          <a:bodyPr rtlCol="0" anchor="ctr"/>
+          <a:lstStyle/>
+          <a:p>
+            <a:pPr algn="ctr"/>
+            <a:endParaRPr lang="en-US"/>
+          </a:p>
+        </p:txBody>
+      </p:sp>
+      <p:sp>
+        <p:nvSpPr>
+          <p:cNvPr id="2" name="Title 1">
+            <a:extLst>
+              <a:ext uri="{FF2B5EF4-FFF2-40B4-BE49-F238E27FC236}">
+                <a16:creationId xmlns:a16="http://schemas.microsoft.com/office/drawing/2014/main" id="{703FC97F-2FF5-441A-A25B-BF3D56F2C3F4}"/>
+              </a:ext>
+            </a:extLst>
+          </p:cNvPr>
+          <p:cNvSpPr>
+            <a:spLocks noGrp="1"/>
+          </p:cNvSpPr>
+          <p:nvPr>
+            <p:ph type="title"/>
+          </p:nvPr>
+        </p:nvSpPr>
+        <p:spPr>
+          <a:xfrm>
+            <a:off x="1065276" y="909833"/>
+            <a:ext cx="10058400" cy="1609344"/>
+          </a:xfrm>
+        </p:spPr>
+        <p:txBody>
+          <a:bodyPr>
+            <a:normAutofit/>
+          </a:bodyPr>
+          <a:lstStyle/>
+          <a:p>
+            <a:r>
+              <a:rPr lang="en-CA" dirty="0"/>
+              <a:t>The Questions we will answer…</a:t>
+            </a:r>
+          </a:p>
+        </p:txBody>
+      </p:sp>
+      <p:sp>
+        <p:nvSpPr>
+          <p:cNvPr id="3" name="Content Placeholder 2">
+            <a:extLst>
+              <a:ext uri="{FF2B5EF4-FFF2-40B4-BE49-F238E27FC236}">
+                <a16:creationId xmlns:a16="http://schemas.microsoft.com/office/drawing/2014/main" id="{C5E2379E-8D06-41F4-8212-B1C1694D343C}"/>
+              </a:ext>
+            </a:extLst>
+          </p:cNvPr>
+          <p:cNvSpPr>
+            <a:spLocks noGrp="1"/>
+          </p:cNvSpPr>
+          <p:nvPr>
+            <p:ph idx="1"/>
+          </p:nvPr>
+        </p:nvSpPr>
+        <p:spPr>
+          <a:xfrm>
+            <a:off x="1069848" y="3429000"/>
+            <a:ext cx="10058400" cy="2743200"/>
+          </a:xfrm>
+        </p:spPr>
+        <p:txBody>
+          <a:bodyPr>
+            <a:normAutofit/>
+          </a:bodyPr>
+          <a:lstStyle/>
+          <a:p>
+            <a:r>
+              <a:rPr lang="en-CA" dirty="0"/>
+              <a:t>Key macro factors and their impacts - Grace</a:t>
+            </a:r>
+          </a:p>
+          <a:p>
+            <a:r>
+              <a:rPr lang="en-CA" dirty="0"/>
+              <a:t>The most expensive neighborhoods in Toronto - Ali</a:t>
+            </a:r>
+          </a:p>
+          <a:p>
+            <a:r>
+              <a:rPr lang="en-CA" dirty="0"/>
+              <a:t>The highest growth rate - Ali</a:t>
+            </a:r>
+          </a:p>
+          <a:p>
+            <a:r>
+              <a:rPr lang="en-CA" dirty="0"/>
+              <a:t>The most affordable neighborhoods in Toronto - Fernanda</a:t>
+            </a:r>
+          </a:p>
+          <a:p>
+            <a:r>
+              <a:rPr lang="en-CA" dirty="0"/>
+              <a:t>The prediction of the future housing pricing - Muhammad</a:t>
+            </a:r>
+          </a:p>
+        </p:txBody>
+      </p:sp>
+      <p:grpSp>
+        <p:nvGrpSpPr>
+          <p:cNvPr id="20" name="Group 13">
+            <a:extLst>
+              <a:ext uri="{FF2B5EF4-FFF2-40B4-BE49-F238E27FC236}">
+                <a16:creationId xmlns:a16="http://schemas.microsoft.com/office/drawing/2014/main" id="{CAB366A3-9B07-49D0-9D4E-E9BF6213CC7C}"/>
+              </a:ext>
+              <a:ext uri="{C183D7F6-B498-43B3-948B-1728B52AA6E4}">
+                <adec:decorative xmlns:adec="http://schemas.microsoft.com/office/drawing/2017/decorative" val="1"/>
+              </a:ext>
+            </a:extLst>
+          </p:cNvPr>
+          <p:cNvGrpSpPr>
+            <a:grpSpLocks noGrp="1" noUngrp="1" noRot="1" noChangeAspect="1" noMove="1" noResize="1"/>
+          </p:cNvGrpSpPr>
+          <p:nvPr>
+            <p:extLst>
+              <p:ext uri="{386F3935-93C4-4BCD-93E2-E3B085C9AB24}">
+                <p16:designElem xmlns:p16="http://schemas.microsoft.com/office/powerpoint/2015/main" val="1"/>
+              </p:ext>
+            </p:extLst>
+          </p:nvPr>
+        </p:nvGrpSpPr>
+        <p:grpSpPr>
+          <a:xfrm>
+            <a:off x="11401725" y="6229681"/>
+            <a:ext cx="457200" cy="457200"/>
+            <a:chOff x="11361456" y="6195813"/>
+            <a:chExt cx="548640" cy="548640"/>
+          </a:xfrm>
+        </p:grpSpPr>
+        <p:sp>
+          <p:nvSpPr>
+            <p:cNvPr id="21" name="Oval 14">
+              <a:extLst>
+                <a:ext uri="{FF2B5EF4-FFF2-40B4-BE49-F238E27FC236}">
+                  <a16:creationId xmlns:a16="http://schemas.microsoft.com/office/drawing/2014/main" id="{353899AC-9992-4191-A947-D3B8095F951D}"/>
+                </a:ext>
+                <a:ext uri="{C183D7F6-B498-43B3-948B-1728B52AA6E4}">
+                  <adec:decorative xmlns:adec="http://schemas.microsoft.com/office/drawing/2017/decorative" val="1"/>
+                </a:ext>
+              </a:extLst>
+            </p:cNvPr>
+            <p:cNvSpPr/>
+            <p:nvPr>
+              <p:extLst>
+                <p:ext uri="{386F3935-93C4-4BCD-93E2-E3B085C9AB24}">
+                  <p16:designElem xmlns:p16="http://schemas.microsoft.com/office/powerpoint/2015/main" val="1"/>
+                </p:ext>
+              </p:extLst>
+            </p:nvPr>
+          </p:nvSpPr>
+          <p:spPr>
+            <a:xfrm>
+              <a:off x="11361456" y="6195813"/>
+              <a:ext cx="548640" cy="548640"/>
+            </a:xfrm>
+            <a:prstGeom prst="ellipse">
+              <a:avLst/>
+            </a:prstGeom>
+            <a:blipFill dpi="0" rotWithShape="1">
+              <a:blip r:embed="rId5">
+                <a:duotone>
+                  <a:schemeClr val="accent1">
+                    <a:shade val="45000"/>
+                    <a:satMod val="135000"/>
+                  </a:schemeClr>
+                  <a:prstClr val="white"/>
+                </a:duotone>
+              </a:blip>
+              <a:srcRect/>
+              <a:tile tx="50800" ty="0" sx="85000" sy="85000" flip="none" algn="tl"/>
+            </a:blipFill>
+            <a:ln w="25400" cap="flat" cmpd="sng" algn="ctr">
+              <a:noFill/>
+              <a:prstDash val="solid"/>
+            </a:ln>
+            <a:effectLst/>
+          </p:spPr>
+          <p:txBody>
+            <a:bodyPr lIns="0" tIns="0" rIns="0" bIns="0" rtlCol="0" anchor="ctr"/>
+            <a:lstStyle/>
+            <a:p>
+              <a:pPr marL="0" marR="0" lvl="0" indent="0" algn="ctr" defTabSz="914400" eaLnBrk="1" fontAlgn="auto" latinLnBrk="0" hangingPunct="1">
+                <a:lnSpc>
+                  <a:spcPct val="100000"/>
+                </a:lnSpc>
+                <a:spcBef>
+                  <a:spcPts val="0"/>
+                </a:spcBef>
+                <a:spcAft>
+                  <a:spcPts val="0"/>
+                </a:spcAft>
+                <a:buClrTx/>
+                <a:buSzTx/>
+                <a:buFontTx/>
+                <a:buNone/>
+                <a:tabLst/>
+                <a:defRPr/>
+              </a:pPr>
+              <a:endParaRPr kumimoji="0" lang="en-US" sz="2000" b="0" i="0" u="none" strike="noStrike" kern="0" cap="none" spc="0" normalizeH="0" baseline="0" noProof="0" dirty="0">
+                <a:ln>
+                  <a:noFill/>
+                </a:ln>
+                <a:solidFill>
+                  <a:prstClr val="white"/>
+                </a:solidFill>
+                <a:effectLst/>
+                <a:uLnTx/>
+                <a:uFillTx/>
+                <a:latin typeface="Rockwell Extra Bold" pitchFamily="18" charset="0"/>
+                <a:ea typeface="+mn-ea"/>
+                <a:cs typeface="+mn-cs"/>
+              </a:endParaRPr>
+            </a:p>
+          </p:txBody>
+        </p:sp>
+        <p:sp>
+          <p:nvSpPr>
+            <p:cNvPr id="22" name="Oval 15">
+              <a:extLst>
+                <a:ext uri="{FF2B5EF4-FFF2-40B4-BE49-F238E27FC236}">
+                  <a16:creationId xmlns:a16="http://schemas.microsoft.com/office/drawing/2014/main" id="{D00256EB-45AC-469E-B10F-6301E3E059D9}"/>
+                </a:ext>
+                <a:ext uri="{C183D7F6-B498-43B3-948B-1728B52AA6E4}">
+                  <adec:decorative xmlns:adec="http://schemas.microsoft.com/office/drawing/2017/decorative" val="1"/>
+                </a:ext>
+              </a:extLst>
+            </p:cNvPr>
+            <p:cNvSpPr/>
+            <p:nvPr>
+              <p:extLst>
+                <p:ext uri="{386F3935-93C4-4BCD-93E2-E3B085C9AB24}">
+                  <p16:designElem xmlns:p16="http://schemas.microsoft.com/office/powerpoint/2015/main" val="1"/>
+                </p:ext>
+              </p:extLst>
+            </p:nvPr>
+          </p:nvSpPr>
+          <p:spPr>
+            <a:xfrm>
+              <a:off x="11396488" y="6230844"/>
+              <a:ext cx="478576" cy="478578"/>
+            </a:xfrm>
+            <a:prstGeom prst="ellipse">
+              <a:avLst/>
+            </a:prstGeom>
+            <a:noFill/>
+            <a:ln w="12700" cap="flat" cmpd="sng" algn="ctr">
+              <a:solidFill>
+                <a:srgbClr val="FFFFFF"/>
+              </a:solidFill>
+              <a:prstDash val="solid"/>
+            </a:ln>
+            <a:effectLst/>
+          </p:spPr>
+          <p:txBody>
+            <a:bodyPr rtlCol="0" anchor="ctr"/>
+            <a:lstStyle/>
+            <a:p>
+              <a:pPr marL="0" marR="0" lvl="0" indent="0" algn="ctr" defTabSz="914400" eaLnBrk="1" fontAlgn="auto" latinLnBrk="0" hangingPunct="1">
+                <a:lnSpc>
+                  <a:spcPct val="100000"/>
+                </a:lnSpc>
+                <a:spcBef>
+                  <a:spcPts val="0"/>
+                </a:spcBef>
+                <a:spcAft>
+                  <a:spcPts val="0"/>
+                </a:spcAft>
+                <a:buClrTx/>
+                <a:buSzTx/>
+                <a:buFontTx/>
+                <a:buNone/>
+                <a:tabLst/>
+                <a:defRPr/>
+              </a:pPr>
+              <a:endParaRPr kumimoji="0" lang="en-US" sz="1800" b="0" i="0" u="none" strike="noStrike" kern="0" cap="none" spc="0" normalizeH="0" baseline="0" noProof="0" dirty="0">
+                <a:ln>
+                  <a:noFill/>
+                </a:ln>
+                <a:solidFill>
+                  <a:prstClr val="white"/>
+                </a:solidFill>
+                <a:effectLst/>
+                <a:uLnTx/>
+                <a:uFillTx/>
+                <a:latin typeface="Calibri"/>
+                <a:ea typeface="+mn-ea"/>
+                <a:cs typeface="+mn-cs"/>
+              </a:endParaRPr>
+            </a:p>
+          </p:txBody>
+        </p:sp>
+      </p:grpSp>
+    </p:spTree>
+    <p:extLst>
+      <p:ext uri="{BB962C8B-B14F-4D97-AF65-F5344CB8AC3E}">
+        <p14:creationId xmlns:p14="http://schemas.microsoft.com/office/powerpoint/2010/main" val="372131422"/>
+      </p:ext>
+    </p:extLst>
+  </p:cSld>
+  <p:clrMapOvr>
+    <a:masterClrMapping/>
+  </p:clrMapOvr>
+</p:sld>
+</file>
+
+<file path=ppt/slides/slide3.xml><?xml version="1.0" encoding="utf-8"?>
+<p:sld xmlns:a="http://schemas.openxmlformats.org/drawingml/2006/main" xmlns:r="http://schemas.openxmlformats.org/officeDocument/2006/relationships" xmlns:p="http://schemas.openxmlformats.org/presentationml/2006/main">
+  <p:cSld>
+    <p:spTree>
+      <p:nvGrpSpPr>
+        <p:cNvPr id="1" name=""/>
+        <p:cNvGrpSpPr/>
+        <p:nvPr/>
+      </p:nvGrpSpPr>
+      <p:grpSpPr>
+        <a:xfrm>
+          <a:off x="0" y="0"/>
+          <a:ext cx="0" cy="0"/>
+          <a:chOff x="0" y="0"/>
+          <a:chExt cx="0" cy="0"/>
+        </a:xfrm>
+      </p:grpSpPr>
+      <p:sp>
+        <p:nvSpPr>
           <p:cNvPr id="2" name="Título 1">
             <a:extLst>
               <a:ext uri="{FF2B5EF4-FFF2-40B4-BE49-F238E27FC236}">
@@ -5325,10 +9058,15 @@
             <p:ph type="title"/>
           </p:nvPr>
         </p:nvSpPr>
-        <p:spPr/>
+        <p:spPr>
+          <a:xfrm>
+            <a:off x="1066800" y="777243"/>
+            <a:ext cx="10058400" cy="1609344"/>
+          </a:xfrm>
+        </p:spPr>
         <p:txBody>
           <a:bodyPr>
-            <a:normAutofit/>
+            <a:normAutofit fontScale="90000"/>
           </a:bodyPr>
           <a:lstStyle/>
           <a:p>
@@ -5343,25 +9081,49 @@
               <a:t>Macro Variables Analysis </a:t>
             </a:r>
             <a:br>
-              <a:rPr lang="en-US" b="1" i="0" dirty="0">
+              <a:rPr lang="en-US" sz="4000" b="1" i="0" dirty="0">
                 <a:solidFill>
                   <a:srgbClr val="000000"/>
                 </a:solidFill>
                 <a:effectLst/>
-                <a:latin typeface="Helvetica Neue"/>
+                <a:latin typeface="Georgia" panose="02040502050405020303" pitchFamily="18" charset="0"/>
               </a:rPr>
             </a:br>
-            <a:r>
-              <a:rPr lang="en-US" sz="1800" b="0" i="0" dirty="0">
+            <a:br>
+              <a:rPr lang="en-US" sz="1800" b="0" dirty="0">
                 <a:solidFill>
                   <a:srgbClr val="1D1C1D"/>
                 </a:solidFill>
-                <a:effectLst/>
+                <a:latin typeface="Georgia" panose="02040502050405020303" pitchFamily="18" charset="0"/>
+              </a:rPr>
+            </a:br>
+            <a:r>
+              <a:rPr lang="en-US" sz="1800" b="0" dirty="0">
+                <a:solidFill>
+                  <a:srgbClr val="1D1C1D"/>
+                </a:solidFill>
                 <a:latin typeface="Georgia" panose="02040502050405020303" pitchFamily="18" charset="0"/>
               </a:rPr>
               <a:t>Housing market as one part of the economy will be influenced by macroeconomic factors. Key factors are </a:t>
             </a:r>
-            <a:r>
+            <a:br>
+              <a:rPr lang="en-US" sz="1800" b="0" dirty="0">
+                <a:solidFill>
+                  <a:srgbClr val="1D1C1D"/>
+                </a:solidFill>
+                <a:latin typeface="Georgia" panose="02040502050405020303" pitchFamily="18" charset="0"/>
+              </a:rPr>
+            </a:br>
+            <a:r>
+              <a:rPr lang="en-CA" sz="1800" b="0" dirty="0">
+                <a:solidFill>
+                  <a:srgbClr val="1D1C1D"/>
+                </a:solidFill>
+                <a:latin typeface="Georgia" panose="02040502050405020303" pitchFamily="18" charset="0"/>
+              </a:rPr>
+              <a:t>Consumer Price Index (CPI), Unemployment, Household income, Prime rate, etc.</a:t>
+            </a:r>
+            <a:br>
               <a:rPr lang="en-CA" sz="1800" b="0" i="0" dirty="0">
                 <a:solidFill>
                   <a:srgbClr val="1D1C1D"/>
@@ -5369,8 +9131,35 @@
                 <a:effectLst/>
                 <a:latin typeface="Georgia" panose="02040502050405020303" pitchFamily="18" charset="0"/>
               </a:rPr>
-              <a:t>Consumer Price Index (CPI), Unemployment, Household income, Prime rate, etc.</a:t>
-            </a:r>
+            </a:br>
+            <a:br>
+              <a:rPr lang="en-CA" sz="1800" b="0" i="0" dirty="0">
+                <a:solidFill>
+                  <a:srgbClr val="1D1C1D"/>
+                </a:solidFill>
+                <a:effectLst/>
+                <a:latin typeface="Georgia" panose="02040502050405020303" pitchFamily="18" charset="0"/>
+              </a:rPr>
+            </a:br>
+            <a:r>
+              <a:rPr lang="en-CA" sz="1800" b="0" i="0" dirty="0">
+                <a:solidFill>
+                  <a:srgbClr val="1D1C1D"/>
+                </a:solidFill>
+                <a:effectLst/>
+                <a:latin typeface="Georgia" panose="02040502050405020303" pitchFamily="18" charset="0"/>
+              </a:rPr>
+              <a:t>Data source – Open Government (https://open.canada.ca/en) </a:t>
+            </a:r>
+            <a:br>
+              <a:rPr lang="en-CA" sz="800" b="1" i="0" dirty="0">
+                <a:solidFill>
+                  <a:srgbClr val="333333"/>
+                </a:solidFill>
+                <a:effectLst/>
+                <a:latin typeface="Lato"/>
+              </a:rPr>
+            </a:br>
             <a:endParaRPr lang="en-CA" sz="1800" dirty="0">
               <a:latin typeface="Georgia" panose="02040502050405020303" pitchFamily="18" charset="0"/>
             </a:endParaRPr>
@@ -5394,14 +9183,14 @@
           </p:nvPr>
         </p:nvPicPr>
         <p:blipFill>
-          <a:blip r:embed="rId2"/>
+          <a:blip r:embed="rId3"/>
           <a:stretch>
             <a:fillRect/>
           </a:stretch>
         </p:blipFill>
         <p:spPr bwMode="auto">
           <a:xfrm>
-            <a:off x="5191125" y="2093976"/>
+            <a:off x="5191125" y="2392684"/>
             <a:ext cx="7000875" cy="3533775"/>
           </a:xfrm>
           <a:prstGeom prst="rect">
@@ -5434,14 +9223,14 @@
           <p:nvPr/>
         </p:nvPicPr>
         <p:blipFill>
-          <a:blip r:embed="rId3"/>
+          <a:blip r:embed="rId4"/>
           <a:stretch>
             <a:fillRect/>
           </a:stretch>
         </p:blipFill>
         <p:spPr>
           <a:xfrm>
-            <a:off x="192947" y="2386587"/>
+            <a:off x="269147" y="2704526"/>
             <a:ext cx="5131236" cy="3533776"/>
           </a:xfrm>
           <a:prstGeom prst="rect">
@@ -5462,7 +9251,155 @@
 </p:sld>
 </file>
 
-<file path=ppt/slides/slide3.xml><?xml version="1.0" encoding="utf-8"?>
+<file path=ppt/slides/slide4.xml><?xml version="1.0" encoding="utf-8"?>
+<p:sld xmlns:a="http://schemas.openxmlformats.org/drawingml/2006/main" xmlns:r="http://schemas.openxmlformats.org/officeDocument/2006/relationships" xmlns:p="http://schemas.openxmlformats.org/presentationml/2006/main">
+  <p:cSld>
+    <p:bg>
+      <p:bgPr>
+        <a:solidFill>
+          <a:schemeClr val="bg1"/>
+        </a:solidFill>
+        <a:effectLst/>
+      </p:bgPr>
+    </p:bg>
+    <p:spTree>
+      <p:nvGrpSpPr>
+        <p:cNvPr id="1" name=""/>
+        <p:cNvGrpSpPr/>
+        <p:nvPr/>
+      </p:nvGrpSpPr>
+      <p:grpSpPr>
+        <a:xfrm>
+          <a:off x="0" y="0"/>
+          <a:ext cx="0" cy="0"/>
+          <a:chOff x="0" y="0"/>
+          <a:chExt cx="0" cy="0"/>
+        </a:xfrm>
+      </p:grpSpPr>
+      <p:sp>
+        <p:nvSpPr>
+          <p:cNvPr id="4" name="Title 3">
+            <a:extLst>
+              <a:ext uri="{FF2B5EF4-FFF2-40B4-BE49-F238E27FC236}">
+                <a16:creationId xmlns:a16="http://schemas.microsoft.com/office/drawing/2014/main" id="{5FD82387-7A23-439A-8C17-5474B385C444}"/>
+              </a:ext>
+            </a:extLst>
+          </p:cNvPr>
+          <p:cNvSpPr>
+            <a:spLocks noGrp="1"/>
+          </p:cNvSpPr>
+          <p:nvPr>
+            <p:ph type="title"/>
+          </p:nvPr>
+        </p:nvSpPr>
+        <p:spPr>
+          <a:xfrm>
+            <a:off x="1069848" y="484632"/>
+            <a:ext cx="10058400" cy="1609344"/>
+          </a:xfrm>
+        </p:spPr>
+        <p:txBody>
+          <a:bodyPr>
+            <a:normAutofit/>
+          </a:bodyPr>
+          <a:lstStyle/>
+          <a:p>
+            <a:r>
+              <a:rPr lang="en-US" b="1" i="0" dirty="0">
+                <a:effectLst/>
+                <a:latin typeface="Georgia" panose="02040502050405020303" pitchFamily="18" charset="0"/>
+              </a:rPr>
+              <a:t>Macro Variables Analysis - Findings</a:t>
+            </a:r>
+            <a:endParaRPr lang="en-CA" dirty="0"/>
+          </a:p>
+        </p:txBody>
+      </p:sp>
+      <p:graphicFrame>
+        <p:nvGraphicFramePr>
+          <p:cNvPr id="10" name="Content Placeholder 4">
+            <a:extLst>
+              <a:ext uri="{FF2B5EF4-FFF2-40B4-BE49-F238E27FC236}">
+                <a16:creationId xmlns:a16="http://schemas.microsoft.com/office/drawing/2014/main" id="{40DED9E1-A921-4A56-A5B2-0C4959175658}"/>
+              </a:ext>
+            </a:extLst>
+          </p:cNvPr>
+          <p:cNvGraphicFramePr>
+            <a:graphicFrameLocks noGrp="1"/>
+          </p:cNvGraphicFramePr>
+          <p:nvPr>
+            <p:ph idx="1"/>
+            <p:extLst>
+              <p:ext uri="{D42A27DB-BD31-4B8C-83A1-F6EECF244321}">
+                <p14:modId xmlns:p14="http://schemas.microsoft.com/office/powerpoint/2010/main" val="861630530"/>
+              </p:ext>
+            </p:extLst>
+          </p:nvPr>
+        </p:nvGraphicFramePr>
+        <p:xfrm>
+          <a:off x="1069848" y="2121408"/>
+          <a:ext cx="4773168" cy="4050792"/>
+        </p:xfrm>
+        <a:graphic>
+          <a:graphicData uri="http://schemas.openxmlformats.org/drawingml/2006/diagram">
+            <dgm:relIds xmlns:dgm="http://schemas.openxmlformats.org/drawingml/2006/diagram" xmlns:r="http://schemas.openxmlformats.org/officeDocument/2006/relationships" r:dm="rId3" r:lo="rId4" r:qs="rId5" r:cs="rId6"/>
+          </a:graphicData>
+        </a:graphic>
+      </p:graphicFrame>
+      <p:pic>
+        <p:nvPicPr>
+          <p:cNvPr id="8" name="Espaço Reservado para Conteúdo 12" descr="Chart, line chart&#10;&#10;Description automatically generated">
+            <a:extLst>
+              <a:ext uri="{FF2B5EF4-FFF2-40B4-BE49-F238E27FC236}">
+                <a16:creationId xmlns:a16="http://schemas.microsoft.com/office/drawing/2014/main" id="{AC91DFE5-F8C4-4805-8949-4C2851D781F0}"/>
+              </a:ext>
+            </a:extLst>
+          </p:cNvPr>
+          <p:cNvPicPr>
+            <a:picLocks noChangeAspect="1"/>
+          </p:cNvPicPr>
+          <p:nvPr/>
+        </p:nvPicPr>
+        <p:blipFill>
+          <a:blip r:embed="rId8"/>
+          <a:stretch>
+            <a:fillRect/>
+          </a:stretch>
+        </p:blipFill>
+        <p:spPr bwMode="auto">
+          <a:xfrm>
+            <a:off x="6355079" y="1759226"/>
+            <a:ext cx="5263763" cy="3629379"/>
+          </a:xfrm>
+          <a:prstGeom prst="rect">
+            <a:avLst/>
+          </a:prstGeom>
+          <a:noFill/>
+          <a:extLst>
+            <a:ext uri="{909E8E84-426E-40DD-AFC4-6F175D3DCCD1}">
+              <a14:hiddenFill xmlns:a14="http://schemas.microsoft.com/office/drawing/2010/main">
+                <a:solidFill>
+                  <a:srgbClr val="FFFFFF"/>
+                </a:solidFill>
+              </a14:hiddenFill>
+            </a:ext>
+          </a:extLst>
+        </p:spPr>
+      </p:pic>
+    </p:spTree>
+    <p:extLst>
+      <p:ext uri="{BB962C8B-B14F-4D97-AF65-F5344CB8AC3E}">
+        <p14:creationId xmlns:p14="http://schemas.microsoft.com/office/powerpoint/2010/main" val="1592697566"/>
+      </p:ext>
+    </p:extLst>
+  </p:cSld>
+  <p:clrMapOvr>
+    <a:masterClrMapping/>
+  </p:clrMapOvr>
+</p:sld>
+</file>
+
+<file path=ppt/slides/slide5.xml><?xml version="1.0" encoding="utf-8"?>
 <p:sld xmlns:a="http://schemas.openxmlformats.org/drawingml/2006/main" xmlns:r="http://schemas.openxmlformats.org/officeDocument/2006/relationships" xmlns:p="http://schemas.openxmlformats.org/presentationml/2006/main">
   <p:cSld>
     <p:spTree>
@@ -5609,7 +9546,7 @@
 </p:sld>
 </file>
 
-<file path=ppt/slides/slide4.xml><?xml version="1.0" encoding="utf-8"?>
+<file path=ppt/slides/slide6.xml><?xml version="1.0" encoding="utf-8"?>
 <p:sld xmlns:a="http://schemas.openxmlformats.org/drawingml/2006/main" xmlns:r="http://schemas.openxmlformats.org/officeDocument/2006/relationships" xmlns:p="http://schemas.openxmlformats.org/presentationml/2006/main">
   <p:cSld>
     <p:spTree>
@@ -5715,7 +9652,7 @@
 </p:sld>
 </file>
 
-<file path=ppt/slides/slide5.xml><?xml version="1.0" encoding="utf-8"?>
+<file path=ppt/slides/slide7.xml><?xml version="1.0" encoding="utf-8"?>
 <p:sld xmlns:a="http://schemas.openxmlformats.org/drawingml/2006/main" xmlns:r="http://schemas.openxmlformats.org/officeDocument/2006/relationships" xmlns:p="http://schemas.openxmlformats.org/presentationml/2006/main">
   <p:cSld>
     <p:spTree>
@@ -5781,7 +9718,7 @@
 </p:sld>
 </file>
 
-<file path=ppt/slides/slide6.xml><?xml version="1.0" encoding="utf-8"?>
+<file path=ppt/slides/slide8.xml><?xml version="1.0" encoding="utf-8"?>
 <p:sld xmlns:a="http://schemas.openxmlformats.org/drawingml/2006/main" xmlns:r="http://schemas.openxmlformats.org/officeDocument/2006/relationships" xmlns:p="http://schemas.openxmlformats.org/presentationml/2006/main">
   <p:cSld>
     <p:spTree>
@@ -5847,7 +9784,7 @@
 </p:sld>
 </file>
 
-<file path=ppt/slides/slide7.xml><?xml version="1.0" encoding="utf-8"?>
+<file path=ppt/slides/slide9.xml><?xml version="1.0" encoding="utf-8"?>
 <p:sld xmlns:a="http://schemas.openxmlformats.org/drawingml/2006/main" xmlns:r="http://schemas.openxmlformats.org/officeDocument/2006/relationships" xmlns:p="http://schemas.openxmlformats.org/presentationml/2006/main">
   <p:cSld>
     <p:spTree>
@@ -5938,369 +9875,6 @@
     <p:extLst>
       <p:ext uri="{BB962C8B-B14F-4D97-AF65-F5344CB8AC3E}">
         <p14:creationId xmlns:p14="http://schemas.microsoft.com/office/powerpoint/2010/main" val="4082782941"/>
-      </p:ext>
-    </p:extLst>
-  </p:cSld>
-  <p:clrMapOvr>
-    <a:masterClrMapping/>
-  </p:clrMapOvr>
-</p:sld>
-</file>
-
-<file path=ppt/slides/slide8.xml><?xml version="1.0" encoding="utf-8"?>
-<p:sld xmlns:a="http://schemas.openxmlformats.org/drawingml/2006/main" xmlns:r="http://schemas.openxmlformats.org/officeDocument/2006/relationships" xmlns:p="http://schemas.openxmlformats.org/presentationml/2006/main">
-  <p:cSld>
-    <p:spTree>
-      <p:nvGrpSpPr>
-        <p:cNvPr id="1" name=""/>
-        <p:cNvGrpSpPr/>
-        <p:nvPr/>
-      </p:nvGrpSpPr>
-      <p:grpSpPr>
-        <a:xfrm>
-          <a:off x="0" y="0"/>
-          <a:ext cx="0" cy="0"/>
-          <a:chOff x="0" y="0"/>
-          <a:chExt cx="0" cy="0"/>
-        </a:xfrm>
-      </p:grpSpPr>
-      <p:sp>
-        <p:nvSpPr>
-          <p:cNvPr id="2" name="Título 1">
-            <a:extLst>
-              <a:ext uri="{FF2B5EF4-FFF2-40B4-BE49-F238E27FC236}">
-                <a16:creationId xmlns:a16="http://schemas.microsoft.com/office/drawing/2014/main" id="{DE01DFEE-8061-4D58-8603-0935332CEA96}"/>
-              </a:ext>
-            </a:extLst>
-          </p:cNvPr>
-          <p:cNvSpPr>
-            <a:spLocks noGrp="1"/>
-          </p:cNvSpPr>
-          <p:nvPr>
-            <p:ph type="title"/>
-          </p:nvPr>
-        </p:nvSpPr>
-        <p:spPr/>
-        <p:txBody>
-          <a:bodyPr>
-            <a:normAutofit fontScale="90000"/>
-          </a:bodyPr>
-          <a:lstStyle/>
-          <a:p>
-            <a:r>
-              <a:rPr lang="en-US" dirty="0"/>
-              <a:t>Cheapest Neighborhoods</a:t>
-            </a:r>
-            <a:br>
-              <a:rPr lang="en-US" dirty="0"/>
-            </a:br>
-            <a:br>
-              <a:rPr lang="en-US" dirty="0"/>
-            </a:br>
-            <a:r>
-              <a:rPr lang="en-US" sz="1600" dirty="0"/>
-              <a:t>Considering Shelter costs (rented and owned), Rent, mortgage , interest, insurances , condominium fees, </a:t>
-            </a:r>
-            <a:r>
-              <a:rPr lang="en-US" sz="1600" dirty="0" err="1"/>
-              <a:t>etc</a:t>
-            </a:r>
-            <a:r>
-              <a:rPr lang="en-US" sz="1600" dirty="0"/>
-              <a:t> …..</a:t>
-            </a:r>
-            <a:endParaRPr lang="en-CA" sz="1600" dirty="0"/>
-          </a:p>
-        </p:txBody>
-      </p:sp>
-      <p:pic>
-        <p:nvPicPr>
-          <p:cNvPr id="5" name="Espaço Reservado para Conteúdo 4">
-            <a:extLst>
-              <a:ext uri="{FF2B5EF4-FFF2-40B4-BE49-F238E27FC236}">
-                <a16:creationId xmlns:a16="http://schemas.microsoft.com/office/drawing/2014/main" id="{A37A918F-76B3-4F34-8C16-90EF183AC984}"/>
-              </a:ext>
-            </a:extLst>
-          </p:cNvPr>
-          <p:cNvPicPr>
-            <a:picLocks noGrp="1" noChangeAspect="1"/>
-          </p:cNvPicPr>
-          <p:nvPr>
-            <p:ph idx="1"/>
-          </p:nvPr>
-        </p:nvPicPr>
-        <p:blipFill>
-          <a:blip r:embed="rId2"/>
-          <a:stretch>
-            <a:fillRect/>
-          </a:stretch>
-        </p:blipFill>
-        <p:spPr>
-          <a:xfrm>
-            <a:off x="1711355" y="2330914"/>
-            <a:ext cx="8168596" cy="4235569"/>
-          </a:xfrm>
-        </p:spPr>
-      </p:pic>
-    </p:spTree>
-    <p:extLst>
-      <p:ext uri="{BB962C8B-B14F-4D97-AF65-F5344CB8AC3E}">
-        <p14:creationId xmlns:p14="http://schemas.microsoft.com/office/powerpoint/2010/main" val="1495295548"/>
-      </p:ext>
-    </p:extLst>
-  </p:cSld>
-  <p:clrMapOvr>
-    <a:masterClrMapping/>
-  </p:clrMapOvr>
-</p:sld>
-</file>
-
-<file path=ppt/slides/slide9.xml><?xml version="1.0" encoding="utf-8"?>
-<p:sld xmlns:a="http://schemas.openxmlformats.org/drawingml/2006/main" xmlns:r="http://schemas.openxmlformats.org/officeDocument/2006/relationships" xmlns:p="http://schemas.openxmlformats.org/presentationml/2006/main">
-  <p:cSld>
-    <p:spTree>
-      <p:nvGrpSpPr>
-        <p:cNvPr id="1" name=""/>
-        <p:cNvGrpSpPr/>
-        <p:nvPr/>
-      </p:nvGrpSpPr>
-      <p:grpSpPr>
-        <a:xfrm>
-          <a:off x="0" y="0"/>
-          <a:ext cx="0" cy="0"/>
-          <a:chOff x="0" y="0"/>
-          <a:chExt cx="0" cy="0"/>
-        </a:xfrm>
-      </p:grpSpPr>
-      <p:sp>
-        <p:nvSpPr>
-          <p:cNvPr id="2" name="Título 1">
-            <a:extLst>
-              <a:ext uri="{FF2B5EF4-FFF2-40B4-BE49-F238E27FC236}">
-                <a16:creationId xmlns:a16="http://schemas.microsoft.com/office/drawing/2014/main" id="{51175F62-C185-4FB9-82B5-1D9AA6086162}"/>
-              </a:ext>
-            </a:extLst>
-          </p:cNvPr>
-          <p:cNvSpPr>
-            <a:spLocks noGrp="1"/>
-          </p:cNvSpPr>
-          <p:nvPr>
-            <p:ph type="title"/>
-          </p:nvPr>
-        </p:nvSpPr>
-        <p:spPr/>
-        <p:txBody>
-          <a:bodyPr/>
-          <a:lstStyle/>
-          <a:p>
-            <a:r>
-              <a:rPr lang="en-US" dirty="0"/>
-              <a:t>Model to Predict Future Prices of Toronto Neighborhood </a:t>
-            </a:r>
-            <a:endParaRPr lang="en-CA" dirty="0"/>
-          </a:p>
-        </p:txBody>
-      </p:sp>
-      <p:sp>
-        <p:nvSpPr>
-          <p:cNvPr id="3" name="Espaço Reservado para Conteúdo 2">
-            <a:extLst>
-              <a:ext uri="{FF2B5EF4-FFF2-40B4-BE49-F238E27FC236}">
-                <a16:creationId xmlns:a16="http://schemas.microsoft.com/office/drawing/2014/main" id="{2EF656B4-B16B-4C47-B3E6-5F4A9A8260A6}"/>
-              </a:ext>
-            </a:extLst>
-          </p:cNvPr>
-          <p:cNvSpPr>
-            <a:spLocks noGrp="1"/>
-          </p:cNvSpPr>
-          <p:nvPr>
-            <p:ph idx="1"/>
-          </p:nvPr>
-        </p:nvSpPr>
-        <p:spPr>
-          <a:xfrm>
-            <a:off x="1069848" y="3221372"/>
-            <a:ext cx="10058400" cy="2950828"/>
-          </a:xfrm>
-        </p:spPr>
-        <p:txBody>
-          <a:bodyPr/>
-          <a:lstStyle/>
-          <a:p>
-            <a:pPr>
-              <a:lnSpc>
-                <a:spcPct val="107000"/>
-              </a:lnSpc>
-              <a:spcAft>
-                <a:spcPts val="800"/>
-              </a:spcAft>
-            </a:pPr>
-            <a:r>
-              <a:rPr lang="en-US" sz="1800" dirty="0">
-                <a:effectLst/>
-                <a:latin typeface="Georgia" panose="02040502050405020303" pitchFamily="18" charset="0"/>
-                <a:ea typeface="Calibri" panose="020F0502020204030204" pitchFamily="34" charset="0"/>
-                <a:cs typeface="Times New Roman" panose="02020603050405020304" pitchFamily="18" charset="0"/>
-              </a:rPr>
-              <a:t>Cluster based analysis – </a:t>
-            </a:r>
-            <a:r>
-              <a:rPr lang="en-CA" sz="1800" b="1" dirty="0">
-                <a:solidFill>
-                  <a:srgbClr val="202124"/>
-                </a:solidFill>
-                <a:effectLst/>
-                <a:latin typeface="Georgia" panose="02040502050405020303" pitchFamily="18" charset="0"/>
-                <a:ea typeface="Calibri" panose="020F0502020204030204" pitchFamily="34" charset="0"/>
-                <a:cs typeface="Times New Roman" panose="02020603050405020304" pitchFamily="18" charset="0"/>
-              </a:rPr>
-              <a:t>K</a:t>
-            </a:r>
-            <a:r>
-              <a:rPr lang="en-CA" sz="1800" dirty="0">
-                <a:solidFill>
-                  <a:srgbClr val="202124"/>
-                </a:solidFill>
-                <a:effectLst/>
-                <a:latin typeface="Georgia" panose="02040502050405020303" pitchFamily="18" charset="0"/>
-                <a:ea typeface="Calibri" panose="020F0502020204030204" pitchFamily="34" charset="0"/>
-                <a:cs typeface="Times New Roman" panose="02020603050405020304" pitchFamily="18" charset="0"/>
-              </a:rPr>
-              <a:t>-</a:t>
-            </a:r>
-            <a:r>
-              <a:rPr lang="en-CA" sz="1800" b="1" dirty="0">
-                <a:solidFill>
-                  <a:srgbClr val="202124"/>
-                </a:solidFill>
-                <a:effectLst/>
-                <a:latin typeface="Georgia" panose="02040502050405020303" pitchFamily="18" charset="0"/>
-                <a:ea typeface="Calibri" panose="020F0502020204030204" pitchFamily="34" charset="0"/>
-                <a:cs typeface="Times New Roman" panose="02020603050405020304" pitchFamily="18" charset="0"/>
-              </a:rPr>
-              <a:t>means clustering</a:t>
-            </a:r>
-            <a:r>
-              <a:rPr lang="en-CA" sz="1800" dirty="0">
-                <a:solidFill>
-                  <a:srgbClr val="202124"/>
-                </a:solidFill>
-                <a:effectLst/>
-                <a:latin typeface="Georgia" panose="02040502050405020303" pitchFamily="18" charset="0"/>
-                <a:ea typeface="Calibri" panose="020F0502020204030204" pitchFamily="34" charset="0"/>
-                <a:cs typeface="Times New Roman" panose="02020603050405020304" pitchFamily="18" charset="0"/>
-              </a:rPr>
-              <a:t> is one of the simplest and popular unsupervised machine learning algorithms. In other words, the </a:t>
-            </a:r>
-            <a:r>
-              <a:rPr lang="en-CA" sz="1800" b="1" dirty="0">
-                <a:solidFill>
-                  <a:srgbClr val="202124"/>
-                </a:solidFill>
-                <a:effectLst/>
-                <a:latin typeface="Georgia" panose="02040502050405020303" pitchFamily="18" charset="0"/>
-                <a:ea typeface="Calibri" panose="020F0502020204030204" pitchFamily="34" charset="0"/>
-                <a:cs typeface="Times New Roman" panose="02020603050405020304" pitchFamily="18" charset="0"/>
-              </a:rPr>
-              <a:t>K</a:t>
-            </a:r>
-            <a:r>
-              <a:rPr lang="en-CA" sz="1800" dirty="0">
-                <a:solidFill>
-                  <a:srgbClr val="202124"/>
-                </a:solidFill>
-                <a:effectLst/>
-                <a:latin typeface="Georgia" panose="02040502050405020303" pitchFamily="18" charset="0"/>
-                <a:ea typeface="Calibri" panose="020F0502020204030204" pitchFamily="34" charset="0"/>
-                <a:cs typeface="Times New Roman" panose="02020603050405020304" pitchFamily="18" charset="0"/>
-              </a:rPr>
-              <a:t>-</a:t>
-            </a:r>
-            <a:r>
-              <a:rPr lang="en-CA" sz="1800" b="1" dirty="0">
-                <a:solidFill>
-                  <a:srgbClr val="202124"/>
-                </a:solidFill>
-                <a:effectLst/>
-                <a:latin typeface="Georgia" panose="02040502050405020303" pitchFamily="18" charset="0"/>
-                <a:ea typeface="Calibri" panose="020F0502020204030204" pitchFamily="34" charset="0"/>
-                <a:cs typeface="Times New Roman" panose="02020603050405020304" pitchFamily="18" charset="0"/>
-              </a:rPr>
-              <a:t>means</a:t>
-            </a:r>
-            <a:r>
-              <a:rPr lang="en-CA" sz="1800" dirty="0">
-                <a:solidFill>
-                  <a:srgbClr val="202124"/>
-                </a:solidFill>
-                <a:effectLst/>
-                <a:latin typeface="Georgia" panose="02040502050405020303" pitchFamily="18" charset="0"/>
-                <a:ea typeface="Calibri" panose="020F0502020204030204" pitchFamily="34" charset="0"/>
-                <a:cs typeface="Times New Roman" panose="02020603050405020304" pitchFamily="18" charset="0"/>
-              </a:rPr>
-              <a:t> algorithm identifies </a:t>
-            </a:r>
-            <a:r>
-              <a:rPr lang="en-CA" sz="1800" b="1" dirty="0">
-                <a:solidFill>
-                  <a:srgbClr val="202124"/>
-                </a:solidFill>
-                <a:effectLst/>
-                <a:latin typeface="Georgia" panose="02040502050405020303" pitchFamily="18" charset="0"/>
-                <a:ea typeface="Calibri" panose="020F0502020204030204" pitchFamily="34" charset="0"/>
-                <a:cs typeface="Times New Roman" panose="02020603050405020304" pitchFamily="18" charset="0"/>
-              </a:rPr>
-              <a:t>k</a:t>
-            </a:r>
-            <a:r>
-              <a:rPr lang="en-CA" sz="1800" dirty="0">
-                <a:solidFill>
-                  <a:srgbClr val="202124"/>
-                </a:solidFill>
-                <a:effectLst/>
-                <a:latin typeface="Georgia" panose="02040502050405020303" pitchFamily="18" charset="0"/>
-                <a:ea typeface="Calibri" panose="020F0502020204030204" pitchFamily="34" charset="0"/>
-                <a:cs typeface="Times New Roman" panose="02020603050405020304" pitchFamily="18" charset="0"/>
-              </a:rPr>
-              <a:t> number of centroids, and then allocates every data point to the nearest </a:t>
-            </a:r>
-            <a:r>
-              <a:rPr lang="en-CA" sz="1800" b="1" dirty="0">
-                <a:solidFill>
-                  <a:srgbClr val="202124"/>
-                </a:solidFill>
-                <a:effectLst/>
-                <a:latin typeface="Georgia" panose="02040502050405020303" pitchFamily="18" charset="0"/>
-                <a:ea typeface="Calibri" panose="020F0502020204030204" pitchFamily="34" charset="0"/>
-                <a:cs typeface="Times New Roman" panose="02020603050405020304" pitchFamily="18" charset="0"/>
-              </a:rPr>
-              <a:t>cluster</a:t>
-            </a:r>
-            <a:r>
-              <a:rPr lang="en-CA" sz="1800" dirty="0">
-                <a:solidFill>
-                  <a:srgbClr val="202124"/>
-                </a:solidFill>
-                <a:effectLst/>
-                <a:latin typeface="Georgia" panose="02040502050405020303" pitchFamily="18" charset="0"/>
-                <a:ea typeface="Calibri" panose="020F0502020204030204" pitchFamily="34" charset="0"/>
-                <a:cs typeface="Times New Roman" panose="02020603050405020304" pitchFamily="18" charset="0"/>
-              </a:rPr>
-              <a:t>, while keeping the centroids as small as possible</a:t>
-            </a:r>
-            <a:endParaRPr lang="en-CA" sz="1800" dirty="0">
-              <a:effectLst/>
-              <a:latin typeface="Georgia" panose="02040502050405020303" pitchFamily="18" charset="0"/>
-              <a:ea typeface="Calibri" panose="020F0502020204030204" pitchFamily="34" charset="0"/>
-              <a:cs typeface="Times New Roman" panose="02020603050405020304" pitchFamily="18" charset="0"/>
-            </a:endParaRPr>
-          </a:p>
-        </p:txBody>
-      </p:sp>
-    </p:spTree>
-    <p:extLst>
-      <p:ext uri="{BB962C8B-B14F-4D97-AF65-F5344CB8AC3E}">
-        <p14:creationId xmlns:p14="http://schemas.microsoft.com/office/powerpoint/2010/main" val="1563138537"/>
       </p:ext>
     </p:extLst>
   </p:cSld>
